--- a/presentation/groundwater_followup.pptx
+++ b/presentation/groundwater_followup.pptx
@@ -5,34 +5,35 @@
     <p:sldMasterId id="2147483648" r:id="rId1"/>
   </p:sldMasterIdLst>
   <p:notesMasterIdLst>
-    <p:notesMasterId r:id="rId27"/>
+    <p:notesMasterId r:id="rId28"/>
   </p:notesMasterIdLst>
   <p:sldIdLst>
     <p:sldId id="283" r:id="rId2"/>
-    <p:sldId id="256" r:id="rId3"/>
-    <p:sldId id="257" r:id="rId4"/>
-    <p:sldId id="274" r:id="rId5"/>
-    <p:sldId id="258" r:id="rId6"/>
-    <p:sldId id="259" r:id="rId7"/>
-    <p:sldId id="260" r:id="rId8"/>
-    <p:sldId id="261" r:id="rId9"/>
-    <p:sldId id="262" r:id="rId10"/>
-    <p:sldId id="263" r:id="rId11"/>
-    <p:sldId id="264" r:id="rId12"/>
-    <p:sldId id="266" r:id="rId13"/>
-    <p:sldId id="275" r:id="rId14"/>
-    <p:sldId id="268" r:id="rId15"/>
-    <p:sldId id="267" r:id="rId16"/>
-    <p:sldId id="269" r:id="rId17"/>
-    <p:sldId id="270" r:id="rId18"/>
-    <p:sldId id="265" r:id="rId19"/>
-    <p:sldId id="273" r:id="rId20"/>
-    <p:sldId id="271" r:id="rId21"/>
-    <p:sldId id="272" r:id="rId22"/>
-    <p:sldId id="282" r:id="rId23"/>
-    <p:sldId id="277" r:id="rId24"/>
-    <p:sldId id="279" r:id="rId25"/>
-    <p:sldId id="281" r:id="rId26"/>
+    <p:sldId id="284" r:id="rId3"/>
+    <p:sldId id="256" r:id="rId4"/>
+    <p:sldId id="257" r:id="rId5"/>
+    <p:sldId id="274" r:id="rId6"/>
+    <p:sldId id="258" r:id="rId7"/>
+    <p:sldId id="259" r:id="rId8"/>
+    <p:sldId id="260" r:id="rId9"/>
+    <p:sldId id="261" r:id="rId10"/>
+    <p:sldId id="262" r:id="rId11"/>
+    <p:sldId id="263" r:id="rId12"/>
+    <p:sldId id="264" r:id="rId13"/>
+    <p:sldId id="266" r:id="rId14"/>
+    <p:sldId id="275" r:id="rId15"/>
+    <p:sldId id="268" r:id="rId16"/>
+    <p:sldId id="267" r:id="rId17"/>
+    <p:sldId id="269" r:id="rId18"/>
+    <p:sldId id="270" r:id="rId19"/>
+    <p:sldId id="265" r:id="rId20"/>
+    <p:sldId id="273" r:id="rId21"/>
+    <p:sldId id="271" r:id="rId22"/>
+    <p:sldId id="272" r:id="rId23"/>
+    <p:sldId id="282" r:id="rId24"/>
+    <p:sldId id="277" r:id="rId25"/>
+    <p:sldId id="279" r:id="rId26"/>
+    <p:sldId id="281" r:id="rId27"/>
   </p:sldIdLst>
   <p:sldSz cx="12192000" cy="6858000"/>
   <p:notesSz cx="6858000" cy="9144000"/>
@@ -137,6 +138,7 @@
         <p14:section name="Default Section" id="{F1B1DCC2-59F7-47FB-B72F-030298CE1019}">
           <p14:sldIdLst>
             <p14:sldId id="283"/>
+            <p14:sldId id="284"/>
           </p14:sldIdLst>
         </p14:section>
         <p14:section name="Sprint 1 (28/05/2019)" id="{EEA03BA1-9B17-4993-9E06-3DC43F3AC1F5}">
@@ -179,7 +181,7 @@
 <file path=ppt/revisionInfo.xml><?xml version="1.0" encoding="utf-8"?>
 <p1510:revInfo xmlns:a="http://schemas.openxmlformats.org/drawingml/2006/main" xmlns:r="http://schemas.openxmlformats.org/officeDocument/2006/relationships" xmlns:p1510="http://schemas.microsoft.com/office/powerpoint/2015/10/main">
   <p1510:revLst>
-    <p1510:client id="{2B2E02C9-F92B-46B7-AEE7-BDDE26A8B4F0}" v="147" dt="2019-05-29T06:26:16.436"/>
+    <p1510:client id="{F5091CEC-A69F-4B4D-BF1D-9B075408F942}" v="70" dt="2019-06-02T12:19:00.522"/>
   </p1510:revLst>
 </p1510:revInfo>
 </file>
@@ -247,21 +249,6 @@
           </ac:picMkLst>
         </pc:picChg>
       </pc:sldChg>
-      <pc:sldChg chg="modSp add del">
-        <pc:chgData name="Davor Josipovic" userId="c5beaa7c1ac2955a" providerId="LiveId" clId="{2B2E02C9-F92B-46B7-AEE7-BDDE26A8B4F0}" dt="2019-05-28T11:30:59.363" v="121" actId="2696"/>
-        <pc:sldMkLst>
-          <pc:docMk/>
-          <pc:sldMk cId="334428716" sldId="283"/>
-        </pc:sldMkLst>
-        <pc:spChg chg="mod">
-          <ac:chgData name="Davor Josipovic" userId="c5beaa7c1ac2955a" providerId="LiveId" clId="{2B2E02C9-F92B-46B7-AEE7-BDDE26A8B4F0}" dt="2019-05-28T11:30:55.920" v="120" actId="20577"/>
-          <ac:spMkLst>
-            <pc:docMk/>
-            <pc:sldMk cId="334428716" sldId="283"/>
-            <ac:spMk id="3" creationId="{EC34D422-AE72-4112-8B81-165A796C3472}"/>
-          </ac:spMkLst>
-        </pc:spChg>
-      </pc:sldChg>
       <pc:sldChg chg="modSp add">
         <pc:chgData name="Davor Josipovic" userId="c5beaa7c1ac2955a" providerId="LiveId" clId="{2B2E02C9-F92B-46B7-AEE7-BDDE26A8B4F0}" dt="2019-05-29T06:25:48.418" v="143" actId="20577"/>
         <pc:sldMkLst>
@@ -295,6 +282,69 @@
       </pc:sldChg>
     </pc:docChg>
   </pc:docChgLst>
+  <pc:docChgLst>
+    <pc:chgData name="Davor Josipovic" userId="c5beaa7c1ac2955a" providerId="LiveId" clId="{F5091CEC-A69F-4B4D-BF1D-9B075408F942}"/>
+    <pc:docChg chg="undo custSel addSld modSld">
+      <pc:chgData name="Davor Josipovic" userId="c5beaa7c1ac2955a" providerId="LiveId" clId="{F5091CEC-A69F-4B4D-BF1D-9B075408F942}" dt="2019-06-02T12:19:00.522" v="66" actId="20577"/>
+      <pc:docMkLst>
+        <pc:docMk/>
+      </pc:docMkLst>
+      <pc:sldChg chg="addSp delSp modSp">
+        <pc:chgData name="Davor Josipovic" userId="c5beaa7c1ac2955a" providerId="LiveId" clId="{F5091CEC-A69F-4B4D-BF1D-9B075408F942}" dt="2019-06-02T12:16:25.668" v="17"/>
+        <pc:sldMkLst>
+          <pc:docMk/>
+          <pc:sldMk cId="1027892247" sldId="268"/>
+        </pc:sldMkLst>
+        <pc:picChg chg="add del mod">
+          <ac:chgData name="Davor Josipovic" userId="c5beaa7c1ac2955a" providerId="LiveId" clId="{F5091CEC-A69F-4B4D-BF1D-9B075408F942}" dt="2019-06-02T12:16:25.668" v="17"/>
+          <ac:picMkLst>
+            <pc:docMk/>
+            <pc:sldMk cId="1027892247" sldId="268"/>
+            <ac:picMk id="4" creationId="{96C7B94B-AD3E-4E53-8A09-B79A3EF4E2AA}"/>
+          </ac:picMkLst>
+        </pc:picChg>
+        <pc:picChg chg="add del">
+          <ac:chgData name="Davor Josipovic" userId="c5beaa7c1ac2955a" providerId="LiveId" clId="{F5091CEC-A69F-4B4D-BF1D-9B075408F942}" dt="2019-06-02T12:16:24.673" v="13" actId="478"/>
+          <ac:picMkLst>
+            <pc:docMk/>
+            <pc:sldMk cId="1027892247" sldId="268"/>
+            <ac:picMk id="5" creationId="{A40A20E4-D624-4ABD-983D-0A45F9E972ED}"/>
+          </ac:picMkLst>
+        </pc:picChg>
+        <pc:picChg chg="add del">
+          <ac:chgData name="Davor Josipovic" userId="c5beaa7c1ac2955a" providerId="LiveId" clId="{F5091CEC-A69F-4B4D-BF1D-9B075408F942}" dt="2019-06-02T12:16:25.358" v="16" actId="478"/>
+          <ac:picMkLst>
+            <pc:docMk/>
+            <pc:sldMk cId="1027892247" sldId="268"/>
+            <ac:picMk id="6" creationId="{B3191E96-9D61-4C62-8040-AFA5B524F0E6}"/>
+          </ac:picMkLst>
+        </pc:picChg>
+        <pc:picChg chg="add del mod">
+          <ac:chgData name="Davor Josipovic" userId="c5beaa7c1ac2955a" providerId="LiveId" clId="{F5091CEC-A69F-4B4D-BF1D-9B075408F942}" dt="2019-06-02T12:16:24.486" v="12"/>
+          <ac:picMkLst>
+            <pc:docMk/>
+            <pc:sldMk cId="1027892247" sldId="268"/>
+            <ac:picMk id="7" creationId="{D5443115-89B2-43AE-8A8A-C41E2443C31F}"/>
+          </ac:picMkLst>
+        </pc:picChg>
+      </pc:sldChg>
+      <pc:sldChg chg="modSp add modNotesTx">
+        <pc:chgData name="Davor Josipovic" userId="c5beaa7c1ac2955a" providerId="LiveId" clId="{F5091CEC-A69F-4B4D-BF1D-9B075408F942}" dt="2019-06-02T12:19:00.522" v="66" actId="20577"/>
+        <pc:sldMkLst>
+          <pc:docMk/>
+          <pc:sldMk cId="2196440616" sldId="284"/>
+        </pc:sldMkLst>
+        <pc:spChg chg="mod">
+          <ac:chgData name="Davor Josipovic" userId="c5beaa7c1ac2955a" providerId="LiveId" clId="{F5091CEC-A69F-4B4D-BF1D-9B075408F942}" dt="2019-06-02T12:19:00.522" v="66" actId="20577"/>
+          <ac:spMkLst>
+            <pc:docMk/>
+            <pc:sldMk cId="2196440616" sldId="284"/>
+            <ac:spMk id="2" creationId="{6D80A9A5-3296-40DF-AB8B-E1B2FFA1A316}"/>
+          </ac:spMkLst>
+        </pc:spChg>
+      </pc:sldChg>
+    </pc:docChg>
+  </pc:docChgLst>
 </pc:chgInfo>
 </file>
 
@@ -380,7 +430,7 @@
           <a:p>
             <a:fld id="{70D3FD57-3918-4789-8259-B6861B793F5F}" type="datetimeFigureOut">
               <a:rPr lang="en-US" smtClean="0"/>
-              <a:t>5/28/2019</a:t>
+              <a:t>6/2/2019</a:t>
             </a:fld>
             <a:endParaRPr lang="en-US"/>
           </a:p>
@@ -692,60 +742,14 @@
           <a:lstStyle/>
           <a:p>
             <a:r>
-              <a:rPr lang="en-US" dirty="0" err="1"/>
-              <a:t>Tresholds</a:t>
-            </a:r>
-            <a:r>
               <a:rPr lang="en-US" dirty="0"/>
-              <a:t> </a:t>
-            </a:r>
-            <a:r>
-              <a:rPr lang="en-US" dirty="0" err="1"/>
-              <a:t>voor</a:t>
-            </a:r>
+              <a:t>Excluded: BAOL089|BAOL079|BAOL006</a:t>
+            </a:r>
+          </a:p>
+          <a:p>
             <a:r>
               <a:rPr lang="en-US" dirty="0"/>
-              <a:t> outliers </a:t>
-            </a:r>
-            <a:r>
-              <a:rPr lang="en-US" dirty="0" err="1"/>
-              <a:t>kunnen</a:t>
-            </a:r>
-            <a:r>
-              <a:rPr lang="en-US" dirty="0"/>
-              <a:t> </a:t>
-            </a:r>
-            <a:r>
-              <a:rPr lang="en-US" dirty="0" err="1"/>
-              <a:t>berekend</a:t>
-            </a:r>
-            <a:r>
-              <a:rPr lang="en-US" dirty="0"/>
-              <a:t> </a:t>
-            </a:r>
-            <a:r>
-              <a:rPr lang="en-US" dirty="0" err="1"/>
-              <a:t>worden</a:t>
-            </a:r>
-            <a:r>
-              <a:rPr lang="en-US" dirty="0"/>
-              <a:t> op basis van </a:t>
-            </a:r>
-            <a:r>
-              <a:rPr lang="en-US" dirty="0" err="1"/>
-              <a:t>handmatige</a:t>
-            </a:r>
-            <a:r>
-              <a:rPr lang="en-US" dirty="0"/>
-              <a:t> prior </a:t>
-            </a:r>
-            <a:r>
-              <a:rPr lang="en-US" dirty="0" err="1"/>
-              <a:t>analyse</a:t>
-            </a:r>
-            <a:r>
-              <a:rPr lang="en-US" dirty="0"/>
-              <a:t>, of </a:t>
+              <a:t>Range: 800 &lt; x &lt; 1200</a:t>
             </a:r>
           </a:p>
         </p:txBody>
@@ -767,7 +771,7 @@
           <a:p>
             <a:fld id="{CDFDF6FA-C9C5-403D-8A8F-838FF3722E4D}" type="slidenum">
               <a:rPr lang="en-US" smtClean="0"/>
-              <a:t>18</a:t>
+              <a:t>2</a:t>
             </a:fld>
             <a:endParaRPr lang="en-US"/>
           </a:p>
@@ -776,7 +780,7 @@
     </p:spTree>
     <p:extLst>
       <p:ext uri="{BB962C8B-B14F-4D97-AF65-F5344CB8AC3E}">
-        <p14:creationId xmlns:p14="http://schemas.microsoft.com/office/powerpoint/2010/main" val="1010105218"/>
+        <p14:creationId xmlns:p14="http://schemas.microsoft.com/office/powerpoint/2010/main" val="640992638"/>
       </p:ext>
     </p:extLst>
   </p:cSld>
@@ -832,15 +836,7 @@
           <a:p>
             <a:r>
               <a:rPr lang="en-US" dirty="0" err="1"/>
-              <a:t>Bijvoorbeeld</a:t>
-            </a:r>
-            <a:r>
-              <a:rPr lang="en-US" dirty="0"/>
-              <a:t>, </a:t>
-            </a:r>
-            <a:r>
-              <a:rPr lang="en-US" dirty="0" err="1"/>
-              <a:t>somige</a:t>
+              <a:t>Tresholds</a:t>
             </a:r>
             <a:r>
               <a:rPr lang="en-US" dirty="0"/>
@@ -848,7 +844,15 @@
             </a:r>
             <a:r>
               <a:rPr lang="en-US" dirty="0" err="1"/>
-              <a:t>regio’s</a:t>
+              <a:t>voor</a:t>
+            </a:r>
+            <a:r>
+              <a:rPr lang="en-US" dirty="0"/>
+              <a:t> outliers </a:t>
+            </a:r>
+            <a:r>
+              <a:rPr lang="en-US" dirty="0" err="1"/>
+              <a:t>kunnen</a:t>
             </a:r>
             <a:r>
               <a:rPr lang="en-US" dirty="0"/>
@@ -856,7 +860,7 @@
             </a:r>
             <a:r>
               <a:rPr lang="en-US" dirty="0" err="1"/>
-              <a:t>hebben</a:t>
+              <a:t>berekend</a:t>
             </a:r>
             <a:r>
               <a:rPr lang="en-US" dirty="0"/>
@@ -864,51 +868,27 @@
             </a:r>
             <a:r>
               <a:rPr lang="en-US" dirty="0" err="1"/>
-              <a:t>lagere</a:t>
+              <a:t>worden</a:t>
             </a:r>
             <a:r>
               <a:rPr lang="en-US" dirty="0"/>
-              <a:t> of </a:t>
+              <a:t> op basis van </a:t>
             </a:r>
             <a:r>
               <a:rPr lang="en-US" dirty="0" err="1"/>
-              <a:t>hogere</a:t>
+              <a:t>handmatige</a:t>
             </a:r>
             <a:r>
               <a:rPr lang="en-US" dirty="0"/>
-              <a:t> temperature, wat </a:t>
+              <a:t> prior </a:t>
             </a:r>
             <a:r>
               <a:rPr lang="en-US" dirty="0" err="1"/>
-              <a:t>resulteert</a:t>
+              <a:t>analyse</a:t>
             </a:r>
             <a:r>
               <a:rPr lang="en-US" dirty="0"/>
-              <a:t> in </a:t>
-            </a:r>
-            <a:r>
-              <a:rPr lang="en-US" dirty="0" err="1"/>
-              <a:t>hogere</a:t>
-            </a:r>
-            <a:r>
-              <a:rPr lang="en-US" dirty="0"/>
-              <a:t> of </a:t>
-            </a:r>
-            <a:r>
-              <a:rPr lang="en-US" dirty="0" err="1"/>
-              <a:t>lagere</a:t>
-            </a:r>
-            <a:r>
-              <a:rPr lang="en-US" dirty="0"/>
-              <a:t> </a:t>
-            </a:r>
-            <a:r>
-              <a:rPr lang="en-US" dirty="0" err="1"/>
-              <a:t>luchtdruk</a:t>
-            </a:r>
-            <a:r>
-              <a:rPr lang="en-US" dirty="0"/>
-              <a:t>.</a:t>
+              <a:t>, of </a:t>
             </a:r>
           </a:p>
         </p:txBody>
@@ -930,7 +910,7 @@
           <a:p>
             <a:fld id="{CDFDF6FA-C9C5-403D-8A8F-838FF3722E4D}" type="slidenum">
               <a:rPr lang="en-US" smtClean="0"/>
-              <a:t>20</a:t>
+              <a:t>19</a:t>
             </a:fld>
             <a:endParaRPr lang="en-US"/>
           </a:p>
@@ -939,7 +919,7 @@
     </p:spTree>
     <p:extLst>
       <p:ext uri="{BB962C8B-B14F-4D97-AF65-F5344CB8AC3E}">
-        <p14:creationId xmlns:p14="http://schemas.microsoft.com/office/powerpoint/2010/main" val="2763382228"/>
+        <p14:creationId xmlns:p14="http://schemas.microsoft.com/office/powerpoint/2010/main" val="1010105218"/>
       </p:ext>
     </p:extLst>
   </p:cSld>
@@ -993,7 +973,86 @@
           <a:bodyPr/>
           <a:lstStyle/>
           <a:p>
-            <a:endParaRPr lang="en-US" dirty="0"/>
+            <a:r>
+              <a:rPr lang="en-US" dirty="0" err="1"/>
+              <a:t>Bijvoorbeeld</a:t>
+            </a:r>
+            <a:r>
+              <a:rPr lang="en-US" dirty="0"/>
+              <a:t>, </a:t>
+            </a:r>
+            <a:r>
+              <a:rPr lang="en-US" dirty="0" err="1"/>
+              <a:t>somige</a:t>
+            </a:r>
+            <a:r>
+              <a:rPr lang="en-US" dirty="0"/>
+              <a:t> </a:t>
+            </a:r>
+            <a:r>
+              <a:rPr lang="en-US" dirty="0" err="1"/>
+              <a:t>regio’s</a:t>
+            </a:r>
+            <a:r>
+              <a:rPr lang="en-US" dirty="0"/>
+              <a:t> </a:t>
+            </a:r>
+            <a:r>
+              <a:rPr lang="en-US" dirty="0" err="1"/>
+              <a:t>hebben</a:t>
+            </a:r>
+            <a:r>
+              <a:rPr lang="en-US" dirty="0"/>
+              <a:t> </a:t>
+            </a:r>
+            <a:r>
+              <a:rPr lang="en-US" dirty="0" err="1"/>
+              <a:t>lagere</a:t>
+            </a:r>
+            <a:r>
+              <a:rPr lang="en-US" dirty="0"/>
+              <a:t> of </a:t>
+            </a:r>
+            <a:r>
+              <a:rPr lang="en-US" dirty="0" err="1"/>
+              <a:t>hogere</a:t>
+            </a:r>
+            <a:r>
+              <a:rPr lang="en-US" dirty="0"/>
+              <a:t> temperature, wat </a:t>
+            </a:r>
+            <a:r>
+              <a:rPr lang="en-US" dirty="0" err="1"/>
+              <a:t>resulteert</a:t>
+            </a:r>
+            <a:r>
+              <a:rPr lang="en-US" dirty="0"/>
+              <a:t> in </a:t>
+            </a:r>
+            <a:r>
+              <a:rPr lang="en-US" dirty="0" err="1"/>
+              <a:t>hogere</a:t>
+            </a:r>
+            <a:r>
+              <a:rPr lang="en-US" dirty="0"/>
+              <a:t> of </a:t>
+            </a:r>
+            <a:r>
+              <a:rPr lang="en-US" dirty="0" err="1"/>
+              <a:t>lagere</a:t>
+            </a:r>
+            <a:r>
+              <a:rPr lang="en-US" dirty="0"/>
+              <a:t> </a:t>
+            </a:r>
+            <a:r>
+              <a:rPr lang="en-US" dirty="0" err="1"/>
+              <a:t>luchtdruk</a:t>
+            </a:r>
+            <a:r>
+              <a:rPr lang="en-US" dirty="0"/>
+              <a:t>.</a:t>
+            </a:r>
           </a:p>
         </p:txBody>
       </p:sp>
@@ -1023,7 +1082,7 @@
     </p:spTree>
     <p:extLst>
       <p:ext uri="{BB962C8B-B14F-4D97-AF65-F5344CB8AC3E}">
-        <p14:creationId xmlns:p14="http://schemas.microsoft.com/office/powerpoint/2010/main" val="4294314713"/>
+        <p14:creationId xmlns:p14="http://schemas.microsoft.com/office/powerpoint/2010/main" val="2763382228"/>
       </p:ext>
     </p:extLst>
   </p:cSld>
@@ -1077,10 +1136,7 @@
           <a:bodyPr/>
           <a:lstStyle/>
           <a:p>
-            <a:r>
-              <a:rPr lang="en-US" dirty="0"/>
-              <a:t>Very long tails, not normal</a:t>
-            </a:r>
+            <a:endParaRPr lang="en-US" dirty="0"/>
           </a:p>
         </p:txBody>
       </p:sp>
@@ -1110,7 +1166,7 @@
     </p:spTree>
     <p:extLst>
       <p:ext uri="{BB962C8B-B14F-4D97-AF65-F5344CB8AC3E}">
-        <p14:creationId xmlns:p14="http://schemas.microsoft.com/office/powerpoint/2010/main" val="1847449081"/>
+        <p14:creationId xmlns:p14="http://schemas.microsoft.com/office/powerpoint/2010/main" val="4294314713"/>
       </p:ext>
     </p:extLst>
   </p:cSld>
@@ -1165,6 +1221,93 @@
           <a:lstStyle/>
           <a:p>
             <a:r>
+              <a:rPr lang="en-US" dirty="0"/>
+              <a:t>Very long tails, not normal</a:t>
+            </a:r>
+          </a:p>
+        </p:txBody>
+      </p:sp>
+      <p:sp>
+        <p:nvSpPr>
+          <p:cNvPr id="4" name="Slide Number Placeholder 3"/>
+          <p:cNvSpPr>
+            <a:spLocks noGrp="1"/>
+          </p:cNvSpPr>
+          <p:nvPr>
+            <p:ph type="sldNum" sz="quarter" idx="5"/>
+          </p:nvPr>
+        </p:nvSpPr>
+        <p:spPr/>
+        <p:txBody>
+          <a:bodyPr/>
+          <a:lstStyle/>
+          <a:p>
+            <a:fld id="{CDFDF6FA-C9C5-403D-8A8F-838FF3722E4D}" type="slidenum">
+              <a:rPr lang="en-US" smtClean="0"/>
+              <a:t>23</a:t>
+            </a:fld>
+            <a:endParaRPr lang="en-US"/>
+          </a:p>
+        </p:txBody>
+      </p:sp>
+    </p:spTree>
+    <p:extLst>
+      <p:ext uri="{BB962C8B-B14F-4D97-AF65-F5344CB8AC3E}">
+        <p14:creationId xmlns:p14="http://schemas.microsoft.com/office/powerpoint/2010/main" val="1847449081"/>
+      </p:ext>
+    </p:extLst>
+  </p:cSld>
+  <p:clrMapOvr>
+    <a:masterClrMapping/>
+  </p:clrMapOvr>
+</p:notes>
+</file>
+
+<file path=ppt/notesSlides/notesSlide6.xml><?xml version="1.0" encoding="utf-8"?>
+<p:notes xmlns:a="http://schemas.openxmlformats.org/drawingml/2006/main" xmlns:r="http://schemas.openxmlformats.org/officeDocument/2006/relationships" xmlns:p="http://schemas.openxmlformats.org/presentationml/2006/main">
+  <p:cSld>
+    <p:spTree>
+      <p:nvGrpSpPr>
+        <p:cNvPr id="1" name=""/>
+        <p:cNvGrpSpPr/>
+        <p:nvPr/>
+      </p:nvGrpSpPr>
+      <p:grpSpPr>
+        <a:xfrm>
+          <a:off x="0" y="0"/>
+          <a:ext cx="0" cy="0"/>
+          <a:chOff x="0" y="0"/>
+          <a:chExt cx="0" cy="0"/>
+        </a:xfrm>
+      </p:grpSpPr>
+      <p:sp>
+        <p:nvSpPr>
+          <p:cNvPr id="2" name="Slide Image Placeholder 1"/>
+          <p:cNvSpPr>
+            <a:spLocks noGrp="1" noRot="1" noChangeAspect="1"/>
+          </p:cNvSpPr>
+          <p:nvPr>
+            <p:ph type="sldImg"/>
+          </p:nvPr>
+        </p:nvSpPr>
+        <p:spPr/>
+      </p:sp>
+      <p:sp>
+        <p:nvSpPr>
+          <p:cNvPr id="3" name="Notes Placeholder 2"/>
+          <p:cNvSpPr>
+            <a:spLocks noGrp="1"/>
+          </p:cNvSpPr>
+          <p:nvPr>
+            <p:ph type="body" idx="1"/>
+          </p:nvPr>
+        </p:nvSpPr>
+        <p:spPr/>
+        <p:txBody>
+          <a:bodyPr/>
+          <a:lstStyle/>
+          <a:p>
+            <a:r>
               <a:rPr lang="en-US" dirty="0" err="1"/>
               <a:t>Misschien</a:t>
             </a:r>
@@ -1264,7 +1407,7 @@
           <a:p>
             <a:fld id="{CDFDF6FA-C9C5-403D-8A8F-838FF3722E4D}" type="slidenum">
               <a:rPr lang="en-US" smtClean="0"/>
-              <a:t>24</a:t>
+              <a:t>25</a:t>
             </a:fld>
             <a:endParaRPr lang="en-US"/>
           </a:p>
@@ -1432,7 +1575,7 @@
           <a:p>
             <a:fld id="{1F62A362-03E1-4775-BA67-CBC001C763DD}" type="datetimeFigureOut">
               <a:rPr lang="nl-BE" smtClean="0"/>
-              <a:t>28/05/2019</a:t>
+              <a:t>2/06/2019</a:t>
             </a:fld>
             <a:endParaRPr lang="nl-BE"/>
           </a:p>
@@ -1632,7 +1775,7 @@
           <a:p>
             <a:fld id="{1F62A362-03E1-4775-BA67-CBC001C763DD}" type="datetimeFigureOut">
               <a:rPr lang="nl-BE" smtClean="0"/>
-              <a:t>28/05/2019</a:t>
+              <a:t>2/06/2019</a:t>
             </a:fld>
             <a:endParaRPr lang="nl-BE"/>
           </a:p>
@@ -1842,7 +1985,7 @@
           <a:p>
             <a:fld id="{1F62A362-03E1-4775-BA67-CBC001C763DD}" type="datetimeFigureOut">
               <a:rPr lang="nl-BE" smtClean="0"/>
-              <a:t>28/05/2019</a:t>
+              <a:t>2/06/2019</a:t>
             </a:fld>
             <a:endParaRPr lang="nl-BE"/>
           </a:p>
@@ -2042,7 +2185,7 @@
           <a:p>
             <a:fld id="{1F62A362-03E1-4775-BA67-CBC001C763DD}" type="datetimeFigureOut">
               <a:rPr lang="nl-BE" smtClean="0"/>
-              <a:t>28/05/2019</a:t>
+              <a:t>2/06/2019</a:t>
             </a:fld>
             <a:endParaRPr lang="nl-BE"/>
           </a:p>
@@ -2318,7 +2461,7 @@
           <a:p>
             <a:fld id="{1F62A362-03E1-4775-BA67-CBC001C763DD}" type="datetimeFigureOut">
               <a:rPr lang="nl-BE" smtClean="0"/>
-              <a:t>28/05/2019</a:t>
+              <a:t>2/06/2019</a:t>
             </a:fld>
             <a:endParaRPr lang="nl-BE"/>
           </a:p>
@@ -2586,7 +2729,7 @@
           <a:p>
             <a:fld id="{1F62A362-03E1-4775-BA67-CBC001C763DD}" type="datetimeFigureOut">
               <a:rPr lang="nl-BE" smtClean="0"/>
-              <a:t>28/05/2019</a:t>
+              <a:t>2/06/2019</a:t>
             </a:fld>
             <a:endParaRPr lang="nl-BE"/>
           </a:p>
@@ -3001,7 +3144,7 @@
           <a:p>
             <a:fld id="{1F62A362-03E1-4775-BA67-CBC001C763DD}" type="datetimeFigureOut">
               <a:rPr lang="nl-BE" smtClean="0"/>
-              <a:t>28/05/2019</a:t>
+              <a:t>2/06/2019</a:t>
             </a:fld>
             <a:endParaRPr lang="nl-BE"/>
           </a:p>
@@ -3143,7 +3286,7 @@
           <a:p>
             <a:fld id="{1F62A362-03E1-4775-BA67-CBC001C763DD}" type="datetimeFigureOut">
               <a:rPr lang="nl-BE" smtClean="0"/>
-              <a:t>28/05/2019</a:t>
+              <a:t>2/06/2019</a:t>
             </a:fld>
             <a:endParaRPr lang="nl-BE"/>
           </a:p>
@@ -3256,7 +3399,7 @@
           <a:p>
             <a:fld id="{1F62A362-03E1-4775-BA67-CBC001C763DD}" type="datetimeFigureOut">
               <a:rPr lang="nl-BE" smtClean="0"/>
-              <a:t>28/05/2019</a:t>
+              <a:t>2/06/2019</a:t>
             </a:fld>
             <a:endParaRPr lang="nl-BE"/>
           </a:p>
@@ -3569,7 +3712,7 @@
           <a:p>
             <a:fld id="{1F62A362-03E1-4775-BA67-CBC001C763DD}" type="datetimeFigureOut">
               <a:rPr lang="nl-BE" smtClean="0"/>
-              <a:t>28/05/2019</a:t>
+              <a:t>2/06/2019</a:t>
             </a:fld>
             <a:endParaRPr lang="nl-BE"/>
           </a:p>
@@ -3858,7 +4001,7 @@
           <a:p>
             <a:fld id="{1F62A362-03E1-4775-BA67-CBC001C763DD}" type="datetimeFigureOut">
               <a:rPr lang="nl-BE" smtClean="0"/>
-              <a:t>28/05/2019</a:t>
+              <a:t>2/06/2019</a:t>
             </a:fld>
             <a:endParaRPr lang="nl-BE"/>
           </a:p>
@@ -4101,7 +4244,7 @@
           <a:p>
             <a:fld id="{1F62A362-03E1-4775-BA67-CBC001C763DD}" type="datetimeFigureOut">
               <a:rPr lang="nl-BE" smtClean="0"/>
-              <a:t>28/05/2019</a:t>
+              <a:t>2/06/2019</a:t>
             </a:fld>
             <a:endParaRPr lang="nl-BE"/>
           </a:p>
@@ -4684,6 +4827,143 @@
       </p:sp>
       <p:pic>
         <p:nvPicPr>
+          <p:cNvPr id="5" name="Picture 4">
+            <a:extLst>
+              <a:ext uri="{FF2B5EF4-FFF2-40B4-BE49-F238E27FC236}">
+                <a16:creationId xmlns:a16="http://schemas.microsoft.com/office/drawing/2014/main" id="{3E1F0056-CB14-41C4-8E1B-2717D99E04BA}"/>
+              </a:ext>
+            </a:extLst>
+          </p:cNvPr>
+          <p:cNvPicPr>
+            <a:picLocks noChangeAspect="1"/>
+          </p:cNvPicPr>
+          <p:nvPr/>
+        </p:nvPicPr>
+        <p:blipFill>
+          <a:blip r:embed="rId3"/>
+          <a:stretch>
+            <a:fillRect/>
+          </a:stretch>
+        </p:blipFill>
+        <p:spPr>
+          <a:xfrm>
+            <a:off x="2136000" y="2531485"/>
+            <a:ext cx="7920000" cy="3961390"/>
+          </a:xfrm>
+          <a:prstGeom prst="rect">
+            <a:avLst/>
+          </a:prstGeom>
+        </p:spPr>
+      </p:pic>
+    </p:spTree>
+    <p:extLst>
+      <p:ext uri="{BB962C8B-B14F-4D97-AF65-F5344CB8AC3E}">
+        <p14:creationId xmlns:p14="http://schemas.microsoft.com/office/powerpoint/2010/main" val="3977042041"/>
+      </p:ext>
+    </p:extLst>
+  </p:cSld>
+  <p:clrMapOvr>
+    <a:masterClrMapping/>
+  </p:clrMapOvr>
+</p:sld>
+</file>
+
+<file path=ppt/slides/slide11.xml><?xml version="1.0" encoding="utf-8"?>
+<p:sld xmlns:a="http://schemas.openxmlformats.org/drawingml/2006/main" xmlns:r="http://schemas.openxmlformats.org/officeDocument/2006/relationships" xmlns:p="http://schemas.openxmlformats.org/presentationml/2006/main">
+  <p:cSld>
+    <p:spTree>
+      <p:nvGrpSpPr>
+        <p:cNvPr id="1" name=""/>
+        <p:cNvGrpSpPr/>
+        <p:nvPr/>
+      </p:nvGrpSpPr>
+      <p:grpSpPr>
+        <a:xfrm>
+          <a:off x="0" y="0"/>
+          <a:ext cx="0" cy="0"/>
+          <a:chOff x="0" y="0"/>
+          <a:chExt cx="0" cy="0"/>
+        </a:xfrm>
+      </p:grpSpPr>
+      <p:sp>
+        <p:nvSpPr>
+          <p:cNvPr id="2" name="Title 1">
+            <a:extLst>
+              <a:ext uri="{FF2B5EF4-FFF2-40B4-BE49-F238E27FC236}">
+                <a16:creationId xmlns:a16="http://schemas.microsoft.com/office/drawing/2014/main" id="{6D80A9A5-3296-40DF-AB8B-E1B2FFA1A316}"/>
+              </a:ext>
+            </a:extLst>
+          </p:cNvPr>
+          <p:cNvSpPr>
+            <a:spLocks noGrp="1"/>
+          </p:cNvSpPr>
+          <p:nvPr>
+            <p:ph type="title"/>
+          </p:nvPr>
+        </p:nvSpPr>
+        <p:spPr>
+          <a:xfrm>
+            <a:off x="838200" y="365125"/>
+            <a:ext cx="10515600" cy="1325563"/>
+          </a:xfrm>
+        </p:spPr>
+        <p:txBody>
+          <a:bodyPr/>
+          <a:lstStyle/>
+          <a:p>
+            <a:r>
+              <a:rPr lang="nl-BE" dirty="0" err="1"/>
+              <a:t>Outliers</a:t>
+            </a:r>
+            <a:r>
+              <a:rPr lang="nl-BE" dirty="0"/>
+              <a:t>: v0.01</a:t>
+            </a:r>
+            <a:endParaRPr lang="en-US" dirty="0"/>
+          </a:p>
+        </p:txBody>
+      </p:sp>
+      <p:sp>
+        <p:nvSpPr>
+          <p:cNvPr id="3" name="Content Placeholder 2">
+            <a:extLst>
+              <a:ext uri="{FF2B5EF4-FFF2-40B4-BE49-F238E27FC236}">
+                <a16:creationId xmlns:a16="http://schemas.microsoft.com/office/drawing/2014/main" id="{B684F9E5-F86E-4C22-A298-BAF6033EAD66}"/>
+              </a:ext>
+            </a:extLst>
+          </p:cNvPr>
+          <p:cNvSpPr>
+            <a:spLocks noGrp="1"/>
+          </p:cNvSpPr>
+          <p:nvPr>
+            <p:ph idx="1"/>
+          </p:nvPr>
+        </p:nvSpPr>
+        <p:spPr>
+          <a:xfrm>
+            <a:off x="838200" y="1825625"/>
+            <a:ext cx="10515600" cy="4351338"/>
+          </a:xfrm>
+        </p:spPr>
+        <p:txBody>
+          <a:bodyPr/>
+          <a:lstStyle/>
+          <a:p>
+            <a:r>
+              <a:rPr lang="en-US">
+                <a:hlinkClick r:id="rId2"/>
+              </a:rPr>
+              <a:t>Validation</a:t>
+            </a:r>
+            <a:endParaRPr lang="en-US"/>
+          </a:p>
+          <a:p>
+            <a:endParaRPr lang="en-US" dirty="0"/>
+          </a:p>
+        </p:txBody>
+      </p:sp>
+      <p:pic>
+        <p:nvPicPr>
           <p:cNvPr id="4" name="Picture 3">
             <a:extLst>
               <a:ext uri="{FF2B5EF4-FFF2-40B4-BE49-F238E27FC236}">
@@ -4725,7 +5005,7 @@
 </p:sld>
 </file>
 
-<file path=ppt/slides/slide11.xml><?xml version="1.0" encoding="utf-8"?>
+<file path=ppt/slides/slide12.xml><?xml version="1.0" encoding="utf-8"?>
 <p:sld xmlns:a="http://schemas.openxmlformats.org/drawingml/2006/main" xmlns:r="http://schemas.openxmlformats.org/officeDocument/2006/relationships" xmlns:p="http://schemas.openxmlformats.org/presentationml/2006/main">
   <p:cSld>
     <p:spTree>
@@ -4862,7 +5142,7 @@
 </p:sld>
 </file>
 
-<file path=ppt/slides/slide12.xml><?xml version="1.0" encoding="utf-8"?>
+<file path=ppt/slides/slide13.xml><?xml version="1.0" encoding="utf-8"?>
 <p:sld xmlns:a="http://schemas.openxmlformats.org/drawingml/2006/main" xmlns:r="http://schemas.openxmlformats.org/officeDocument/2006/relationships" xmlns:p="http://schemas.openxmlformats.org/presentationml/2006/main">
   <p:cSld>
     <p:spTree>
@@ -5051,7 +5331,7 @@
 </p:sld>
 </file>
 
-<file path=ppt/slides/slide13.xml><?xml version="1.0" encoding="utf-8"?>
+<file path=ppt/slides/slide14.xml><?xml version="1.0" encoding="utf-8"?>
 <p:sld xmlns:a="http://schemas.openxmlformats.org/drawingml/2006/main" xmlns:r="http://schemas.openxmlformats.org/officeDocument/2006/relationships" xmlns:p="http://schemas.openxmlformats.org/presentationml/2006/main">
   <p:cSld>
     <p:spTree>
@@ -5150,7 +5430,7 @@
 </p:sld>
 </file>
 
-<file path=ppt/slides/slide14.xml><?xml version="1.0" encoding="utf-8"?>
+<file path=ppt/slides/slide15.xml><?xml version="1.0" encoding="utf-8"?>
 <p:sld xmlns:a="http://schemas.openxmlformats.org/drawingml/2006/main" xmlns:r="http://schemas.openxmlformats.org/officeDocument/2006/relationships" xmlns:p="http://schemas.openxmlformats.org/presentationml/2006/main">
   <p:cSld>
     <p:spTree>
@@ -5317,7 +5597,7 @@
 </p:sld>
 </file>
 
-<file path=ppt/slides/slide15.xml><?xml version="1.0" encoding="utf-8"?>
+<file path=ppt/slides/slide16.xml><?xml version="1.0" encoding="utf-8"?>
 <p:sld xmlns:a="http://schemas.openxmlformats.org/drawingml/2006/main" xmlns:r="http://schemas.openxmlformats.org/officeDocument/2006/relationships" xmlns:p="http://schemas.openxmlformats.org/presentationml/2006/main">
   <p:cSld>
     <p:spTree>
@@ -5454,7 +5734,7 @@
 </p:sld>
 </file>
 
-<file path=ppt/slides/slide16.xml><?xml version="1.0" encoding="utf-8"?>
+<file path=ppt/slides/slide17.xml><?xml version="1.0" encoding="utf-8"?>
 <p:sld xmlns:a="http://schemas.openxmlformats.org/drawingml/2006/main" xmlns:r="http://schemas.openxmlformats.org/officeDocument/2006/relationships" xmlns:p="http://schemas.openxmlformats.org/presentationml/2006/main">
   <p:cSld>
     <p:spTree>
@@ -5591,7 +5871,7 @@
 </p:sld>
 </file>
 
-<file path=ppt/slides/slide17.xml><?xml version="1.0" encoding="utf-8"?>
+<file path=ppt/slides/slide18.xml><?xml version="1.0" encoding="utf-8"?>
 <p:sld xmlns:a="http://schemas.openxmlformats.org/drawingml/2006/main" xmlns:r="http://schemas.openxmlformats.org/officeDocument/2006/relationships" xmlns:p="http://schemas.openxmlformats.org/presentationml/2006/main">
   <p:cSld>
     <p:spTree>
@@ -5728,201 +6008,6 @@
 </p:sld>
 </file>
 
-<file path=ppt/slides/slide18.xml><?xml version="1.0" encoding="utf-8"?>
-<p:sld xmlns:a="http://schemas.openxmlformats.org/drawingml/2006/main" xmlns:r="http://schemas.openxmlformats.org/officeDocument/2006/relationships" xmlns:p="http://schemas.openxmlformats.org/presentationml/2006/main">
-  <p:cSld>
-    <p:spTree>
-      <p:nvGrpSpPr>
-        <p:cNvPr id="1" name=""/>
-        <p:cNvGrpSpPr/>
-        <p:nvPr/>
-      </p:nvGrpSpPr>
-      <p:grpSpPr>
-        <a:xfrm>
-          <a:off x="0" y="0"/>
-          <a:ext cx="0" cy="0"/>
-          <a:chOff x="0" y="0"/>
-          <a:chExt cx="0" cy="0"/>
-        </a:xfrm>
-      </p:grpSpPr>
-      <p:sp>
-        <p:nvSpPr>
-          <p:cNvPr id="2" name="Title 1">
-            <a:extLst>
-              <a:ext uri="{FF2B5EF4-FFF2-40B4-BE49-F238E27FC236}">
-                <a16:creationId xmlns:a16="http://schemas.microsoft.com/office/drawing/2014/main" id="{7EF6E615-E1ED-4A41-A605-101A96BD0C57}"/>
-              </a:ext>
-            </a:extLst>
-          </p:cNvPr>
-          <p:cNvSpPr>
-            <a:spLocks noGrp="1"/>
-          </p:cNvSpPr>
-          <p:nvPr>
-            <p:ph type="title"/>
-          </p:nvPr>
-        </p:nvSpPr>
-        <p:spPr/>
-        <p:txBody>
-          <a:bodyPr/>
-          <a:lstStyle/>
-          <a:p>
-            <a:r>
-              <a:rPr lang="nl-BE" dirty="0"/>
-              <a:t>Summary</a:t>
-            </a:r>
-          </a:p>
-        </p:txBody>
-      </p:sp>
-      <p:sp>
-        <p:nvSpPr>
-          <p:cNvPr id="3" name="Content Placeholder 2">
-            <a:extLst>
-              <a:ext uri="{FF2B5EF4-FFF2-40B4-BE49-F238E27FC236}">
-                <a16:creationId xmlns:a16="http://schemas.microsoft.com/office/drawing/2014/main" id="{94FE688A-EFC1-4B6A-B366-8892B2C9EE1B}"/>
-              </a:ext>
-            </a:extLst>
-          </p:cNvPr>
-          <p:cNvSpPr>
-            <a:spLocks noGrp="1"/>
-          </p:cNvSpPr>
-          <p:nvPr>
-            <p:ph idx="1"/>
-          </p:nvPr>
-        </p:nvSpPr>
-        <p:spPr/>
-        <p:txBody>
-          <a:bodyPr>
-            <a:normAutofit lnSpcReduction="10000"/>
-          </a:bodyPr>
-          <a:lstStyle/>
-          <a:p>
-            <a:r>
-              <a:rPr lang="nl-BE" dirty="0" err="1"/>
-              <a:t>Outliers</a:t>
-            </a:r>
-            <a:r>
-              <a:rPr lang="nl-BE" dirty="0"/>
-              <a:t>: v0.01</a:t>
-            </a:r>
-          </a:p>
-          <a:p>
-            <a:pPr lvl="1"/>
-            <a:r>
-              <a:rPr lang="en-US" i="1" dirty="0" err="1"/>
-              <a:t>detect_outliers</a:t>
-            </a:r>
-            <a:r>
-              <a:rPr lang="en-US" i="1" dirty="0"/>
-              <a:t>(data)</a:t>
-            </a:r>
-          </a:p>
-          <a:p>
-            <a:pPr lvl="1"/>
-            <a:r>
-              <a:rPr lang="en-US" dirty="0"/>
-              <a:t>Usable on any data (not only L - </a:t>
-            </a:r>
-            <a:r>
-              <a:rPr lang="en-US" dirty="0" err="1"/>
-              <a:t>lucht</a:t>
-            </a:r>
-            <a:r>
-              <a:rPr lang="en-US" dirty="0"/>
-              <a:t>)</a:t>
-            </a:r>
-          </a:p>
-          <a:p>
-            <a:pPr lvl="1"/>
-            <a:r>
-              <a:rPr lang="en-US" dirty="0"/>
-              <a:t>Scale can be completely wrong (cf. BAOL018X_42112)</a:t>
-            </a:r>
-          </a:p>
-          <a:p>
-            <a:pPr lvl="1"/>
-            <a:endParaRPr lang="en-US" dirty="0"/>
-          </a:p>
-          <a:p>
-            <a:r>
-              <a:rPr lang="nl-BE" dirty="0" err="1"/>
-              <a:t>Outliers</a:t>
-            </a:r>
-            <a:r>
-              <a:rPr lang="nl-BE" dirty="0"/>
-              <a:t>: v0.02:</a:t>
-            </a:r>
-          </a:p>
-          <a:p>
-            <a:pPr lvl="1"/>
-            <a:r>
-              <a:rPr lang="en-US" i="1" dirty="0" err="1"/>
-              <a:t>detect_outliers</a:t>
-            </a:r>
-            <a:r>
-              <a:rPr lang="en-US" i="1" dirty="0"/>
-              <a:t>(data, type = c(“air pressure”, “air temperature”), units)</a:t>
-            </a:r>
-          </a:p>
-          <a:p>
-            <a:pPr lvl="1"/>
-            <a:r>
-              <a:rPr lang="en-US" dirty="0"/>
-              <a:t>Needs a-priori information</a:t>
-            </a:r>
-          </a:p>
-          <a:p>
-            <a:pPr lvl="2"/>
-            <a:r>
-              <a:rPr lang="en-US" dirty="0"/>
-              <a:t>Type</a:t>
-            </a:r>
-          </a:p>
-          <a:p>
-            <a:pPr lvl="2"/>
-            <a:r>
-              <a:rPr lang="en-US" dirty="0"/>
-              <a:t>Units</a:t>
-            </a:r>
-          </a:p>
-          <a:p>
-            <a:pPr lvl="1"/>
-            <a:r>
-              <a:rPr lang="en-US" b="1" dirty="0"/>
-              <a:t>Fixed or dynamic thresholds?</a:t>
-            </a:r>
-          </a:p>
-          <a:p>
-            <a:pPr lvl="2"/>
-            <a:endParaRPr lang="en-US" dirty="0"/>
-          </a:p>
-          <a:p>
-            <a:pPr lvl="2"/>
-            <a:endParaRPr lang="en-US" dirty="0"/>
-          </a:p>
-          <a:p>
-            <a:endParaRPr lang="en-US" dirty="0"/>
-          </a:p>
-          <a:p>
-            <a:endParaRPr lang="en-US" dirty="0"/>
-          </a:p>
-          <a:p>
-            <a:endParaRPr lang="en-US" dirty="0"/>
-          </a:p>
-        </p:txBody>
-      </p:sp>
-    </p:spTree>
-    <p:extLst>
-      <p:ext uri="{BB962C8B-B14F-4D97-AF65-F5344CB8AC3E}">
-        <p14:creationId xmlns:p14="http://schemas.microsoft.com/office/powerpoint/2010/main" val="680053974"/>
-      </p:ext>
-    </p:extLst>
-  </p:cSld>
-  <p:clrMapOvr>
-    <a:masterClrMapping/>
-  </p:clrMapOvr>
-</p:sld>
-</file>
-
 <file path=ppt/slides/slide19.xml><?xml version="1.0" encoding="utf-8"?>
 <p:sld xmlns:a="http://schemas.openxmlformats.org/drawingml/2006/main" xmlns:r="http://schemas.openxmlformats.org/officeDocument/2006/relationships" xmlns:p="http://schemas.openxmlformats.org/presentationml/2006/main">
   <p:cSld>
@@ -5942,10 +6027,10 @@
       </p:grpSpPr>
       <p:sp>
         <p:nvSpPr>
-          <p:cNvPr id="4" name="Title 3">
-            <a:extLst>
-              <a:ext uri="{FF2B5EF4-FFF2-40B4-BE49-F238E27FC236}">
-                <a16:creationId xmlns:a16="http://schemas.microsoft.com/office/drawing/2014/main" id="{0ABA15CC-0341-43E7-90FB-0A22D5CFC77D}"/>
+          <p:cNvPr id="2" name="Title 1">
+            <a:extLst>
+              <a:ext uri="{FF2B5EF4-FFF2-40B4-BE49-F238E27FC236}">
+                <a16:creationId xmlns:a16="http://schemas.microsoft.com/office/drawing/2014/main" id="{7EF6E615-E1ED-4A41-A605-101A96BD0C57}"/>
               </a:ext>
             </a:extLst>
           </p:cNvPr>
@@ -5959,6 +6044,36 @@
         <p:spPr/>
         <p:txBody>
           <a:bodyPr/>
+          <a:lstStyle/>
+          <a:p>
+            <a:r>
+              <a:rPr lang="nl-BE" dirty="0"/>
+              <a:t>Summary</a:t>
+            </a:r>
+          </a:p>
+        </p:txBody>
+      </p:sp>
+      <p:sp>
+        <p:nvSpPr>
+          <p:cNvPr id="3" name="Content Placeholder 2">
+            <a:extLst>
+              <a:ext uri="{FF2B5EF4-FFF2-40B4-BE49-F238E27FC236}">
+                <a16:creationId xmlns:a16="http://schemas.microsoft.com/office/drawing/2014/main" id="{94FE688A-EFC1-4B6A-B366-8892B2C9EE1B}"/>
+              </a:ext>
+            </a:extLst>
+          </p:cNvPr>
+          <p:cNvSpPr>
+            <a:spLocks noGrp="1"/>
+          </p:cNvSpPr>
+          <p:nvPr>
+            <p:ph idx="1"/>
+          </p:nvPr>
+        </p:nvSpPr>
+        <p:spPr/>
+        <p:txBody>
+          <a:bodyPr>
+            <a:normAutofit lnSpcReduction="10000"/>
+          </a:bodyPr>
           <a:lstStyle/>
           <a:p>
             <a:r>
@@ -5967,44 +6082,118 @@
             </a:r>
             <a:r>
               <a:rPr lang="nl-BE" dirty="0"/>
-              <a:t>: v0.03</a:t>
-            </a:r>
+              <a:t>: v0.01</a:t>
+            </a:r>
+          </a:p>
+          <a:p>
+            <a:pPr lvl="1"/>
+            <a:r>
+              <a:rPr lang="en-US" i="1" dirty="0" err="1"/>
+              <a:t>detect_outliers</a:t>
+            </a:r>
+            <a:r>
+              <a:rPr lang="en-US" i="1" dirty="0"/>
+              <a:t>(data)</a:t>
+            </a:r>
+          </a:p>
+          <a:p>
+            <a:pPr lvl="1"/>
+            <a:r>
+              <a:rPr lang="en-US" dirty="0"/>
+              <a:t>Usable on any data (not only L - </a:t>
+            </a:r>
+            <a:r>
+              <a:rPr lang="en-US" dirty="0" err="1"/>
+              <a:t>lucht</a:t>
+            </a:r>
+            <a:r>
+              <a:rPr lang="en-US" dirty="0"/>
+              <a:t>)</a:t>
+            </a:r>
+          </a:p>
+          <a:p>
+            <a:pPr lvl="1"/>
+            <a:r>
+              <a:rPr lang="en-US" dirty="0"/>
+              <a:t>Scale can be completely wrong (cf. BAOL018X_42112)</a:t>
+            </a:r>
+          </a:p>
+          <a:p>
+            <a:pPr lvl="1"/>
             <a:endParaRPr lang="en-US" dirty="0"/>
           </a:p>
-        </p:txBody>
-      </p:sp>
-      <p:sp>
-        <p:nvSpPr>
-          <p:cNvPr id="5" name="Text Placeholder 4">
-            <a:extLst>
-              <a:ext uri="{FF2B5EF4-FFF2-40B4-BE49-F238E27FC236}">
-                <a16:creationId xmlns:a16="http://schemas.microsoft.com/office/drawing/2014/main" id="{CA528F7E-FCA6-4235-B85D-808106A53E05}"/>
-              </a:ext>
-            </a:extLst>
-          </p:cNvPr>
-          <p:cNvSpPr>
-            <a:spLocks noGrp="1"/>
-          </p:cNvSpPr>
-          <p:nvPr>
-            <p:ph type="body" idx="1"/>
-          </p:nvPr>
-        </p:nvSpPr>
-        <p:spPr/>
-        <p:txBody>
-          <a:bodyPr/>
-          <a:lstStyle/>
-          <a:p>
-            <a:r>
-              <a:rPr lang="en-US"/>
-              <a:t>Go even further with a-priori information?</a:t>
-            </a:r>
+          <a:p>
+            <a:r>
+              <a:rPr lang="nl-BE" dirty="0" err="1"/>
+              <a:t>Outliers</a:t>
+            </a:r>
+            <a:r>
+              <a:rPr lang="nl-BE" dirty="0"/>
+              <a:t>: v0.02:</a:t>
+            </a:r>
+          </a:p>
+          <a:p>
+            <a:pPr lvl="1"/>
+            <a:r>
+              <a:rPr lang="en-US" i="1" dirty="0" err="1"/>
+              <a:t>detect_outliers</a:t>
+            </a:r>
+            <a:r>
+              <a:rPr lang="en-US" i="1" dirty="0"/>
+              <a:t>(data, type = c(“air pressure”, “air temperature”), units)</a:t>
+            </a:r>
+          </a:p>
+          <a:p>
+            <a:pPr lvl="1"/>
+            <a:r>
+              <a:rPr lang="en-US" dirty="0"/>
+              <a:t>Needs a-priori information</a:t>
+            </a:r>
+          </a:p>
+          <a:p>
+            <a:pPr lvl="2"/>
+            <a:r>
+              <a:rPr lang="en-US" dirty="0"/>
+              <a:t>Type</a:t>
+            </a:r>
+          </a:p>
+          <a:p>
+            <a:pPr lvl="2"/>
+            <a:r>
+              <a:rPr lang="en-US" dirty="0"/>
+              <a:t>Units</a:t>
+            </a:r>
+          </a:p>
+          <a:p>
+            <a:pPr lvl="1"/>
+            <a:r>
+              <a:rPr lang="en-US" b="1" dirty="0"/>
+              <a:t>Fixed or dynamic thresholds?</a:t>
+            </a:r>
+          </a:p>
+          <a:p>
+            <a:pPr lvl="2"/>
+            <a:endParaRPr lang="en-US" dirty="0"/>
+          </a:p>
+          <a:p>
+            <a:pPr lvl="2"/>
+            <a:endParaRPr lang="en-US" dirty="0"/>
+          </a:p>
+          <a:p>
+            <a:endParaRPr lang="en-US" dirty="0"/>
+          </a:p>
+          <a:p>
+            <a:endParaRPr lang="en-US" dirty="0"/>
+          </a:p>
+          <a:p>
+            <a:endParaRPr lang="en-US" dirty="0"/>
           </a:p>
         </p:txBody>
       </p:sp>
     </p:spTree>
     <p:extLst>
       <p:ext uri="{BB962C8B-B14F-4D97-AF65-F5344CB8AC3E}">
-        <p14:creationId xmlns:p14="http://schemas.microsoft.com/office/powerpoint/2010/main" val="1086001545"/>
+        <p14:creationId xmlns:p14="http://schemas.microsoft.com/office/powerpoint/2010/main" val="680053974"/>
       </p:ext>
     </p:extLst>
   </p:cSld>
@@ -6036,46 +6225,23 @@
           <p:cNvPr id="2" name="Title 1">
             <a:extLst>
               <a:ext uri="{FF2B5EF4-FFF2-40B4-BE49-F238E27FC236}">
-                <a16:creationId xmlns:a16="http://schemas.microsoft.com/office/drawing/2014/main" id="{C381B617-432B-4260-807D-A33327190D4A}"/>
-              </a:ext>
-            </a:extLst>
-          </p:cNvPr>
-          <p:cNvSpPr>
-            <a:spLocks noGrp="1"/>
-          </p:cNvSpPr>
-          <p:nvPr>
-            <p:ph type="ctrTitle"/>
-          </p:nvPr>
-        </p:nvSpPr>
-        <p:spPr/>
-        <p:txBody>
-          <a:bodyPr/>
-          <a:lstStyle/>
-          <a:p>
-            <a:r>
-              <a:rPr lang="nl-BE" dirty="0"/>
-              <a:t>Sprint 1</a:t>
-            </a:r>
-          </a:p>
-        </p:txBody>
-      </p:sp>
-      <p:sp>
-        <p:nvSpPr>
-          <p:cNvPr id="3" name="Subtitle 2">
-            <a:extLst>
-              <a:ext uri="{FF2B5EF4-FFF2-40B4-BE49-F238E27FC236}">
-                <a16:creationId xmlns:a16="http://schemas.microsoft.com/office/drawing/2014/main" id="{16F05D79-76DB-438C-88CF-3FFFDCCE47AA}"/>
-              </a:ext>
-            </a:extLst>
-          </p:cNvPr>
-          <p:cNvSpPr>
-            <a:spLocks noGrp="1"/>
-          </p:cNvSpPr>
-          <p:nvPr>
-            <p:ph type="subTitle" idx="1"/>
-          </p:nvPr>
-        </p:nvSpPr>
-        <p:spPr/>
+                <a16:creationId xmlns:a16="http://schemas.microsoft.com/office/drawing/2014/main" id="{6D80A9A5-3296-40DF-AB8B-E1B2FFA1A316}"/>
+              </a:ext>
+            </a:extLst>
+          </p:cNvPr>
+          <p:cNvSpPr>
+            <a:spLocks noGrp="1"/>
+          </p:cNvSpPr>
+          <p:nvPr>
+            <p:ph type="title"/>
+          </p:nvPr>
+        </p:nvSpPr>
+        <p:spPr>
+          <a:xfrm>
+            <a:off x="838200" y="365125"/>
+            <a:ext cx="10515600" cy="1325563"/>
+          </a:xfrm>
+        </p:spPr>
         <p:txBody>
           <a:bodyPr/>
           <a:lstStyle/>
@@ -6084,14 +6250,121 @@
               <a:rPr lang="nl-BE" dirty="0" err="1"/>
               <a:t>Outliers</a:t>
             </a:r>
-            <a:endParaRPr lang="nl-BE" dirty="0"/>
-          </a:p>
-        </p:txBody>
-      </p:sp>
+            <a:r>
+              <a:rPr lang="nl-BE" dirty="0"/>
+              <a:t>: </a:t>
+            </a:r>
+            <a:r>
+              <a:rPr lang="nl-BE"/>
+              <a:t>v0.02 update</a:t>
+            </a:r>
+            <a:endParaRPr lang="en-US" dirty="0"/>
+          </a:p>
+        </p:txBody>
+      </p:sp>
+      <p:sp>
+        <p:nvSpPr>
+          <p:cNvPr id="3" name="Content Placeholder 2">
+            <a:extLst>
+              <a:ext uri="{FF2B5EF4-FFF2-40B4-BE49-F238E27FC236}">
+                <a16:creationId xmlns:a16="http://schemas.microsoft.com/office/drawing/2014/main" id="{B684F9E5-F86E-4C22-A298-BAF6033EAD66}"/>
+              </a:ext>
+            </a:extLst>
+          </p:cNvPr>
+          <p:cNvSpPr>
+            <a:spLocks noGrp="1"/>
+          </p:cNvSpPr>
+          <p:nvPr>
+            <p:ph idx="1"/>
+          </p:nvPr>
+        </p:nvSpPr>
+        <p:spPr>
+          <a:xfrm>
+            <a:off x="838200" y="1825625"/>
+            <a:ext cx="10515600" cy="4351338"/>
+          </a:xfrm>
+        </p:spPr>
+        <p:txBody>
+          <a:bodyPr/>
+          <a:lstStyle/>
+          <a:p>
+            <a:r>
+              <a:rPr lang="en-US" dirty="0">
+                <a:hlinkClick r:id="rId3"/>
+              </a:rPr>
+              <a:t>Validation</a:t>
+            </a:r>
+            <a:endParaRPr lang="en-US" dirty="0"/>
+          </a:p>
+          <a:p>
+            <a:endParaRPr lang="en-US" dirty="0"/>
+          </a:p>
+        </p:txBody>
+      </p:sp>
+      <p:pic>
+        <p:nvPicPr>
+          <p:cNvPr id="4" name="Picture 3">
+            <a:extLst>
+              <a:ext uri="{FF2B5EF4-FFF2-40B4-BE49-F238E27FC236}">
+                <a16:creationId xmlns:a16="http://schemas.microsoft.com/office/drawing/2014/main" id="{96C7B94B-AD3E-4E53-8A09-B79A3EF4E2AA}"/>
+              </a:ext>
+            </a:extLst>
+          </p:cNvPr>
+          <p:cNvPicPr>
+            <a:picLocks noChangeAspect="1"/>
+          </p:cNvPicPr>
+          <p:nvPr/>
+        </p:nvPicPr>
+        <p:blipFill>
+          <a:blip r:embed="rId4"/>
+          <a:stretch>
+            <a:fillRect/>
+          </a:stretch>
+        </p:blipFill>
+        <p:spPr>
+          <a:xfrm>
+            <a:off x="6542022" y="2436948"/>
+            <a:ext cx="5040000" cy="4421052"/>
+          </a:xfrm>
+          <a:prstGeom prst="rect">
+            <a:avLst/>
+          </a:prstGeom>
+        </p:spPr>
+      </p:pic>
+      <p:pic>
+        <p:nvPicPr>
+          <p:cNvPr id="7" name="Picture 6">
+            <a:extLst>
+              <a:ext uri="{FF2B5EF4-FFF2-40B4-BE49-F238E27FC236}">
+                <a16:creationId xmlns:a16="http://schemas.microsoft.com/office/drawing/2014/main" id="{D5443115-89B2-43AE-8A8A-C41E2443C31F}"/>
+              </a:ext>
+            </a:extLst>
+          </p:cNvPr>
+          <p:cNvPicPr>
+            <a:picLocks noChangeAspect="1"/>
+          </p:cNvPicPr>
+          <p:nvPr/>
+        </p:nvPicPr>
+        <p:blipFill>
+          <a:blip r:embed="rId5"/>
+          <a:stretch>
+            <a:fillRect/>
+          </a:stretch>
+        </p:blipFill>
+        <p:spPr>
+          <a:xfrm>
+            <a:off x="1170111" y="2436948"/>
+            <a:ext cx="5040000" cy="4421052"/>
+          </a:xfrm>
+          <a:prstGeom prst="rect">
+            <a:avLst/>
+          </a:prstGeom>
+        </p:spPr>
+      </p:pic>
     </p:spTree>
     <p:extLst>
       <p:ext uri="{BB962C8B-B14F-4D97-AF65-F5344CB8AC3E}">
-        <p14:creationId xmlns:p14="http://schemas.microsoft.com/office/powerpoint/2010/main" val="2423986036"/>
+        <p14:creationId xmlns:p14="http://schemas.microsoft.com/office/powerpoint/2010/main" val="2196440616"/>
       </p:ext>
     </p:extLst>
   </p:cSld>
@@ -6102,6 +6375,97 @@
 </file>
 
 <file path=ppt/slides/slide20.xml><?xml version="1.0" encoding="utf-8"?>
+<p:sld xmlns:a="http://schemas.openxmlformats.org/drawingml/2006/main" xmlns:r="http://schemas.openxmlformats.org/officeDocument/2006/relationships" xmlns:p="http://schemas.openxmlformats.org/presentationml/2006/main">
+  <p:cSld>
+    <p:spTree>
+      <p:nvGrpSpPr>
+        <p:cNvPr id="1" name=""/>
+        <p:cNvGrpSpPr/>
+        <p:nvPr/>
+      </p:nvGrpSpPr>
+      <p:grpSpPr>
+        <a:xfrm>
+          <a:off x="0" y="0"/>
+          <a:ext cx="0" cy="0"/>
+          <a:chOff x="0" y="0"/>
+          <a:chExt cx="0" cy="0"/>
+        </a:xfrm>
+      </p:grpSpPr>
+      <p:sp>
+        <p:nvSpPr>
+          <p:cNvPr id="4" name="Title 3">
+            <a:extLst>
+              <a:ext uri="{FF2B5EF4-FFF2-40B4-BE49-F238E27FC236}">
+                <a16:creationId xmlns:a16="http://schemas.microsoft.com/office/drawing/2014/main" id="{0ABA15CC-0341-43E7-90FB-0A22D5CFC77D}"/>
+              </a:ext>
+            </a:extLst>
+          </p:cNvPr>
+          <p:cNvSpPr>
+            <a:spLocks noGrp="1"/>
+          </p:cNvSpPr>
+          <p:nvPr>
+            <p:ph type="title"/>
+          </p:nvPr>
+        </p:nvSpPr>
+        <p:spPr/>
+        <p:txBody>
+          <a:bodyPr/>
+          <a:lstStyle/>
+          <a:p>
+            <a:r>
+              <a:rPr lang="nl-BE" dirty="0" err="1"/>
+              <a:t>Outliers</a:t>
+            </a:r>
+            <a:r>
+              <a:rPr lang="nl-BE" dirty="0"/>
+              <a:t>: v0.03</a:t>
+            </a:r>
+            <a:endParaRPr lang="en-US" dirty="0"/>
+          </a:p>
+        </p:txBody>
+      </p:sp>
+      <p:sp>
+        <p:nvSpPr>
+          <p:cNvPr id="5" name="Text Placeholder 4">
+            <a:extLst>
+              <a:ext uri="{FF2B5EF4-FFF2-40B4-BE49-F238E27FC236}">
+                <a16:creationId xmlns:a16="http://schemas.microsoft.com/office/drawing/2014/main" id="{CA528F7E-FCA6-4235-B85D-808106A53E05}"/>
+              </a:ext>
+            </a:extLst>
+          </p:cNvPr>
+          <p:cNvSpPr>
+            <a:spLocks noGrp="1"/>
+          </p:cNvSpPr>
+          <p:nvPr>
+            <p:ph type="body" idx="1"/>
+          </p:nvPr>
+        </p:nvSpPr>
+        <p:spPr/>
+        <p:txBody>
+          <a:bodyPr/>
+          <a:lstStyle/>
+          <a:p>
+            <a:r>
+              <a:rPr lang="en-US"/>
+              <a:t>Go even further with a-priori information?</a:t>
+            </a:r>
+          </a:p>
+        </p:txBody>
+      </p:sp>
+    </p:spTree>
+    <p:extLst>
+      <p:ext uri="{BB962C8B-B14F-4D97-AF65-F5344CB8AC3E}">
+        <p14:creationId xmlns:p14="http://schemas.microsoft.com/office/powerpoint/2010/main" val="1086001545"/>
+      </p:ext>
+    </p:extLst>
+  </p:cSld>
+  <p:clrMapOvr>
+    <a:masterClrMapping/>
+  </p:clrMapOvr>
+</p:sld>
+</file>
+
+<file path=ppt/slides/slide21.xml><?xml version="1.0" encoding="utf-8"?>
 <p:sld xmlns:a="http://schemas.openxmlformats.org/drawingml/2006/main" xmlns:r="http://schemas.openxmlformats.org/officeDocument/2006/relationships" xmlns:p="http://schemas.openxmlformats.org/presentationml/2006/main">
   <p:cSld>
     <p:spTree>
@@ -6251,7 +6615,7 @@
 </p:sld>
 </file>
 
-<file path=ppt/slides/slide21.xml><?xml version="1.0" encoding="utf-8"?>
+<file path=ppt/slides/slide22.xml><?xml version="1.0" encoding="utf-8"?>
 <p:sld xmlns:a="http://schemas.openxmlformats.org/drawingml/2006/main" xmlns:r="http://schemas.openxmlformats.org/officeDocument/2006/relationships" xmlns:p="http://schemas.openxmlformats.org/presentationml/2006/main">
   <p:cSld>
     <p:spTree>
@@ -6300,8 +6664,8 @@
           </a:p>
         </p:txBody>
       </p:sp>
-      <mc:AlternateContent xmlns:mc="http://schemas.openxmlformats.org/markup-compatibility/2006">
-        <mc:Choice xmlns:a14="http://schemas.microsoft.com/office/drawing/2010/main" Requires="a14">
+      <mc:AlternateContent xmlns:mc="http://schemas.openxmlformats.org/markup-compatibility/2006" xmlns:a14="http://schemas.microsoft.com/office/drawing/2010/main">
+        <mc:Choice Requires="a14">
           <p:sp>
             <p:nvSpPr>
               <p:cNvPr id="3" name="Content Placeholder 2">
@@ -6537,7 +6901,7 @@
             </p:txBody>
           </p:sp>
         </mc:Choice>
-        <mc:Fallback>
+        <mc:Fallback xmlns="">
           <p:sp>
             <p:nvSpPr>
               <p:cNvPr id="3" name="Content Placeholder 2">
@@ -6590,7 +6954,7 @@
 </p:sld>
 </file>
 
-<file path=ppt/slides/slide22.xml><?xml version="1.0" encoding="utf-8"?>
+<file path=ppt/slides/slide23.xml><?xml version="1.0" encoding="utf-8"?>
 <p:sld xmlns:a="http://schemas.openxmlformats.org/drawingml/2006/main" xmlns:r="http://schemas.openxmlformats.org/officeDocument/2006/relationships" xmlns:p="http://schemas.openxmlformats.org/presentationml/2006/main">
   <p:cSld>
     <p:spTree>
@@ -6723,90 +7087,6 @@
 </p:sld>
 </file>
 
-<file path=ppt/slides/slide23.xml><?xml version="1.0" encoding="utf-8"?>
-<p:sld xmlns:a="http://schemas.openxmlformats.org/drawingml/2006/main" xmlns:r="http://schemas.openxmlformats.org/officeDocument/2006/relationships" xmlns:p="http://schemas.openxmlformats.org/presentationml/2006/main">
-  <p:cSld>
-    <p:spTree>
-      <p:nvGrpSpPr>
-        <p:cNvPr id="1" name=""/>
-        <p:cNvGrpSpPr/>
-        <p:nvPr/>
-      </p:nvGrpSpPr>
-      <p:grpSpPr>
-        <a:xfrm>
-          <a:off x="0" y="0"/>
-          <a:ext cx="0" cy="0"/>
-          <a:chOff x="0" y="0"/>
-          <a:chExt cx="0" cy="0"/>
-        </a:xfrm>
-      </p:grpSpPr>
-      <p:sp>
-        <p:nvSpPr>
-          <p:cNvPr id="4" name="Title 3">
-            <a:extLst>
-              <a:ext uri="{FF2B5EF4-FFF2-40B4-BE49-F238E27FC236}">
-                <a16:creationId xmlns:a16="http://schemas.microsoft.com/office/drawing/2014/main" id="{0ABA15CC-0341-43E7-90FB-0A22D5CFC77D}"/>
-              </a:ext>
-            </a:extLst>
-          </p:cNvPr>
-          <p:cNvSpPr>
-            <a:spLocks noGrp="1"/>
-          </p:cNvSpPr>
-          <p:nvPr>
-            <p:ph type="title"/>
-          </p:nvPr>
-        </p:nvSpPr>
-        <p:spPr/>
-        <p:txBody>
-          <a:bodyPr/>
-          <a:lstStyle/>
-          <a:p>
-            <a:r>
-              <a:rPr lang="nl-BE"/>
-              <a:t>Next steps</a:t>
-            </a:r>
-            <a:endParaRPr lang="en-US" dirty="0"/>
-          </a:p>
-        </p:txBody>
-      </p:sp>
-      <p:sp>
-        <p:nvSpPr>
-          <p:cNvPr id="5" name="Text Placeholder 4">
-            <a:extLst>
-              <a:ext uri="{FF2B5EF4-FFF2-40B4-BE49-F238E27FC236}">
-                <a16:creationId xmlns:a16="http://schemas.microsoft.com/office/drawing/2014/main" id="{CA528F7E-FCA6-4235-B85D-808106A53E05}"/>
-              </a:ext>
-            </a:extLst>
-          </p:cNvPr>
-          <p:cNvSpPr>
-            <a:spLocks noGrp="1"/>
-          </p:cNvSpPr>
-          <p:nvPr>
-            <p:ph type="body" idx="1"/>
-          </p:nvPr>
-        </p:nvSpPr>
-        <p:spPr/>
-        <p:txBody>
-          <a:bodyPr/>
-          <a:lstStyle/>
-          <a:p>
-            <a:endParaRPr lang="en-US" dirty="0"/>
-          </a:p>
-        </p:txBody>
-      </p:sp>
-    </p:spTree>
-    <p:extLst>
-      <p:ext uri="{BB962C8B-B14F-4D97-AF65-F5344CB8AC3E}">
-        <p14:creationId xmlns:p14="http://schemas.microsoft.com/office/powerpoint/2010/main" val="2971358645"/>
-      </p:ext>
-    </p:extLst>
-  </p:cSld>
-  <p:clrMapOvr>
-    <a:masterClrMapping/>
-  </p:clrMapOvr>
-</p:sld>
-</file>
-
 <file path=ppt/slides/slide24.xml><?xml version="1.0" encoding="utf-8"?>
 <p:sld xmlns:a="http://schemas.openxmlformats.org/drawingml/2006/main" xmlns:r="http://schemas.openxmlformats.org/officeDocument/2006/relationships" xmlns:p="http://schemas.openxmlformats.org/presentationml/2006/main">
   <p:cSld>
@@ -6829,6 +7109,90 @@
           <p:cNvPr id="4" name="Title 3">
             <a:extLst>
               <a:ext uri="{FF2B5EF4-FFF2-40B4-BE49-F238E27FC236}">
+                <a16:creationId xmlns:a16="http://schemas.microsoft.com/office/drawing/2014/main" id="{0ABA15CC-0341-43E7-90FB-0A22D5CFC77D}"/>
+              </a:ext>
+            </a:extLst>
+          </p:cNvPr>
+          <p:cNvSpPr>
+            <a:spLocks noGrp="1"/>
+          </p:cNvSpPr>
+          <p:nvPr>
+            <p:ph type="title"/>
+          </p:nvPr>
+        </p:nvSpPr>
+        <p:spPr/>
+        <p:txBody>
+          <a:bodyPr/>
+          <a:lstStyle/>
+          <a:p>
+            <a:r>
+              <a:rPr lang="nl-BE"/>
+              <a:t>Next steps</a:t>
+            </a:r>
+            <a:endParaRPr lang="en-US" dirty="0"/>
+          </a:p>
+        </p:txBody>
+      </p:sp>
+      <p:sp>
+        <p:nvSpPr>
+          <p:cNvPr id="5" name="Text Placeholder 4">
+            <a:extLst>
+              <a:ext uri="{FF2B5EF4-FFF2-40B4-BE49-F238E27FC236}">
+                <a16:creationId xmlns:a16="http://schemas.microsoft.com/office/drawing/2014/main" id="{CA528F7E-FCA6-4235-B85D-808106A53E05}"/>
+              </a:ext>
+            </a:extLst>
+          </p:cNvPr>
+          <p:cNvSpPr>
+            <a:spLocks noGrp="1"/>
+          </p:cNvSpPr>
+          <p:nvPr>
+            <p:ph type="body" idx="1"/>
+          </p:nvPr>
+        </p:nvSpPr>
+        <p:spPr/>
+        <p:txBody>
+          <a:bodyPr/>
+          <a:lstStyle/>
+          <a:p>
+            <a:endParaRPr lang="en-US" dirty="0"/>
+          </a:p>
+        </p:txBody>
+      </p:sp>
+    </p:spTree>
+    <p:extLst>
+      <p:ext uri="{BB962C8B-B14F-4D97-AF65-F5344CB8AC3E}">
+        <p14:creationId xmlns:p14="http://schemas.microsoft.com/office/powerpoint/2010/main" val="2971358645"/>
+      </p:ext>
+    </p:extLst>
+  </p:cSld>
+  <p:clrMapOvr>
+    <a:masterClrMapping/>
+  </p:clrMapOvr>
+</p:sld>
+</file>
+
+<file path=ppt/slides/slide25.xml><?xml version="1.0" encoding="utf-8"?>
+<p:sld xmlns:a="http://schemas.openxmlformats.org/drawingml/2006/main" xmlns:r="http://schemas.openxmlformats.org/officeDocument/2006/relationships" xmlns:p="http://schemas.openxmlformats.org/presentationml/2006/main">
+  <p:cSld>
+    <p:spTree>
+      <p:nvGrpSpPr>
+        <p:cNvPr id="1" name=""/>
+        <p:cNvGrpSpPr/>
+        <p:nvPr/>
+      </p:nvGrpSpPr>
+      <p:grpSpPr>
+        <a:xfrm>
+          <a:off x="0" y="0"/>
+          <a:ext cx="0" cy="0"/>
+          <a:chOff x="0" y="0"/>
+          <a:chExt cx="0" cy="0"/>
+        </a:xfrm>
+      </p:grpSpPr>
+      <p:sp>
+        <p:nvSpPr>
+          <p:cNvPr id="4" name="Title 3">
+            <a:extLst>
+              <a:ext uri="{FF2B5EF4-FFF2-40B4-BE49-F238E27FC236}">
                 <a16:creationId xmlns:a16="http://schemas.microsoft.com/office/drawing/2014/main" id="{082A28BB-5C5E-4AD7-8A49-2221ABD4C9A8}"/>
               </a:ext>
             </a:extLst>
@@ -6917,7 +7281,7 @@
 </p:sld>
 </file>
 
-<file path=ppt/slides/slide25.xml><?xml version="1.0" encoding="utf-8"?>
+<file path=ppt/slides/slide26.xml><?xml version="1.0" encoding="utf-8"?>
 <p:sld xmlns:a="http://schemas.openxmlformats.org/drawingml/2006/main" xmlns:r="http://schemas.openxmlformats.org/officeDocument/2006/relationships" xmlns:p="http://schemas.openxmlformats.org/presentationml/2006/main">
   <p:cSld>
     <p:spTree>
@@ -7023,15 +7387,43 @@
           <p:cNvPr id="2" name="Title 1">
             <a:extLst>
               <a:ext uri="{FF2B5EF4-FFF2-40B4-BE49-F238E27FC236}">
-                <a16:creationId xmlns:a16="http://schemas.microsoft.com/office/drawing/2014/main" id="{2AAF558A-3957-4364-84E1-918EECE4497A}"/>
-              </a:ext>
-            </a:extLst>
-          </p:cNvPr>
-          <p:cNvSpPr>
-            <a:spLocks noGrp="1"/>
-          </p:cNvSpPr>
-          <p:nvPr>
-            <p:ph type="title"/>
+                <a16:creationId xmlns:a16="http://schemas.microsoft.com/office/drawing/2014/main" id="{C381B617-432B-4260-807D-A33327190D4A}"/>
+              </a:ext>
+            </a:extLst>
+          </p:cNvPr>
+          <p:cNvSpPr>
+            <a:spLocks noGrp="1"/>
+          </p:cNvSpPr>
+          <p:nvPr>
+            <p:ph type="ctrTitle"/>
+          </p:nvPr>
+        </p:nvSpPr>
+        <p:spPr/>
+        <p:txBody>
+          <a:bodyPr/>
+          <a:lstStyle/>
+          <a:p>
+            <a:r>
+              <a:rPr lang="nl-BE" dirty="0"/>
+              <a:t>Sprint 1</a:t>
+            </a:r>
+          </a:p>
+        </p:txBody>
+      </p:sp>
+      <p:sp>
+        <p:nvSpPr>
+          <p:cNvPr id="3" name="Subtitle 2">
+            <a:extLst>
+              <a:ext uri="{FF2B5EF4-FFF2-40B4-BE49-F238E27FC236}">
+                <a16:creationId xmlns:a16="http://schemas.microsoft.com/office/drawing/2014/main" id="{16F05D79-76DB-438C-88CF-3FFFDCCE47AA}"/>
+              </a:ext>
+            </a:extLst>
+          </p:cNvPr>
+          <p:cNvSpPr>
+            <a:spLocks noGrp="1"/>
+          </p:cNvSpPr>
+          <p:nvPr>
+            <p:ph type="subTitle" idx="1"/>
           </p:nvPr>
         </p:nvSpPr>
         <p:spPr/>
@@ -7044,99 +7436,13 @@
               <a:t>Outliers</a:t>
             </a:r>
             <a:endParaRPr lang="nl-BE" dirty="0"/>
-          </a:p>
-        </p:txBody>
-      </p:sp>
-      <p:sp>
-        <p:nvSpPr>
-          <p:cNvPr id="3" name="Content Placeholder 2">
-            <a:extLst>
-              <a:ext uri="{FF2B5EF4-FFF2-40B4-BE49-F238E27FC236}">
-                <a16:creationId xmlns:a16="http://schemas.microsoft.com/office/drawing/2014/main" id="{44A5BE66-60D5-41E6-A546-A130CC12D40D}"/>
-              </a:ext>
-            </a:extLst>
-          </p:cNvPr>
-          <p:cNvSpPr>
-            <a:spLocks noGrp="1"/>
-          </p:cNvSpPr>
-          <p:nvPr>
-            <p:ph idx="1"/>
-          </p:nvPr>
-        </p:nvSpPr>
-        <p:spPr/>
-        <p:txBody>
-          <a:bodyPr/>
-          <a:lstStyle/>
-          <a:p>
-            <a:r>
-              <a:rPr lang="en-US" dirty="0"/>
-              <a:t>v0.01: </a:t>
-            </a:r>
-            <a:r>
-              <a:rPr lang="en-US" i="1" dirty="0" err="1"/>
-              <a:t>detect_outliers</a:t>
-            </a:r>
-            <a:r>
-              <a:rPr lang="en-US" i="1" dirty="0"/>
-              <a:t>(data)</a:t>
-            </a:r>
-          </a:p>
-          <a:p>
-            <a:pPr lvl="1"/>
-            <a:r>
-              <a:rPr lang="en-US" i="1" dirty="0"/>
-              <a:t>Uses </a:t>
-            </a:r>
-            <a:r>
-              <a:rPr lang="en-US" b="1" i="1" dirty="0"/>
-              <a:t>only</a:t>
-            </a:r>
-            <a:r>
-              <a:rPr lang="en-US" i="1" dirty="0"/>
-              <a:t> the supplied dataset</a:t>
-            </a:r>
-          </a:p>
-          <a:p>
-            <a:r>
-              <a:rPr lang="en-US" dirty="0"/>
-              <a:t>v0.02: </a:t>
-            </a:r>
-            <a:r>
-              <a:rPr lang="en-US" i="1" dirty="0" err="1"/>
-              <a:t>detect_outliers</a:t>
-            </a:r>
-            <a:r>
-              <a:rPr lang="en-US" i="1" dirty="0"/>
-              <a:t>(data, type = c(“air pressure”, “air temperature”), units)</a:t>
-            </a:r>
-          </a:p>
-          <a:p>
-            <a:pPr lvl="1"/>
-            <a:r>
-              <a:rPr lang="en-US" dirty="0"/>
-              <a:t>Uses simple </a:t>
-            </a:r>
-            <a:r>
-              <a:rPr lang="en-US" b="1" dirty="0"/>
-              <a:t>a-priori</a:t>
-            </a:r>
-            <a:r>
-              <a:rPr lang="en-US" dirty="0"/>
-              <a:t> knowledge about air pressure, temperature, etc.</a:t>
-            </a:r>
-          </a:p>
-          <a:p>
-            <a:r>
-              <a:rPr lang="en-US" dirty="0"/>
-              <a:t>v0.03: …</a:t>
-            </a:r>
           </a:p>
         </p:txBody>
       </p:sp>
     </p:spTree>
     <p:extLst>
       <p:ext uri="{BB962C8B-B14F-4D97-AF65-F5344CB8AC3E}">
-        <p14:creationId xmlns:p14="http://schemas.microsoft.com/office/powerpoint/2010/main" val="1695507499"/>
+        <p14:creationId xmlns:p14="http://schemas.microsoft.com/office/powerpoint/2010/main" val="2423986036"/>
       </p:ext>
     </p:extLst>
   </p:cSld>
@@ -7165,6 +7471,151 @@
       </p:grpSpPr>
       <p:sp>
         <p:nvSpPr>
+          <p:cNvPr id="2" name="Title 1">
+            <a:extLst>
+              <a:ext uri="{FF2B5EF4-FFF2-40B4-BE49-F238E27FC236}">
+                <a16:creationId xmlns:a16="http://schemas.microsoft.com/office/drawing/2014/main" id="{2AAF558A-3957-4364-84E1-918EECE4497A}"/>
+              </a:ext>
+            </a:extLst>
+          </p:cNvPr>
+          <p:cNvSpPr>
+            <a:spLocks noGrp="1"/>
+          </p:cNvSpPr>
+          <p:nvPr>
+            <p:ph type="title"/>
+          </p:nvPr>
+        </p:nvSpPr>
+        <p:spPr/>
+        <p:txBody>
+          <a:bodyPr/>
+          <a:lstStyle/>
+          <a:p>
+            <a:r>
+              <a:rPr lang="nl-BE" dirty="0" err="1"/>
+              <a:t>Outliers</a:t>
+            </a:r>
+            <a:endParaRPr lang="nl-BE" dirty="0"/>
+          </a:p>
+        </p:txBody>
+      </p:sp>
+      <p:sp>
+        <p:nvSpPr>
+          <p:cNvPr id="3" name="Content Placeholder 2">
+            <a:extLst>
+              <a:ext uri="{FF2B5EF4-FFF2-40B4-BE49-F238E27FC236}">
+                <a16:creationId xmlns:a16="http://schemas.microsoft.com/office/drawing/2014/main" id="{44A5BE66-60D5-41E6-A546-A130CC12D40D}"/>
+              </a:ext>
+            </a:extLst>
+          </p:cNvPr>
+          <p:cNvSpPr>
+            <a:spLocks noGrp="1"/>
+          </p:cNvSpPr>
+          <p:nvPr>
+            <p:ph idx="1"/>
+          </p:nvPr>
+        </p:nvSpPr>
+        <p:spPr/>
+        <p:txBody>
+          <a:bodyPr/>
+          <a:lstStyle/>
+          <a:p>
+            <a:r>
+              <a:rPr lang="en-US" dirty="0"/>
+              <a:t>v0.01: </a:t>
+            </a:r>
+            <a:r>
+              <a:rPr lang="en-US" i="1" dirty="0" err="1"/>
+              <a:t>detect_outliers</a:t>
+            </a:r>
+            <a:r>
+              <a:rPr lang="en-US" i="1" dirty="0"/>
+              <a:t>(data)</a:t>
+            </a:r>
+          </a:p>
+          <a:p>
+            <a:pPr lvl="1"/>
+            <a:r>
+              <a:rPr lang="en-US" i="1" dirty="0"/>
+              <a:t>Uses </a:t>
+            </a:r>
+            <a:r>
+              <a:rPr lang="en-US" b="1" i="1" dirty="0"/>
+              <a:t>only</a:t>
+            </a:r>
+            <a:r>
+              <a:rPr lang="en-US" i="1" dirty="0"/>
+              <a:t> the supplied dataset</a:t>
+            </a:r>
+          </a:p>
+          <a:p>
+            <a:r>
+              <a:rPr lang="en-US" dirty="0"/>
+              <a:t>v0.02: </a:t>
+            </a:r>
+            <a:r>
+              <a:rPr lang="en-US" i="1" dirty="0" err="1"/>
+              <a:t>detect_outliers</a:t>
+            </a:r>
+            <a:r>
+              <a:rPr lang="en-US" i="1" dirty="0"/>
+              <a:t>(data, type = c(“air pressure”, “air temperature”), units)</a:t>
+            </a:r>
+          </a:p>
+          <a:p>
+            <a:pPr lvl="1"/>
+            <a:r>
+              <a:rPr lang="en-US" dirty="0"/>
+              <a:t>Uses simple </a:t>
+            </a:r>
+            <a:r>
+              <a:rPr lang="en-US" b="1" dirty="0"/>
+              <a:t>a-priori</a:t>
+            </a:r>
+            <a:r>
+              <a:rPr lang="en-US" dirty="0"/>
+              <a:t> knowledge about air pressure, temperature, etc.</a:t>
+            </a:r>
+          </a:p>
+          <a:p>
+            <a:r>
+              <a:rPr lang="en-US" dirty="0"/>
+              <a:t>v0.03: …</a:t>
+            </a:r>
+          </a:p>
+        </p:txBody>
+      </p:sp>
+    </p:spTree>
+    <p:extLst>
+      <p:ext uri="{BB962C8B-B14F-4D97-AF65-F5344CB8AC3E}">
+        <p14:creationId xmlns:p14="http://schemas.microsoft.com/office/powerpoint/2010/main" val="1695507499"/>
+      </p:ext>
+    </p:extLst>
+  </p:cSld>
+  <p:clrMapOvr>
+    <a:masterClrMapping/>
+  </p:clrMapOvr>
+</p:sld>
+</file>
+
+<file path=ppt/slides/slide5.xml><?xml version="1.0" encoding="utf-8"?>
+<p:sld xmlns:a="http://schemas.openxmlformats.org/drawingml/2006/main" xmlns:r="http://schemas.openxmlformats.org/officeDocument/2006/relationships" xmlns:p="http://schemas.openxmlformats.org/presentationml/2006/main">
+  <p:cSld>
+    <p:spTree>
+      <p:nvGrpSpPr>
+        <p:cNvPr id="1" name=""/>
+        <p:cNvGrpSpPr/>
+        <p:nvPr/>
+      </p:nvGrpSpPr>
+      <p:grpSpPr>
+        <a:xfrm>
+          <a:off x="0" y="0"/>
+          <a:ext cx="0" cy="0"/>
+          <a:chOff x="0" y="0"/>
+          <a:chExt cx="0" cy="0"/>
+        </a:xfrm>
+      </p:grpSpPr>
+      <p:sp>
+        <p:nvSpPr>
           <p:cNvPr id="4" name="Title 3">
             <a:extLst>
               <a:ext uri="{FF2B5EF4-FFF2-40B4-BE49-F238E27FC236}">
@@ -7245,7 +7696,7 @@
 </p:sld>
 </file>
 
-<file path=ppt/slides/slide5.xml><?xml version="1.0" encoding="utf-8"?>
+<file path=ppt/slides/slide6.xml><?xml version="1.0" encoding="utf-8"?>
 <p:sld xmlns:a="http://schemas.openxmlformats.org/drawingml/2006/main" xmlns:r="http://schemas.openxmlformats.org/officeDocument/2006/relationships" xmlns:p="http://schemas.openxmlformats.org/presentationml/2006/main">
   <p:cSld>
     <p:spTree>
@@ -7372,7 +7823,7 @@
 </p:sld>
 </file>
 
-<file path=ppt/slides/slide6.xml><?xml version="1.0" encoding="utf-8"?>
+<file path=ppt/slides/slide7.xml><?xml version="1.0" encoding="utf-8"?>
 <p:sld xmlns:a="http://schemas.openxmlformats.org/drawingml/2006/main" xmlns:r="http://schemas.openxmlformats.org/officeDocument/2006/relationships" xmlns:p="http://schemas.openxmlformats.org/presentationml/2006/main">
   <p:cSld>
     <p:spTree>
@@ -7499,7 +7950,7 @@
 </p:sld>
 </file>
 
-<file path=ppt/slides/slide7.xml><?xml version="1.0" encoding="utf-8"?>
+<file path=ppt/slides/slide8.xml><?xml version="1.0" encoding="utf-8"?>
 <p:sld xmlns:a="http://schemas.openxmlformats.org/drawingml/2006/main" xmlns:r="http://schemas.openxmlformats.org/officeDocument/2006/relationships" xmlns:p="http://schemas.openxmlformats.org/presentationml/2006/main">
   <p:cSld>
     <p:spTree>
@@ -7626,7 +8077,7 @@
 </p:sld>
 </file>
 
-<file path=ppt/slides/slide8.xml><?xml version="1.0" encoding="utf-8"?>
+<file path=ppt/slides/slide9.xml><?xml version="1.0" encoding="utf-8"?>
 <p:sld xmlns:a="http://schemas.openxmlformats.org/drawingml/2006/main" xmlns:r="http://schemas.openxmlformats.org/officeDocument/2006/relationships" xmlns:p="http://schemas.openxmlformats.org/presentationml/2006/main">
   <p:cSld>
     <p:spTree>
@@ -7754,143 +8205,6 @@
     <p:extLst>
       <p:ext uri="{BB962C8B-B14F-4D97-AF65-F5344CB8AC3E}">
         <p14:creationId xmlns:p14="http://schemas.microsoft.com/office/powerpoint/2010/main" val="1050747877"/>
-      </p:ext>
-    </p:extLst>
-  </p:cSld>
-  <p:clrMapOvr>
-    <a:masterClrMapping/>
-  </p:clrMapOvr>
-</p:sld>
-</file>
-
-<file path=ppt/slides/slide9.xml><?xml version="1.0" encoding="utf-8"?>
-<p:sld xmlns:a="http://schemas.openxmlformats.org/drawingml/2006/main" xmlns:r="http://schemas.openxmlformats.org/officeDocument/2006/relationships" xmlns:p="http://schemas.openxmlformats.org/presentationml/2006/main">
-  <p:cSld>
-    <p:spTree>
-      <p:nvGrpSpPr>
-        <p:cNvPr id="1" name=""/>
-        <p:cNvGrpSpPr/>
-        <p:nvPr/>
-      </p:nvGrpSpPr>
-      <p:grpSpPr>
-        <a:xfrm>
-          <a:off x="0" y="0"/>
-          <a:ext cx="0" cy="0"/>
-          <a:chOff x="0" y="0"/>
-          <a:chExt cx="0" cy="0"/>
-        </a:xfrm>
-      </p:grpSpPr>
-      <p:sp>
-        <p:nvSpPr>
-          <p:cNvPr id="2" name="Title 1">
-            <a:extLst>
-              <a:ext uri="{FF2B5EF4-FFF2-40B4-BE49-F238E27FC236}">
-                <a16:creationId xmlns:a16="http://schemas.microsoft.com/office/drawing/2014/main" id="{6D80A9A5-3296-40DF-AB8B-E1B2FFA1A316}"/>
-              </a:ext>
-            </a:extLst>
-          </p:cNvPr>
-          <p:cNvSpPr>
-            <a:spLocks noGrp="1"/>
-          </p:cNvSpPr>
-          <p:nvPr>
-            <p:ph type="title"/>
-          </p:nvPr>
-        </p:nvSpPr>
-        <p:spPr>
-          <a:xfrm>
-            <a:off x="838200" y="365125"/>
-            <a:ext cx="10515600" cy="1325563"/>
-          </a:xfrm>
-        </p:spPr>
-        <p:txBody>
-          <a:bodyPr/>
-          <a:lstStyle/>
-          <a:p>
-            <a:r>
-              <a:rPr lang="nl-BE" dirty="0" err="1"/>
-              <a:t>Outliers</a:t>
-            </a:r>
-            <a:r>
-              <a:rPr lang="nl-BE" dirty="0"/>
-              <a:t>: v0.01</a:t>
-            </a:r>
-            <a:endParaRPr lang="en-US" dirty="0"/>
-          </a:p>
-        </p:txBody>
-      </p:sp>
-      <p:sp>
-        <p:nvSpPr>
-          <p:cNvPr id="3" name="Content Placeholder 2">
-            <a:extLst>
-              <a:ext uri="{FF2B5EF4-FFF2-40B4-BE49-F238E27FC236}">
-                <a16:creationId xmlns:a16="http://schemas.microsoft.com/office/drawing/2014/main" id="{B684F9E5-F86E-4C22-A298-BAF6033EAD66}"/>
-              </a:ext>
-            </a:extLst>
-          </p:cNvPr>
-          <p:cNvSpPr>
-            <a:spLocks noGrp="1"/>
-          </p:cNvSpPr>
-          <p:nvPr>
-            <p:ph idx="1"/>
-          </p:nvPr>
-        </p:nvSpPr>
-        <p:spPr>
-          <a:xfrm>
-            <a:off x="838200" y="1825625"/>
-            <a:ext cx="10515600" cy="4351338"/>
-          </a:xfrm>
-        </p:spPr>
-        <p:txBody>
-          <a:bodyPr/>
-          <a:lstStyle/>
-          <a:p>
-            <a:r>
-              <a:rPr lang="en-US">
-                <a:hlinkClick r:id="rId2"/>
-              </a:rPr>
-              <a:t>Validation</a:t>
-            </a:r>
-            <a:endParaRPr lang="en-US"/>
-          </a:p>
-          <a:p>
-            <a:endParaRPr lang="en-US" dirty="0"/>
-          </a:p>
-        </p:txBody>
-      </p:sp>
-      <p:pic>
-        <p:nvPicPr>
-          <p:cNvPr id="5" name="Picture 4">
-            <a:extLst>
-              <a:ext uri="{FF2B5EF4-FFF2-40B4-BE49-F238E27FC236}">
-                <a16:creationId xmlns:a16="http://schemas.microsoft.com/office/drawing/2014/main" id="{3E1F0056-CB14-41C4-8E1B-2717D99E04BA}"/>
-              </a:ext>
-            </a:extLst>
-          </p:cNvPr>
-          <p:cNvPicPr>
-            <a:picLocks noChangeAspect="1"/>
-          </p:cNvPicPr>
-          <p:nvPr/>
-        </p:nvPicPr>
-        <p:blipFill>
-          <a:blip r:embed="rId3"/>
-          <a:stretch>
-            <a:fillRect/>
-          </a:stretch>
-        </p:blipFill>
-        <p:spPr>
-          <a:xfrm>
-            <a:off x="2136000" y="2531485"/>
-            <a:ext cx="7920000" cy="3961390"/>
-          </a:xfrm>
-          <a:prstGeom prst="rect">
-            <a:avLst/>
-          </a:prstGeom>
-        </p:spPr>
-      </p:pic>
-    </p:spTree>
-    <p:extLst>
-      <p:ext uri="{BB962C8B-B14F-4D97-AF65-F5344CB8AC3E}">
-        <p14:creationId xmlns:p14="http://schemas.microsoft.com/office/powerpoint/2010/main" val="3977042041"/>
       </p:ext>
     </p:extLst>
   </p:cSld>

--- a/presentation/groundwater_followup.pptx
+++ b/presentation/groundwater_followup.pptx
@@ -5,35 +5,43 @@
     <p:sldMasterId id="2147483648" r:id="rId1"/>
   </p:sldMasterIdLst>
   <p:notesMasterIdLst>
-    <p:notesMasterId r:id="rId28"/>
+    <p:notesMasterId r:id="rId36"/>
   </p:notesMasterIdLst>
   <p:sldIdLst>
     <p:sldId id="283" r:id="rId2"/>
-    <p:sldId id="284" r:id="rId3"/>
-    <p:sldId id="256" r:id="rId4"/>
-    <p:sldId id="257" r:id="rId5"/>
-    <p:sldId id="274" r:id="rId6"/>
-    <p:sldId id="258" r:id="rId7"/>
-    <p:sldId id="259" r:id="rId8"/>
-    <p:sldId id="260" r:id="rId9"/>
-    <p:sldId id="261" r:id="rId10"/>
-    <p:sldId id="262" r:id="rId11"/>
-    <p:sldId id="263" r:id="rId12"/>
-    <p:sldId id="264" r:id="rId13"/>
-    <p:sldId id="266" r:id="rId14"/>
-    <p:sldId id="275" r:id="rId15"/>
-    <p:sldId id="268" r:id="rId16"/>
-    <p:sldId id="267" r:id="rId17"/>
-    <p:sldId id="269" r:id="rId18"/>
-    <p:sldId id="270" r:id="rId19"/>
-    <p:sldId id="265" r:id="rId20"/>
-    <p:sldId id="273" r:id="rId21"/>
-    <p:sldId id="271" r:id="rId22"/>
-    <p:sldId id="272" r:id="rId23"/>
-    <p:sldId id="282" r:id="rId24"/>
-    <p:sldId id="277" r:id="rId25"/>
-    <p:sldId id="279" r:id="rId26"/>
-    <p:sldId id="281" r:id="rId27"/>
+    <p:sldId id="289" r:id="rId3"/>
+    <p:sldId id="286" r:id="rId4"/>
+    <p:sldId id="287" r:id="rId5"/>
+    <p:sldId id="288" r:id="rId6"/>
+    <p:sldId id="290" r:id="rId7"/>
+    <p:sldId id="291" r:id="rId8"/>
+    <p:sldId id="292" r:id="rId9"/>
+    <p:sldId id="284" r:id="rId10"/>
+    <p:sldId id="285" r:id="rId11"/>
+    <p:sldId id="256" r:id="rId12"/>
+    <p:sldId id="257" r:id="rId13"/>
+    <p:sldId id="274" r:id="rId14"/>
+    <p:sldId id="258" r:id="rId15"/>
+    <p:sldId id="259" r:id="rId16"/>
+    <p:sldId id="260" r:id="rId17"/>
+    <p:sldId id="261" r:id="rId18"/>
+    <p:sldId id="262" r:id="rId19"/>
+    <p:sldId id="263" r:id="rId20"/>
+    <p:sldId id="264" r:id="rId21"/>
+    <p:sldId id="266" r:id="rId22"/>
+    <p:sldId id="275" r:id="rId23"/>
+    <p:sldId id="268" r:id="rId24"/>
+    <p:sldId id="267" r:id="rId25"/>
+    <p:sldId id="269" r:id="rId26"/>
+    <p:sldId id="270" r:id="rId27"/>
+    <p:sldId id="265" r:id="rId28"/>
+    <p:sldId id="273" r:id="rId29"/>
+    <p:sldId id="271" r:id="rId30"/>
+    <p:sldId id="272" r:id="rId31"/>
+    <p:sldId id="282" r:id="rId32"/>
+    <p:sldId id="277" r:id="rId33"/>
+    <p:sldId id="279" r:id="rId34"/>
+    <p:sldId id="281" r:id="rId35"/>
   </p:sldIdLst>
   <p:sldSz cx="12192000" cy="6858000"/>
   <p:notesSz cx="6858000" cy="9144000"/>
@@ -138,7 +146,15 @@
         <p14:section name="Default Section" id="{F1B1DCC2-59F7-47FB-B72F-030298CE1019}">
           <p14:sldIdLst>
             <p14:sldId id="283"/>
+            <p14:sldId id="289"/>
+            <p14:sldId id="286"/>
+            <p14:sldId id="287"/>
+            <p14:sldId id="288"/>
+            <p14:sldId id="290"/>
+            <p14:sldId id="291"/>
+            <p14:sldId id="292"/>
             <p14:sldId id="284"/>
+            <p14:sldId id="285"/>
           </p14:sldIdLst>
         </p14:section>
         <p14:section name="Sprint 1 (28/05/2019)" id="{EEA03BA1-9B17-4993-9E06-3DC43F3AC1F5}">
@@ -178,10 +194,22 @@
 </p:presentation>
 </file>
 
+<file path=ppt/commentAuthors.xml><?xml version="1.0" encoding="utf-8"?>
+<p:cmAuthorLst xmlns:a="http://schemas.openxmlformats.org/drawingml/2006/main" xmlns:r="http://schemas.openxmlformats.org/officeDocument/2006/relationships" xmlns:p="http://schemas.openxmlformats.org/presentationml/2006/main">
+  <p:cmAuthor id="1" name="Davor Josipovic" initials="DJ" lastIdx="1" clrIdx="0">
+    <p:extLst>
+      <p:ext uri="{19B8F6BF-5375-455C-9EA6-DF929625EA0E}">
+        <p15:presenceInfo xmlns:p15="http://schemas.microsoft.com/office/powerpoint/2012/main" userId="c5beaa7c1ac2955a" providerId="Windows Live"/>
+      </p:ext>
+    </p:extLst>
+  </p:cmAuthor>
+</p:cmAuthorLst>
+</file>
+
 <file path=ppt/revisionInfo.xml><?xml version="1.0" encoding="utf-8"?>
 <p1510:revInfo xmlns:a="http://schemas.openxmlformats.org/drawingml/2006/main" xmlns:r="http://schemas.openxmlformats.org/officeDocument/2006/relationships" xmlns:p1510="http://schemas.microsoft.com/office/powerpoint/2015/10/main">
   <p1510:revLst>
-    <p1510:client id="{F5091CEC-A69F-4B4D-BF1D-9B075408F942}" v="70" dt="2019-06-02T12:19:00.522"/>
+    <p1510:client id="{F5091CEC-A69F-4B4D-BF1D-9B075408F942}" v="459" dt="2019-06-03T18:20:42.452"/>
   </p1510:revLst>
 </p1510:revInfo>
 </file>
@@ -284,8 +312,8 @@
   </pc:docChgLst>
   <pc:docChgLst>
     <pc:chgData name="Davor Josipovic" userId="c5beaa7c1ac2955a" providerId="LiveId" clId="{F5091CEC-A69F-4B4D-BF1D-9B075408F942}"/>
-    <pc:docChg chg="undo custSel addSld modSld">
-      <pc:chgData name="Davor Josipovic" userId="c5beaa7c1ac2955a" providerId="LiveId" clId="{F5091CEC-A69F-4B4D-BF1D-9B075408F942}" dt="2019-06-02T12:19:00.522" v="66" actId="20577"/>
+    <pc:docChg chg="undo custSel addSld delSld modSld">
+      <pc:chgData name="Davor Josipovic" userId="c5beaa7c1ac2955a" providerId="LiveId" clId="{F5091CEC-A69F-4B4D-BF1D-9B075408F942}" dt="2019-06-03T18:20:42.452" v="449" actId="20577"/>
       <pc:docMkLst>
         <pc:docMk/>
       </pc:docMkLst>
@@ -343,6 +371,269 @@
           </ac:spMkLst>
         </pc:spChg>
       </pc:sldChg>
+      <pc:sldChg chg="modSp add">
+        <pc:chgData name="Davor Josipovic" userId="c5beaa7c1ac2955a" providerId="LiveId" clId="{F5091CEC-A69F-4B4D-BF1D-9B075408F942}" dt="2019-06-02T13:18:20.767" v="89" actId="20577"/>
+        <pc:sldMkLst>
+          <pc:docMk/>
+          <pc:sldMk cId="554795955" sldId="285"/>
+        </pc:sldMkLst>
+        <pc:spChg chg="mod">
+          <ac:chgData name="Davor Josipovic" userId="c5beaa7c1ac2955a" providerId="LiveId" clId="{F5091CEC-A69F-4B4D-BF1D-9B075408F942}" dt="2019-06-02T13:18:17.776" v="79" actId="20577"/>
+          <ac:spMkLst>
+            <pc:docMk/>
+            <pc:sldMk cId="554795955" sldId="285"/>
+            <ac:spMk id="2" creationId="{33D0876F-4AFD-4B6F-8C7F-6FB05B0F398F}"/>
+          </ac:spMkLst>
+        </pc:spChg>
+        <pc:spChg chg="mod">
+          <ac:chgData name="Davor Josipovic" userId="c5beaa7c1ac2955a" providerId="LiveId" clId="{F5091CEC-A69F-4B4D-BF1D-9B075408F942}" dt="2019-06-02T13:18:20.767" v="89" actId="20577"/>
+          <ac:spMkLst>
+            <pc:docMk/>
+            <pc:sldMk cId="554795955" sldId="285"/>
+            <ac:spMk id="3" creationId="{3B1C0D6C-ABEB-4191-A0A0-41BEAC1E3719}"/>
+          </ac:spMkLst>
+        </pc:spChg>
+      </pc:sldChg>
+      <pc:sldChg chg="addSp delSp modSp add">
+        <pc:chgData name="Davor Josipovic" userId="c5beaa7c1ac2955a" providerId="LiveId" clId="{F5091CEC-A69F-4B4D-BF1D-9B075408F942}" dt="2019-06-02T13:52:33.266" v="131" actId="20577"/>
+        <pc:sldMkLst>
+          <pc:docMk/>
+          <pc:sldMk cId="1614699289" sldId="286"/>
+        </pc:sldMkLst>
+        <pc:spChg chg="add del mod">
+          <ac:chgData name="Davor Josipovic" userId="c5beaa7c1ac2955a" providerId="LiveId" clId="{F5091CEC-A69F-4B4D-BF1D-9B075408F942}" dt="2019-06-02T13:52:09.097" v="105"/>
+          <ac:spMkLst>
+            <pc:docMk/>
+            <pc:sldMk cId="1614699289" sldId="286"/>
+            <ac:spMk id="2" creationId="{BF32B8D5-6321-4FF2-BB04-E15F86F354C3}"/>
+          </ac:spMkLst>
+        </pc:spChg>
+        <pc:spChg chg="add del mod">
+          <ac:chgData name="Davor Josipovic" userId="c5beaa7c1ac2955a" providerId="LiveId" clId="{F5091CEC-A69F-4B4D-BF1D-9B075408F942}" dt="2019-06-02T13:52:33.266" v="131" actId="20577"/>
+          <ac:spMkLst>
+            <pc:docMk/>
+            <pc:sldMk cId="1614699289" sldId="286"/>
+            <ac:spMk id="3" creationId="{6A8D3311-53E4-46C3-BDCE-E1540E0E5A7A}"/>
+          </ac:spMkLst>
+        </pc:spChg>
+        <pc:spChg chg="add del">
+          <ac:chgData name="Davor Josipovic" userId="c5beaa7c1ac2955a" providerId="LiveId" clId="{F5091CEC-A69F-4B4D-BF1D-9B075408F942}" dt="2019-06-02T13:51:30.238" v="92"/>
+          <ac:spMkLst>
+            <pc:docMk/>
+            <pc:sldMk cId="1614699289" sldId="286"/>
+            <ac:spMk id="4" creationId="{B48FBF73-EE68-4D30-9E13-8C1651212DF5}"/>
+          </ac:spMkLst>
+        </pc:spChg>
+        <pc:spChg chg="add del">
+          <ac:chgData name="Davor Josipovic" userId="c5beaa7c1ac2955a" providerId="LiveId" clId="{F5091CEC-A69F-4B4D-BF1D-9B075408F942}" dt="2019-06-02T13:52:09.097" v="104"/>
+          <ac:spMkLst>
+            <pc:docMk/>
+            <pc:sldMk cId="1614699289" sldId="286"/>
+            <ac:spMk id="5" creationId="{A5A06289-4487-44F9-AAEE-4D440C94F915}"/>
+          </ac:spMkLst>
+        </pc:spChg>
+      </pc:sldChg>
+      <pc:sldChg chg="addSp delSp modSp add modNotesTx">
+        <pc:chgData name="Davor Josipovic" userId="c5beaa7c1ac2955a" providerId="LiveId" clId="{F5091CEC-A69F-4B4D-BF1D-9B075408F942}" dt="2019-06-03T18:05:02.557" v="286" actId="20577"/>
+        <pc:sldMkLst>
+          <pc:docMk/>
+          <pc:sldMk cId="439074831" sldId="287"/>
+        </pc:sldMkLst>
+        <pc:spChg chg="mod">
+          <ac:chgData name="Davor Josipovic" userId="c5beaa7c1ac2955a" providerId="LiveId" clId="{F5091CEC-A69F-4B4D-BF1D-9B075408F942}" dt="2019-06-03T18:05:02.557" v="286" actId="20577"/>
+          <ac:spMkLst>
+            <pc:docMk/>
+            <pc:sldMk cId="439074831" sldId="287"/>
+            <ac:spMk id="2" creationId="{BF32B8D5-6321-4FF2-BB04-E15F86F354C3}"/>
+          </ac:spMkLst>
+        </pc:spChg>
+        <pc:spChg chg="mod">
+          <ac:chgData name="Davor Josipovic" userId="c5beaa7c1ac2955a" providerId="LiveId" clId="{F5091CEC-A69F-4B4D-BF1D-9B075408F942}" dt="2019-06-03T16:39:56.789" v="192" actId="207"/>
+          <ac:spMkLst>
+            <pc:docMk/>
+            <pc:sldMk cId="439074831" sldId="287"/>
+            <ac:spMk id="3" creationId="{6A8D3311-53E4-46C3-BDCE-E1540E0E5A7A}"/>
+          </ac:spMkLst>
+        </pc:spChg>
+        <pc:spChg chg="add del">
+          <ac:chgData name="Davor Josipovic" userId="c5beaa7c1ac2955a" providerId="LiveId" clId="{F5091CEC-A69F-4B4D-BF1D-9B075408F942}" dt="2019-06-03T16:27:53.283" v="149"/>
+          <ac:spMkLst>
+            <pc:docMk/>
+            <pc:sldMk cId="439074831" sldId="287"/>
+            <ac:spMk id="4" creationId="{5B9A6431-DF51-476A-949B-6A9A8ED7025A}"/>
+          </ac:spMkLst>
+        </pc:spChg>
+        <pc:spChg chg="add del">
+          <ac:chgData name="Davor Josipovic" userId="c5beaa7c1ac2955a" providerId="LiveId" clId="{F5091CEC-A69F-4B4D-BF1D-9B075408F942}" dt="2019-06-03T16:38:32.904" v="185"/>
+          <ac:spMkLst>
+            <pc:docMk/>
+            <pc:sldMk cId="439074831" sldId="287"/>
+            <ac:spMk id="5" creationId="{5D7714C5-1678-4F64-9EA5-C5AADDC36062}"/>
+          </ac:spMkLst>
+        </pc:spChg>
+        <pc:spChg chg="add mod">
+          <ac:chgData name="Davor Josipovic" userId="c5beaa7c1ac2955a" providerId="LiveId" clId="{F5091CEC-A69F-4B4D-BF1D-9B075408F942}" dt="2019-06-03T17:59:51.105" v="263" actId="1076"/>
+          <ac:spMkLst>
+            <pc:docMk/>
+            <pc:sldMk cId="439074831" sldId="287"/>
+            <ac:spMk id="6" creationId="{CA749898-C072-4888-8E4B-B96D46E4415C}"/>
+          </ac:spMkLst>
+        </pc:spChg>
+      </pc:sldChg>
+      <pc:sldChg chg="add del">
+        <pc:chgData name="Davor Josipovic" userId="c5beaa7c1ac2955a" providerId="LiveId" clId="{F5091CEC-A69F-4B4D-BF1D-9B075408F942}" dt="2019-06-03T16:27:33.465" v="133"/>
+        <pc:sldMkLst>
+          <pc:docMk/>
+          <pc:sldMk cId="1746074147" sldId="287"/>
+        </pc:sldMkLst>
+      </pc:sldChg>
+      <pc:sldChg chg="addSp delSp modSp add">
+        <pc:chgData name="Davor Josipovic" userId="c5beaa7c1ac2955a" providerId="LiveId" clId="{F5091CEC-A69F-4B4D-BF1D-9B075408F942}" dt="2019-06-03T18:05:54.516" v="300" actId="1076"/>
+        <pc:sldMkLst>
+          <pc:docMk/>
+          <pc:sldMk cId="2290886698" sldId="288"/>
+        </pc:sldMkLst>
+        <pc:spChg chg="mod">
+          <ac:chgData name="Davor Josipovic" userId="c5beaa7c1ac2955a" providerId="LiveId" clId="{F5091CEC-A69F-4B4D-BF1D-9B075408F942}" dt="2019-06-03T18:05:13.368" v="291" actId="20577"/>
+          <ac:spMkLst>
+            <pc:docMk/>
+            <pc:sldMk cId="2290886698" sldId="288"/>
+            <ac:spMk id="2" creationId="{C2620DD5-6B1A-43CB-B791-4668932E4201}"/>
+          </ac:spMkLst>
+        </pc:spChg>
+        <pc:spChg chg="mod">
+          <ac:chgData name="Davor Josipovic" userId="c5beaa7c1ac2955a" providerId="LiveId" clId="{F5091CEC-A69F-4B4D-BF1D-9B075408F942}" dt="2019-06-03T18:04:34.267" v="276"/>
+          <ac:spMkLst>
+            <pc:docMk/>
+            <pc:sldMk cId="2290886698" sldId="288"/>
+            <ac:spMk id="3" creationId="{1768A2A3-456C-45BB-8086-83120EDCF5B1}"/>
+          </ac:spMkLst>
+        </pc:spChg>
+        <pc:picChg chg="add del mod">
+          <ac:chgData name="Davor Josipovic" userId="c5beaa7c1ac2955a" providerId="LiveId" clId="{F5091CEC-A69F-4B4D-BF1D-9B075408F942}" dt="2019-06-03T18:05:49.425" v="299" actId="478"/>
+          <ac:picMkLst>
+            <pc:docMk/>
+            <pc:sldMk cId="2290886698" sldId="288"/>
+            <ac:picMk id="4" creationId="{45F952DC-5E1A-429F-8A5C-53CA47036673}"/>
+          </ac:picMkLst>
+        </pc:picChg>
+        <pc:picChg chg="add mod">
+          <ac:chgData name="Davor Josipovic" userId="c5beaa7c1ac2955a" providerId="LiveId" clId="{F5091CEC-A69F-4B4D-BF1D-9B075408F942}" dt="2019-06-03T18:05:54.516" v="300" actId="1076"/>
+          <ac:picMkLst>
+            <pc:docMk/>
+            <pc:sldMk cId="2290886698" sldId="288"/>
+            <ac:picMk id="5" creationId="{45BDE678-CD8D-4221-9984-A7CDD0595697}"/>
+          </ac:picMkLst>
+        </pc:picChg>
+        <pc:picChg chg="add del mod">
+          <ac:chgData name="Davor Josipovic" userId="c5beaa7c1ac2955a" providerId="LiveId" clId="{F5091CEC-A69F-4B4D-BF1D-9B075408F942}" dt="2019-06-03T18:05:21.840" v="292" actId="478"/>
+          <ac:picMkLst>
+            <pc:docMk/>
+            <pc:sldMk cId="2290886698" sldId="288"/>
+            <ac:picMk id="6" creationId="{24F0FA2A-6AEB-4E95-9167-30C541E37BF5}"/>
+          </ac:picMkLst>
+        </pc:picChg>
+      </pc:sldChg>
+      <pc:sldChg chg="modSp add">
+        <pc:chgData name="Davor Josipovic" userId="c5beaa7c1ac2955a" providerId="LiveId" clId="{F5091CEC-A69F-4B4D-BF1D-9B075408F942}" dt="2019-06-03T17:00:57.526" v="237" actId="20577"/>
+        <pc:sldMkLst>
+          <pc:docMk/>
+          <pc:sldMk cId="3486244852" sldId="289"/>
+        </pc:sldMkLst>
+        <pc:spChg chg="mod">
+          <ac:chgData name="Davor Josipovic" userId="c5beaa7c1ac2955a" providerId="LiveId" clId="{F5091CEC-A69F-4B4D-BF1D-9B075408F942}" dt="2019-06-03T17:00:26.866" v="219"/>
+          <ac:spMkLst>
+            <pc:docMk/>
+            <pc:sldMk cId="3486244852" sldId="289"/>
+            <ac:spMk id="4" creationId="{0ABA15CC-0341-43E7-90FB-0A22D5CFC77D}"/>
+          </ac:spMkLst>
+        </pc:spChg>
+        <pc:spChg chg="mod">
+          <ac:chgData name="Davor Josipovic" userId="c5beaa7c1ac2955a" providerId="LiveId" clId="{F5091CEC-A69F-4B4D-BF1D-9B075408F942}" dt="2019-06-03T17:00:57.526" v="237" actId="20577"/>
+          <ac:spMkLst>
+            <pc:docMk/>
+            <pc:sldMk cId="3486244852" sldId="289"/>
+            <ac:spMk id="5" creationId="{CA528F7E-FCA6-4235-B85D-808106A53E05}"/>
+          </ac:spMkLst>
+        </pc:spChg>
+      </pc:sldChg>
+      <pc:sldChg chg="delSp modSp add">
+        <pc:chgData name="Davor Josipovic" userId="c5beaa7c1ac2955a" providerId="LiveId" clId="{F5091CEC-A69F-4B4D-BF1D-9B075408F942}" dt="2019-06-03T18:05:43.312" v="298" actId="1076"/>
+        <pc:sldMkLst>
+          <pc:docMk/>
+          <pc:sldMk cId="1174848252" sldId="290"/>
+        </pc:sldMkLst>
+        <pc:picChg chg="mod">
+          <ac:chgData name="Davor Josipovic" userId="c5beaa7c1ac2955a" providerId="LiveId" clId="{F5091CEC-A69F-4B4D-BF1D-9B075408F942}" dt="2019-06-03T18:05:43.312" v="298" actId="1076"/>
+          <ac:picMkLst>
+            <pc:docMk/>
+            <pc:sldMk cId="1174848252" sldId="290"/>
+            <ac:picMk id="4" creationId="{45F952DC-5E1A-429F-8A5C-53CA47036673}"/>
+          </ac:picMkLst>
+        </pc:picChg>
+        <pc:picChg chg="del">
+          <ac:chgData name="Davor Josipovic" userId="c5beaa7c1ac2955a" providerId="LiveId" clId="{F5091CEC-A69F-4B4D-BF1D-9B075408F942}" dt="2019-06-03T18:05:39.985" v="297" actId="478"/>
+          <ac:picMkLst>
+            <pc:docMk/>
+            <pc:sldMk cId="1174848252" sldId="290"/>
+            <ac:picMk id="5" creationId="{45BDE678-CD8D-4221-9984-A7CDD0595697}"/>
+          </ac:picMkLst>
+        </pc:picChg>
+      </pc:sldChg>
+      <pc:sldChg chg="addSp delSp modSp add addCm delCm modNotesTx">
+        <pc:chgData name="Davor Josipovic" userId="c5beaa7c1ac2955a" providerId="LiveId" clId="{F5091CEC-A69F-4B4D-BF1D-9B075408F942}" dt="2019-06-03T18:09:46" v="441" actId="1076"/>
+        <pc:sldMkLst>
+          <pc:docMk/>
+          <pc:sldMk cId="1451998860" sldId="291"/>
+        </pc:sldMkLst>
+        <pc:spChg chg="add mod">
+          <ac:chgData name="Davor Josipovic" userId="c5beaa7c1ac2955a" providerId="LiveId" clId="{F5091CEC-A69F-4B4D-BF1D-9B075408F942}" dt="2019-06-03T18:07:44.990" v="346" actId="20577"/>
+          <ac:spMkLst>
+            <pc:docMk/>
+            <pc:sldMk cId="1451998860" sldId="291"/>
+            <ac:spMk id="5" creationId="{405A72B2-6FA0-4AFC-B699-AF52F850E90D}"/>
+          </ac:spMkLst>
+        </pc:spChg>
+        <pc:spChg chg="add mod">
+          <ac:chgData name="Davor Josipovic" userId="c5beaa7c1ac2955a" providerId="LiveId" clId="{F5091CEC-A69F-4B4D-BF1D-9B075408F942}" dt="2019-06-03T18:09:46" v="441" actId="1076"/>
+          <ac:spMkLst>
+            <pc:docMk/>
+            <pc:sldMk cId="1451998860" sldId="291"/>
+            <ac:spMk id="7" creationId="{6EE010AC-705B-4B3B-9C48-E48986928467}"/>
+          </ac:spMkLst>
+        </pc:spChg>
+        <pc:picChg chg="del">
+          <ac:chgData name="Davor Josipovic" userId="c5beaa7c1ac2955a" providerId="LiveId" clId="{F5091CEC-A69F-4B4D-BF1D-9B075408F942}" dt="2019-06-03T18:06:21.670" v="302" actId="478"/>
+          <ac:picMkLst>
+            <pc:docMk/>
+            <pc:sldMk cId="1451998860" sldId="291"/>
+            <ac:picMk id="4" creationId="{45F952DC-5E1A-429F-8A5C-53CA47036673}"/>
+          </ac:picMkLst>
+        </pc:picChg>
+        <pc:picChg chg="add mod">
+          <ac:chgData name="Davor Josipovic" userId="c5beaa7c1ac2955a" providerId="LiveId" clId="{F5091CEC-A69F-4B4D-BF1D-9B075408F942}" dt="2019-06-03T18:06:31.987" v="305" actId="1076"/>
+          <ac:picMkLst>
+            <pc:docMk/>
+            <pc:sldMk cId="1451998860" sldId="291"/>
+            <ac:picMk id="2050" creationId="{598CFAA8-FE9B-45E0-96A3-88A3233E0EDD}"/>
+          </ac:picMkLst>
+        </pc:picChg>
+      </pc:sldChg>
+      <pc:sldChg chg="modSp add">
+        <pc:chgData name="Davor Josipovic" userId="c5beaa7c1ac2955a" providerId="LiveId" clId="{F5091CEC-A69F-4B4D-BF1D-9B075408F942}" dt="2019-06-03T18:20:42.452" v="449" actId="20577"/>
+        <pc:sldMkLst>
+          <pc:docMk/>
+          <pc:sldMk cId="998652275" sldId="292"/>
+        </pc:sldMkLst>
+        <pc:spChg chg="mod">
+          <ac:chgData name="Davor Josipovic" userId="c5beaa7c1ac2955a" providerId="LiveId" clId="{F5091CEC-A69F-4B4D-BF1D-9B075408F942}" dt="2019-06-03T18:20:42.452" v="449" actId="20577"/>
+          <ac:spMkLst>
+            <pc:docMk/>
+            <pc:sldMk cId="998652275" sldId="292"/>
+            <ac:spMk id="4" creationId="{0ABA15CC-0341-43E7-90FB-0A22D5CFC77D}"/>
+          </ac:spMkLst>
+        </pc:spChg>
+      </pc:sldChg>
     </pc:docChg>
   </pc:docChgLst>
 </pc:chgInfo>
@@ -430,7 +721,7 @@
           <a:p>
             <a:fld id="{70D3FD57-3918-4789-8259-B6861B793F5F}" type="datetimeFigureOut">
               <a:rPr lang="en-US" smtClean="0"/>
-              <a:t>6/2/2019</a:t>
+              <a:t>6/3/2019</a:t>
             </a:fld>
             <a:endParaRPr lang="en-US"/>
           </a:p>
@@ -742,14 +1033,12 @@
           <a:lstStyle/>
           <a:p>
             <a:r>
+              <a:rPr lang="en-US" dirty="0" err="1"/>
+              <a:t>Duplicaten</a:t>
+            </a:r>
+            <a:r>
               <a:rPr lang="en-US" dirty="0"/>
-              <a:t>Excluded: BAOL089|BAOL079|BAOL006</a:t>
-            </a:r>
-          </a:p>
-          <a:p>
-            <a:r>
-              <a:rPr lang="en-US" dirty="0"/>
-              <a:t>Range: 800 &lt; x &lt; 1200</a:t>
+              <a:t> in de DB?</a:t>
             </a:r>
           </a:p>
         </p:txBody>
@@ -771,7 +1060,7 @@
           <a:p>
             <a:fld id="{CDFDF6FA-C9C5-403D-8A8F-838FF3722E4D}" type="slidenum">
               <a:rPr lang="en-US" smtClean="0"/>
-              <a:t>2</a:t>
+              <a:t>4</a:t>
             </a:fld>
             <a:endParaRPr lang="en-US"/>
           </a:p>
@@ -780,7 +1069,7 @@
     </p:spTree>
     <p:extLst>
       <p:ext uri="{BB962C8B-B14F-4D97-AF65-F5344CB8AC3E}">
-        <p14:creationId xmlns:p14="http://schemas.microsoft.com/office/powerpoint/2010/main" val="640992638"/>
+        <p14:creationId xmlns:p14="http://schemas.microsoft.com/office/powerpoint/2010/main" val="3397833059"/>
       </p:ext>
     </p:extLst>
   </p:cSld>
@@ -835,60 +1124,8 @@
           <a:lstStyle/>
           <a:p>
             <a:r>
-              <a:rPr lang="en-US" dirty="0" err="1"/>
-              <a:t>Tresholds</a:t>
-            </a:r>
-            <a:r>
               <a:rPr lang="en-US" dirty="0"/>
-              <a:t> </a:t>
-            </a:r>
-            <a:r>
-              <a:rPr lang="en-US" dirty="0" err="1"/>
-              <a:t>voor</a:t>
-            </a:r>
-            <a:r>
-              <a:rPr lang="en-US" dirty="0"/>
-              <a:t> outliers </a:t>
-            </a:r>
-            <a:r>
-              <a:rPr lang="en-US" dirty="0" err="1"/>
-              <a:t>kunnen</a:t>
-            </a:r>
-            <a:r>
-              <a:rPr lang="en-US" dirty="0"/>
-              <a:t> </a:t>
-            </a:r>
-            <a:r>
-              <a:rPr lang="en-US" dirty="0" err="1"/>
-              <a:t>berekend</a:t>
-            </a:r>
-            <a:r>
-              <a:rPr lang="en-US" dirty="0"/>
-              <a:t> </a:t>
-            </a:r>
-            <a:r>
-              <a:rPr lang="en-US" dirty="0" err="1"/>
-              <a:t>worden</a:t>
-            </a:r>
-            <a:r>
-              <a:rPr lang="en-US" dirty="0"/>
-              <a:t> op basis van </a:t>
-            </a:r>
-            <a:r>
-              <a:rPr lang="en-US" dirty="0" err="1"/>
-              <a:t>handmatige</a:t>
-            </a:r>
-            <a:r>
-              <a:rPr lang="en-US" dirty="0"/>
-              <a:t> prior </a:t>
-            </a:r>
-            <a:r>
-              <a:rPr lang="en-US" dirty="0" err="1"/>
-              <a:t>analyse</a:t>
-            </a:r>
-            <a:r>
-              <a:rPr lang="en-US" dirty="0"/>
-              <a:t>, of </a:t>
+              <a:t>Inconsistent because there are also black dots that have no timestamp.</a:t>
             </a:r>
           </a:p>
         </p:txBody>
@@ -910,7 +1147,7 @@
           <a:p>
             <a:fld id="{CDFDF6FA-C9C5-403D-8A8F-838FF3722E4D}" type="slidenum">
               <a:rPr lang="en-US" smtClean="0"/>
-              <a:t>19</a:t>
+              <a:t>7</a:t>
             </a:fld>
             <a:endParaRPr lang="en-US"/>
           </a:p>
@@ -919,7 +1156,7 @@
     </p:spTree>
     <p:extLst>
       <p:ext uri="{BB962C8B-B14F-4D97-AF65-F5344CB8AC3E}">
-        <p14:creationId xmlns:p14="http://schemas.microsoft.com/office/powerpoint/2010/main" val="1010105218"/>
+        <p14:creationId xmlns:p14="http://schemas.microsoft.com/office/powerpoint/2010/main" val="1547456584"/>
       </p:ext>
     </p:extLst>
   </p:cSld>
@@ -974,84 +1211,14 @@
           <a:lstStyle/>
           <a:p>
             <a:r>
-              <a:rPr lang="en-US" dirty="0" err="1"/>
-              <a:t>Bijvoorbeeld</a:t>
-            </a:r>
-            <a:r>
               <a:rPr lang="en-US" dirty="0"/>
-              <a:t>, </a:t>
-            </a:r>
-            <a:r>
-              <a:rPr lang="en-US" dirty="0" err="1"/>
-              <a:t>somige</a:t>
-            </a:r>
+              <a:t>Excluded: BAOL089|BAOL079|BAOL006</a:t>
+            </a:r>
+          </a:p>
+          <a:p>
             <a:r>
               <a:rPr lang="en-US" dirty="0"/>
-              <a:t> </a:t>
-            </a:r>
-            <a:r>
-              <a:rPr lang="en-US" dirty="0" err="1"/>
-              <a:t>regio’s</a:t>
-            </a:r>
-            <a:r>
-              <a:rPr lang="en-US" dirty="0"/>
-              <a:t> </a:t>
-            </a:r>
-            <a:r>
-              <a:rPr lang="en-US" dirty="0" err="1"/>
-              <a:t>hebben</a:t>
-            </a:r>
-            <a:r>
-              <a:rPr lang="en-US" dirty="0"/>
-              <a:t> </a:t>
-            </a:r>
-            <a:r>
-              <a:rPr lang="en-US" dirty="0" err="1"/>
-              <a:t>lagere</a:t>
-            </a:r>
-            <a:r>
-              <a:rPr lang="en-US" dirty="0"/>
-              <a:t> of </a:t>
-            </a:r>
-            <a:r>
-              <a:rPr lang="en-US" dirty="0" err="1"/>
-              <a:t>hogere</a:t>
-            </a:r>
-            <a:r>
-              <a:rPr lang="en-US" dirty="0"/>
-              <a:t> temperature, wat </a:t>
-            </a:r>
-            <a:r>
-              <a:rPr lang="en-US" dirty="0" err="1"/>
-              <a:t>resulteert</a:t>
-            </a:r>
-            <a:r>
-              <a:rPr lang="en-US" dirty="0"/>
-              <a:t> in </a:t>
-            </a:r>
-            <a:r>
-              <a:rPr lang="en-US" dirty="0" err="1"/>
-              <a:t>hogere</a:t>
-            </a:r>
-            <a:r>
-              <a:rPr lang="en-US" dirty="0"/>
-              <a:t> of </a:t>
-            </a:r>
-            <a:r>
-              <a:rPr lang="en-US" dirty="0" err="1"/>
-              <a:t>lagere</a:t>
-            </a:r>
-            <a:r>
-              <a:rPr lang="en-US" dirty="0"/>
-              <a:t> </a:t>
-            </a:r>
-            <a:r>
-              <a:rPr lang="en-US" dirty="0" err="1"/>
-              <a:t>luchtdruk</a:t>
-            </a:r>
-            <a:r>
-              <a:rPr lang="en-US" dirty="0"/>
-              <a:t>.</a:t>
+              <a:t>Range: 800 &lt; x &lt; 1200</a:t>
             </a:r>
           </a:p>
         </p:txBody>
@@ -1073,7 +1240,7 @@
           <a:p>
             <a:fld id="{CDFDF6FA-C9C5-403D-8A8F-838FF3722E4D}" type="slidenum">
               <a:rPr lang="en-US" smtClean="0"/>
-              <a:t>21</a:t>
+              <a:t>9</a:t>
             </a:fld>
             <a:endParaRPr lang="en-US"/>
           </a:p>
@@ -1082,7 +1249,7 @@
     </p:spTree>
     <p:extLst>
       <p:ext uri="{BB962C8B-B14F-4D97-AF65-F5344CB8AC3E}">
-        <p14:creationId xmlns:p14="http://schemas.microsoft.com/office/powerpoint/2010/main" val="2763382228"/>
+        <p14:creationId xmlns:p14="http://schemas.microsoft.com/office/powerpoint/2010/main" val="640992638"/>
       </p:ext>
     </p:extLst>
   </p:cSld>
@@ -1136,7 +1303,62 @@
           <a:bodyPr/>
           <a:lstStyle/>
           <a:p>
-            <a:endParaRPr lang="en-US" dirty="0"/>
+            <a:r>
+              <a:rPr lang="en-US" dirty="0" err="1"/>
+              <a:t>Tresholds</a:t>
+            </a:r>
+            <a:r>
+              <a:rPr lang="en-US" dirty="0"/>
+              <a:t> </a:t>
+            </a:r>
+            <a:r>
+              <a:rPr lang="en-US" dirty="0" err="1"/>
+              <a:t>voor</a:t>
+            </a:r>
+            <a:r>
+              <a:rPr lang="en-US" dirty="0"/>
+              <a:t> outliers </a:t>
+            </a:r>
+            <a:r>
+              <a:rPr lang="en-US" dirty="0" err="1"/>
+              <a:t>kunnen</a:t>
+            </a:r>
+            <a:r>
+              <a:rPr lang="en-US" dirty="0"/>
+              <a:t> </a:t>
+            </a:r>
+            <a:r>
+              <a:rPr lang="en-US" dirty="0" err="1"/>
+              <a:t>berekend</a:t>
+            </a:r>
+            <a:r>
+              <a:rPr lang="en-US" dirty="0"/>
+              <a:t> </a:t>
+            </a:r>
+            <a:r>
+              <a:rPr lang="en-US" dirty="0" err="1"/>
+              <a:t>worden</a:t>
+            </a:r>
+            <a:r>
+              <a:rPr lang="en-US" dirty="0"/>
+              <a:t> op basis van </a:t>
+            </a:r>
+            <a:r>
+              <a:rPr lang="en-US" dirty="0" err="1"/>
+              <a:t>handmatige</a:t>
+            </a:r>
+            <a:r>
+              <a:rPr lang="en-US" dirty="0"/>
+              <a:t> prior </a:t>
+            </a:r>
+            <a:r>
+              <a:rPr lang="en-US" dirty="0" err="1"/>
+              <a:t>analyse</a:t>
+            </a:r>
+            <a:r>
+              <a:rPr lang="en-US" dirty="0"/>
+              <a:t>, of </a:t>
+            </a:r>
           </a:p>
         </p:txBody>
       </p:sp>
@@ -1157,7 +1379,7 @@
           <a:p>
             <a:fld id="{CDFDF6FA-C9C5-403D-8A8F-838FF3722E4D}" type="slidenum">
               <a:rPr lang="en-US" smtClean="0"/>
-              <a:t>22</a:t>
+              <a:t>27</a:t>
             </a:fld>
             <a:endParaRPr lang="en-US"/>
           </a:p>
@@ -1166,7 +1388,7 @@
     </p:spTree>
     <p:extLst>
       <p:ext uri="{BB962C8B-B14F-4D97-AF65-F5344CB8AC3E}">
-        <p14:creationId xmlns:p14="http://schemas.microsoft.com/office/powerpoint/2010/main" val="4294314713"/>
+        <p14:creationId xmlns:p14="http://schemas.microsoft.com/office/powerpoint/2010/main" val="1010105218"/>
       </p:ext>
     </p:extLst>
   </p:cSld>
@@ -1221,8 +1443,84 @@
           <a:lstStyle/>
           <a:p>
             <a:r>
+              <a:rPr lang="en-US" dirty="0" err="1"/>
+              <a:t>Bijvoorbeeld</a:t>
+            </a:r>
+            <a:r>
               <a:rPr lang="en-US" dirty="0"/>
-              <a:t>Very long tails, not normal</a:t>
+              <a:t>, </a:t>
+            </a:r>
+            <a:r>
+              <a:rPr lang="en-US" dirty="0" err="1"/>
+              <a:t>somige</a:t>
+            </a:r>
+            <a:r>
+              <a:rPr lang="en-US" dirty="0"/>
+              <a:t> </a:t>
+            </a:r>
+            <a:r>
+              <a:rPr lang="en-US" dirty="0" err="1"/>
+              <a:t>regio’s</a:t>
+            </a:r>
+            <a:r>
+              <a:rPr lang="en-US" dirty="0"/>
+              <a:t> </a:t>
+            </a:r>
+            <a:r>
+              <a:rPr lang="en-US" dirty="0" err="1"/>
+              <a:t>hebben</a:t>
+            </a:r>
+            <a:r>
+              <a:rPr lang="en-US" dirty="0"/>
+              <a:t> </a:t>
+            </a:r>
+            <a:r>
+              <a:rPr lang="en-US" dirty="0" err="1"/>
+              <a:t>lagere</a:t>
+            </a:r>
+            <a:r>
+              <a:rPr lang="en-US" dirty="0"/>
+              <a:t> of </a:t>
+            </a:r>
+            <a:r>
+              <a:rPr lang="en-US" dirty="0" err="1"/>
+              <a:t>hogere</a:t>
+            </a:r>
+            <a:r>
+              <a:rPr lang="en-US" dirty="0"/>
+              <a:t> temperature, wat </a:t>
+            </a:r>
+            <a:r>
+              <a:rPr lang="en-US" dirty="0" err="1"/>
+              <a:t>resulteert</a:t>
+            </a:r>
+            <a:r>
+              <a:rPr lang="en-US" dirty="0"/>
+              <a:t> in </a:t>
+            </a:r>
+            <a:r>
+              <a:rPr lang="en-US" dirty="0" err="1"/>
+              <a:t>hogere</a:t>
+            </a:r>
+            <a:r>
+              <a:rPr lang="en-US" dirty="0"/>
+              <a:t> of </a:t>
+            </a:r>
+            <a:r>
+              <a:rPr lang="en-US" dirty="0" err="1"/>
+              <a:t>lagere</a:t>
+            </a:r>
+            <a:r>
+              <a:rPr lang="en-US" dirty="0"/>
+              <a:t> </a:t>
+            </a:r>
+            <a:r>
+              <a:rPr lang="en-US" dirty="0" err="1"/>
+              <a:t>luchtdruk</a:t>
+            </a:r>
+            <a:r>
+              <a:rPr lang="en-US" dirty="0"/>
+              <a:t>.</a:t>
             </a:r>
           </a:p>
         </p:txBody>
@@ -1244,7 +1542,7 @@
           <a:p>
             <a:fld id="{CDFDF6FA-C9C5-403D-8A8F-838FF3722E4D}" type="slidenum">
               <a:rPr lang="en-US" smtClean="0"/>
-              <a:t>23</a:t>
+              <a:t>29</a:t>
             </a:fld>
             <a:endParaRPr lang="en-US"/>
           </a:p>
@@ -1253,7 +1551,7 @@
     </p:spTree>
     <p:extLst>
       <p:ext uri="{BB962C8B-B14F-4D97-AF65-F5344CB8AC3E}">
-        <p14:creationId xmlns:p14="http://schemas.microsoft.com/office/powerpoint/2010/main" val="1847449081"/>
+        <p14:creationId xmlns:p14="http://schemas.microsoft.com/office/powerpoint/2010/main" val="2763382228"/>
       </p:ext>
     </p:extLst>
   </p:cSld>
@@ -1307,6 +1605,177 @@
           <a:bodyPr/>
           <a:lstStyle/>
           <a:p>
+            <a:endParaRPr lang="en-US" dirty="0"/>
+          </a:p>
+        </p:txBody>
+      </p:sp>
+      <p:sp>
+        <p:nvSpPr>
+          <p:cNvPr id="4" name="Slide Number Placeholder 3"/>
+          <p:cNvSpPr>
+            <a:spLocks noGrp="1"/>
+          </p:cNvSpPr>
+          <p:nvPr>
+            <p:ph type="sldNum" sz="quarter" idx="5"/>
+          </p:nvPr>
+        </p:nvSpPr>
+        <p:spPr/>
+        <p:txBody>
+          <a:bodyPr/>
+          <a:lstStyle/>
+          <a:p>
+            <a:fld id="{CDFDF6FA-C9C5-403D-8A8F-838FF3722E4D}" type="slidenum">
+              <a:rPr lang="en-US" smtClean="0"/>
+              <a:t>30</a:t>
+            </a:fld>
+            <a:endParaRPr lang="en-US"/>
+          </a:p>
+        </p:txBody>
+      </p:sp>
+    </p:spTree>
+    <p:extLst>
+      <p:ext uri="{BB962C8B-B14F-4D97-AF65-F5344CB8AC3E}">
+        <p14:creationId xmlns:p14="http://schemas.microsoft.com/office/powerpoint/2010/main" val="4294314713"/>
+      </p:ext>
+    </p:extLst>
+  </p:cSld>
+  <p:clrMapOvr>
+    <a:masterClrMapping/>
+  </p:clrMapOvr>
+</p:notes>
+</file>
+
+<file path=ppt/notesSlides/notesSlide7.xml><?xml version="1.0" encoding="utf-8"?>
+<p:notes xmlns:a="http://schemas.openxmlformats.org/drawingml/2006/main" xmlns:r="http://schemas.openxmlformats.org/officeDocument/2006/relationships" xmlns:p="http://schemas.openxmlformats.org/presentationml/2006/main">
+  <p:cSld>
+    <p:spTree>
+      <p:nvGrpSpPr>
+        <p:cNvPr id="1" name=""/>
+        <p:cNvGrpSpPr/>
+        <p:nvPr/>
+      </p:nvGrpSpPr>
+      <p:grpSpPr>
+        <a:xfrm>
+          <a:off x="0" y="0"/>
+          <a:ext cx="0" cy="0"/>
+          <a:chOff x="0" y="0"/>
+          <a:chExt cx="0" cy="0"/>
+        </a:xfrm>
+      </p:grpSpPr>
+      <p:sp>
+        <p:nvSpPr>
+          <p:cNvPr id="2" name="Slide Image Placeholder 1"/>
+          <p:cNvSpPr>
+            <a:spLocks noGrp="1" noRot="1" noChangeAspect="1"/>
+          </p:cNvSpPr>
+          <p:nvPr>
+            <p:ph type="sldImg"/>
+          </p:nvPr>
+        </p:nvSpPr>
+        <p:spPr/>
+      </p:sp>
+      <p:sp>
+        <p:nvSpPr>
+          <p:cNvPr id="3" name="Notes Placeholder 2"/>
+          <p:cNvSpPr>
+            <a:spLocks noGrp="1"/>
+          </p:cNvSpPr>
+          <p:nvPr>
+            <p:ph type="body" idx="1"/>
+          </p:nvPr>
+        </p:nvSpPr>
+        <p:spPr/>
+        <p:txBody>
+          <a:bodyPr/>
+          <a:lstStyle/>
+          <a:p>
+            <a:r>
+              <a:rPr lang="en-US" dirty="0"/>
+              <a:t>Very long tails, not normal</a:t>
+            </a:r>
+          </a:p>
+        </p:txBody>
+      </p:sp>
+      <p:sp>
+        <p:nvSpPr>
+          <p:cNvPr id="4" name="Slide Number Placeholder 3"/>
+          <p:cNvSpPr>
+            <a:spLocks noGrp="1"/>
+          </p:cNvSpPr>
+          <p:nvPr>
+            <p:ph type="sldNum" sz="quarter" idx="5"/>
+          </p:nvPr>
+        </p:nvSpPr>
+        <p:spPr/>
+        <p:txBody>
+          <a:bodyPr/>
+          <a:lstStyle/>
+          <a:p>
+            <a:fld id="{CDFDF6FA-C9C5-403D-8A8F-838FF3722E4D}" type="slidenum">
+              <a:rPr lang="en-US" smtClean="0"/>
+              <a:t>31</a:t>
+            </a:fld>
+            <a:endParaRPr lang="en-US"/>
+          </a:p>
+        </p:txBody>
+      </p:sp>
+    </p:spTree>
+    <p:extLst>
+      <p:ext uri="{BB962C8B-B14F-4D97-AF65-F5344CB8AC3E}">
+        <p14:creationId xmlns:p14="http://schemas.microsoft.com/office/powerpoint/2010/main" val="1847449081"/>
+      </p:ext>
+    </p:extLst>
+  </p:cSld>
+  <p:clrMapOvr>
+    <a:masterClrMapping/>
+  </p:clrMapOvr>
+</p:notes>
+</file>
+
+<file path=ppt/notesSlides/notesSlide8.xml><?xml version="1.0" encoding="utf-8"?>
+<p:notes xmlns:a="http://schemas.openxmlformats.org/drawingml/2006/main" xmlns:r="http://schemas.openxmlformats.org/officeDocument/2006/relationships" xmlns:p="http://schemas.openxmlformats.org/presentationml/2006/main">
+  <p:cSld>
+    <p:spTree>
+      <p:nvGrpSpPr>
+        <p:cNvPr id="1" name=""/>
+        <p:cNvGrpSpPr/>
+        <p:nvPr/>
+      </p:nvGrpSpPr>
+      <p:grpSpPr>
+        <a:xfrm>
+          <a:off x="0" y="0"/>
+          <a:ext cx="0" cy="0"/>
+          <a:chOff x="0" y="0"/>
+          <a:chExt cx="0" cy="0"/>
+        </a:xfrm>
+      </p:grpSpPr>
+      <p:sp>
+        <p:nvSpPr>
+          <p:cNvPr id="2" name="Slide Image Placeholder 1"/>
+          <p:cNvSpPr>
+            <a:spLocks noGrp="1" noRot="1" noChangeAspect="1"/>
+          </p:cNvSpPr>
+          <p:nvPr>
+            <p:ph type="sldImg"/>
+          </p:nvPr>
+        </p:nvSpPr>
+        <p:spPr/>
+      </p:sp>
+      <p:sp>
+        <p:nvSpPr>
+          <p:cNvPr id="3" name="Notes Placeholder 2"/>
+          <p:cNvSpPr>
+            <a:spLocks noGrp="1"/>
+          </p:cNvSpPr>
+          <p:nvPr>
+            <p:ph type="body" idx="1"/>
+          </p:nvPr>
+        </p:nvSpPr>
+        <p:spPr/>
+        <p:txBody>
+          <a:bodyPr/>
+          <a:lstStyle/>
+          <a:p>
             <a:r>
               <a:rPr lang="en-US" dirty="0" err="1"/>
               <a:t>Misschien</a:t>
@@ -1407,7 +1876,7 @@
           <a:p>
             <a:fld id="{CDFDF6FA-C9C5-403D-8A8F-838FF3722E4D}" type="slidenum">
               <a:rPr lang="en-US" smtClean="0"/>
-              <a:t>25</a:t>
+              <a:t>33</a:t>
             </a:fld>
             <a:endParaRPr lang="en-US"/>
           </a:p>
@@ -1575,7 +2044,7 @@
           <a:p>
             <a:fld id="{1F62A362-03E1-4775-BA67-CBC001C763DD}" type="datetimeFigureOut">
               <a:rPr lang="nl-BE" smtClean="0"/>
-              <a:t>2/06/2019</a:t>
+              <a:t>3/06/2019</a:t>
             </a:fld>
             <a:endParaRPr lang="nl-BE"/>
           </a:p>
@@ -1775,7 +2244,7 @@
           <a:p>
             <a:fld id="{1F62A362-03E1-4775-BA67-CBC001C763DD}" type="datetimeFigureOut">
               <a:rPr lang="nl-BE" smtClean="0"/>
-              <a:t>2/06/2019</a:t>
+              <a:t>3/06/2019</a:t>
             </a:fld>
             <a:endParaRPr lang="nl-BE"/>
           </a:p>
@@ -1985,7 +2454,7 @@
           <a:p>
             <a:fld id="{1F62A362-03E1-4775-BA67-CBC001C763DD}" type="datetimeFigureOut">
               <a:rPr lang="nl-BE" smtClean="0"/>
-              <a:t>2/06/2019</a:t>
+              <a:t>3/06/2019</a:t>
             </a:fld>
             <a:endParaRPr lang="nl-BE"/>
           </a:p>
@@ -2185,7 +2654,7 @@
           <a:p>
             <a:fld id="{1F62A362-03E1-4775-BA67-CBC001C763DD}" type="datetimeFigureOut">
               <a:rPr lang="nl-BE" smtClean="0"/>
-              <a:t>2/06/2019</a:t>
+              <a:t>3/06/2019</a:t>
             </a:fld>
             <a:endParaRPr lang="nl-BE"/>
           </a:p>
@@ -2461,7 +2930,7 @@
           <a:p>
             <a:fld id="{1F62A362-03E1-4775-BA67-CBC001C763DD}" type="datetimeFigureOut">
               <a:rPr lang="nl-BE" smtClean="0"/>
-              <a:t>2/06/2019</a:t>
+              <a:t>3/06/2019</a:t>
             </a:fld>
             <a:endParaRPr lang="nl-BE"/>
           </a:p>
@@ -2729,7 +3198,7 @@
           <a:p>
             <a:fld id="{1F62A362-03E1-4775-BA67-CBC001C763DD}" type="datetimeFigureOut">
               <a:rPr lang="nl-BE" smtClean="0"/>
-              <a:t>2/06/2019</a:t>
+              <a:t>3/06/2019</a:t>
             </a:fld>
             <a:endParaRPr lang="nl-BE"/>
           </a:p>
@@ -3144,7 +3613,7 @@
           <a:p>
             <a:fld id="{1F62A362-03E1-4775-BA67-CBC001C763DD}" type="datetimeFigureOut">
               <a:rPr lang="nl-BE" smtClean="0"/>
-              <a:t>2/06/2019</a:t>
+              <a:t>3/06/2019</a:t>
             </a:fld>
             <a:endParaRPr lang="nl-BE"/>
           </a:p>
@@ -3286,7 +3755,7 @@
           <a:p>
             <a:fld id="{1F62A362-03E1-4775-BA67-CBC001C763DD}" type="datetimeFigureOut">
               <a:rPr lang="nl-BE" smtClean="0"/>
-              <a:t>2/06/2019</a:t>
+              <a:t>3/06/2019</a:t>
             </a:fld>
             <a:endParaRPr lang="nl-BE"/>
           </a:p>
@@ -3399,7 +3868,7 @@
           <a:p>
             <a:fld id="{1F62A362-03E1-4775-BA67-CBC001C763DD}" type="datetimeFigureOut">
               <a:rPr lang="nl-BE" smtClean="0"/>
-              <a:t>2/06/2019</a:t>
+              <a:t>3/06/2019</a:t>
             </a:fld>
             <a:endParaRPr lang="nl-BE"/>
           </a:p>
@@ -3712,7 +4181,7 @@
           <a:p>
             <a:fld id="{1F62A362-03E1-4775-BA67-CBC001C763DD}" type="datetimeFigureOut">
               <a:rPr lang="nl-BE" smtClean="0"/>
-              <a:t>2/06/2019</a:t>
+              <a:t>3/06/2019</a:t>
             </a:fld>
             <a:endParaRPr lang="nl-BE"/>
           </a:p>
@@ -4001,7 +4470,7 @@
           <a:p>
             <a:fld id="{1F62A362-03E1-4775-BA67-CBC001C763DD}" type="datetimeFigureOut">
               <a:rPr lang="nl-BE" smtClean="0"/>
-              <a:t>2/06/2019</a:t>
+              <a:t>3/06/2019</a:t>
             </a:fld>
             <a:endParaRPr lang="nl-BE"/>
           </a:p>
@@ -4244,7 +4713,7 @@
           <a:p>
             <a:fld id="{1F62A362-03E1-4775-BA67-CBC001C763DD}" type="datetimeFigureOut">
               <a:rPr lang="nl-BE" smtClean="0"/>
-              <a:t>2/06/2019</a:t>
+              <a:t>3/06/2019</a:t>
             </a:fld>
             <a:endParaRPr lang="nl-BE"/>
           </a:p>
@@ -4753,6 +5222,942 @@
           <p:cNvPr id="2" name="Title 1">
             <a:extLst>
               <a:ext uri="{FF2B5EF4-FFF2-40B4-BE49-F238E27FC236}">
+                <a16:creationId xmlns:a16="http://schemas.microsoft.com/office/drawing/2014/main" id="{33D0876F-4AFD-4B6F-8C7F-6FB05B0F398F}"/>
+              </a:ext>
+            </a:extLst>
+          </p:cNvPr>
+          <p:cNvSpPr>
+            <a:spLocks noGrp="1"/>
+          </p:cNvSpPr>
+          <p:nvPr>
+            <p:ph type="title"/>
+          </p:nvPr>
+        </p:nvSpPr>
+        <p:spPr/>
+        <p:txBody>
+          <a:bodyPr/>
+          <a:lstStyle/>
+          <a:p>
+            <a:r>
+              <a:rPr lang="en-US" dirty="0" err="1"/>
+              <a:t>ToDo</a:t>
+            </a:r>
+            <a:endParaRPr lang="en-US" dirty="0"/>
+          </a:p>
+        </p:txBody>
+      </p:sp>
+      <p:sp>
+        <p:nvSpPr>
+          <p:cNvPr id="3" name="Content Placeholder 2">
+            <a:extLst>
+              <a:ext uri="{FF2B5EF4-FFF2-40B4-BE49-F238E27FC236}">
+                <a16:creationId xmlns:a16="http://schemas.microsoft.com/office/drawing/2014/main" id="{3B1C0D6C-ABEB-4191-A0A0-41BEAC1E3719}"/>
+              </a:ext>
+            </a:extLst>
+          </p:cNvPr>
+          <p:cNvSpPr>
+            <a:spLocks noGrp="1"/>
+          </p:cNvSpPr>
+          <p:nvPr>
+            <p:ph idx="1"/>
+          </p:nvPr>
+        </p:nvSpPr>
+        <p:spPr/>
+        <p:txBody>
+          <a:bodyPr/>
+          <a:lstStyle/>
+          <a:p>
+            <a:r>
+              <a:rPr lang="en-US" dirty="0"/>
+              <a:t>Versioning</a:t>
+            </a:r>
+          </a:p>
+        </p:txBody>
+      </p:sp>
+    </p:spTree>
+    <p:extLst>
+      <p:ext uri="{BB962C8B-B14F-4D97-AF65-F5344CB8AC3E}">
+        <p14:creationId xmlns:p14="http://schemas.microsoft.com/office/powerpoint/2010/main" val="554795955"/>
+      </p:ext>
+    </p:extLst>
+  </p:cSld>
+  <p:clrMapOvr>
+    <a:masterClrMapping/>
+  </p:clrMapOvr>
+</p:sld>
+</file>
+
+<file path=ppt/slides/slide11.xml><?xml version="1.0" encoding="utf-8"?>
+<p:sld xmlns:a="http://schemas.openxmlformats.org/drawingml/2006/main" xmlns:r="http://schemas.openxmlformats.org/officeDocument/2006/relationships" xmlns:p="http://schemas.openxmlformats.org/presentationml/2006/main">
+  <p:cSld>
+    <p:spTree>
+      <p:nvGrpSpPr>
+        <p:cNvPr id="1" name=""/>
+        <p:cNvGrpSpPr/>
+        <p:nvPr/>
+      </p:nvGrpSpPr>
+      <p:grpSpPr>
+        <a:xfrm>
+          <a:off x="0" y="0"/>
+          <a:ext cx="0" cy="0"/>
+          <a:chOff x="0" y="0"/>
+          <a:chExt cx="0" cy="0"/>
+        </a:xfrm>
+      </p:grpSpPr>
+      <p:sp>
+        <p:nvSpPr>
+          <p:cNvPr id="2" name="Title 1">
+            <a:extLst>
+              <a:ext uri="{FF2B5EF4-FFF2-40B4-BE49-F238E27FC236}">
+                <a16:creationId xmlns:a16="http://schemas.microsoft.com/office/drawing/2014/main" id="{C381B617-432B-4260-807D-A33327190D4A}"/>
+              </a:ext>
+            </a:extLst>
+          </p:cNvPr>
+          <p:cNvSpPr>
+            <a:spLocks noGrp="1"/>
+          </p:cNvSpPr>
+          <p:nvPr>
+            <p:ph type="ctrTitle"/>
+          </p:nvPr>
+        </p:nvSpPr>
+        <p:spPr/>
+        <p:txBody>
+          <a:bodyPr/>
+          <a:lstStyle/>
+          <a:p>
+            <a:r>
+              <a:rPr lang="nl-BE" dirty="0"/>
+              <a:t>Sprint 1</a:t>
+            </a:r>
+          </a:p>
+        </p:txBody>
+      </p:sp>
+      <p:sp>
+        <p:nvSpPr>
+          <p:cNvPr id="3" name="Subtitle 2">
+            <a:extLst>
+              <a:ext uri="{FF2B5EF4-FFF2-40B4-BE49-F238E27FC236}">
+                <a16:creationId xmlns:a16="http://schemas.microsoft.com/office/drawing/2014/main" id="{16F05D79-76DB-438C-88CF-3FFFDCCE47AA}"/>
+              </a:ext>
+            </a:extLst>
+          </p:cNvPr>
+          <p:cNvSpPr>
+            <a:spLocks noGrp="1"/>
+          </p:cNvSpPr>
+          <p:nvPr>
+            <p:ph type="subTitle" idx="1"/>
+          </p:nvPr>
+        </p:nvSpPr>
+        <p:spPr/>
+        <p:txBody>
+          <a:bodyPr/>
+          <a:lstStyle/>
+          <a:p>
+            <a:r>
+              <a:rPr lang="nl-BE" dirty="0" err="1"/>
+              <a:t>Outliers</a:t>
+            </a:r>
+            <a:endParaRPr lang="nl-BE" dirty="0"/>
+          </a:p>
+        </p:txBody>
+      </p:sp>
+    </p:spTree>
+    <p:extLst>
+      <p:ext uri="{BB962C8B-B14F-4D97-AF65-F5344CB8AC3E}">
+        <p14:creationId xmlns:p14="http://schemas.microsoft.com/office/powerpoint/2010/main" val="2423986036"/>
+      </p:ext>
+    </p:extLst>
+  </p:cSld>
+  <p:clrMapOvr>
+    <a:masterClrMapping/>
+  </p:clrMapOvr>
+</p:sld>
+</file>
+
+<file path=ppt/slides/slide12.xml><?xml version="1.0" encoding="utf-8"?>
+<p:sld xmlns:a="http://schemas.openxmlformats.org/drawingml/2006/main" xmlns:r="http://schemas.openxmlformats.org/officeDocument/2006/relationships" xmlns:p="http://schemas.openxmlformats.org/presentationml/2006/main">
+  <p:cSld>
+    <p:spTree>
+      <p:nvGrpSpPr>
+        <p:cNvPr id="1" name=""/>
+        <p:cNvGrpSpPr/>
+        <p:nvPr/>
+      </p:nvGrpSpPr>
+      <p:grpSpPr>
+        <a:xfrm>
+          <a:off x="0" y="0"/>
+          <a:ext cx="0" cy="0"/>
+          <a:chOff x="0" y="0"/>
+          <a:chExt cx="0" cy="0"/>
+        </a:xfrm>
+      </p:grpSpPr>
+      <p:sp>
+        <p:nvSpPr>
+          <p:cNvPr id="2" name="Title 1">
+            <a:extLst>
+              <a:ext uri="{FF2B5EF4-FFF2-40B4-BE49-F238E27FC236}">
+                <a16:creationId xmlns:a16="http://schemas.microsoft.com/office/drawing/2014/main" id="{2AAF558A-3957-4364-84E1-918EECE4497A}"/>
+              </a:ext>
+            </a:extLst>
+          </p:cNvPr>
+          <p:cNvSpPr>
+            <a:spLocks noGrp="1"/>
+          </p:cNvSpPr>
+          <p:nvPr>
+            <p:ph type="title"/>
+          </p:nvPr>
+        </p:nvSpPr>
+        <p:spPr/>
+        <p:txBody>
+          <a:bodyPr/>
+          <a:lstStyle/>
+          <a:p>
+            <a:r>
+              <a:rPr lang="nl-BE" dirty="0" err="1"/>
+              <a:t>Outliers</a:t>
+            </a:r>
+            <a:endParaRPr lang="nl-BE" dirty="0"/>
+          </a:p>
+        </p:txBody>
+      </p:sp>
+      <p:sp>
+        <p:nvSpPr>
+          <p:cNvPr id="3" name="Content Placeholder 2">
+            <a:extLst>
+              <a:ext uri="{FF2B5EF4-FFF2-40B4-BE49-F238E27FC236}">
+                <a16:creationId xmlns:a16="http://schemas.microsoft.com/office/drawing/2014/main" id="{44A5BE66-60D5-41E6-A546-A130CC12D40D}"/>
+              </a:ext>
+            </a:extLst>
+          </p:cNvPr>
+          <p:cNvSpPr>
+            <a:spLocks noGrp="1"/>
+          </p:cNvSpPr>
+          <p:nvPr>
+            <p:ph idx="1"/>
+          </p:nvPr>
+        </p:nvSpPr>
+        <p:spPr/>
+        <p:txBody>
+          <a:bodyPr/>
+          <a:lstStyle/>
+          <a:p>
+            <a:r>
+              <a:rPr lang="en-US" dirty="0"/>
+              <a:t>v0.01: </a:t>
+            </a:r>
+            <a:r>
+              <a:rPr lang="en-US" i="1" dirty="0" err="1"/>
+              <a:t>detect_outliers</a:t>
+            </a:r>
+            <a:r>
+              <a:rPr lang="en-US" i="1" dirty="0"/>
+              <a:t>(data)</a:t>
+            </a:r>
+          </a:p>
+          <a:p>
+            <a:pPr lvl="1"/>
+            <a:r>
+              <a:rPr lang="en-US" i="1" dirty="0"/>
+              <a:t>Uses </a:t>
+            </a:r>
+            <a:r>
+              <a:rPr lang="en-US" b="1" i="1" dirty="0"/>
+              <a:t>only</a:t>
+            </a:r>
+            <a:r>
+              <a:rPr lang="en-US" i="1" dirty="0"/>
+              <a:t> the supplied dataset</a:t>
+            </a:r>
+          </a:p>
+          <a:p>
+            <a:r>
+              <a:rPr lang="en-US" dirty="0"/>
+              <a:t>v0.02: </a:t>
+            </a:r>
+            <a:r>
+              <a:rPr lang="en-US" i="1" dirty="0" err="1"/>
+              <a:t>detect_outliers</a:t>
+            </a:r>
+            <a:r>
+              <a:rPr lang="en-US" i="1" dirty="0"/>
+              <a:t>(data, type = c(“air pressure”, “air temperature”), units)</a:t>
+            </a:r>
+          </a:p>
+          <a:p>
+            <a:pPr lvl="1"/>
+            <a:r>
+              <a:rPr lang="en-US" dirty="0"/>
+              <a:t>Uses simple </a:t>
+            </a:r>
+            <a:r>
+              <a:rPr lang="en-US" b="1" dirty="0"/>
+              <a:t>a-priori</a:t>
+            </a:r>
+            <a:r>
+              <a:rPr lang="en-US" dirty="0"/>
+              <a:t> knowledge about air pressure, temperature, etc.</a:t>
+            </a:r>
+          </a:p>
+          <a:p>
+            <a:r>
+              <a:rPr lang="en-US" dirty="0"/>
+              <a:t>v0.03: …</a:t>
+            </a:r>
+          </a:p>
+        </p:txBody>
+      </p:sp>
+    </p:spTree>
+    <p:extLst>
+      <p:ext uri="{BB962C8B-B14F-4D97-AF65-F5344CB8AC3E}">
+        <p14:creationId xmlns:p14="http://schemas.microsoft.com/office/powerpoint/2010/main" val="1695507499"/>
+      </p:ext>
+    </p:extLst>
+  </p:cSld>
+  <p:clrMapOvr>
+    <a:masterClrMapping/>
+  </p:clrMapOvr>
+</p:sld>
+</file>
+
+<file path=ppt/slides/slide13.xml><?xml version="1.0" encoding="utf-8"?>
+<p:sld xmlns:a="http://schemas.openxmlformats.org/drawingml/2006/main" xmlns:r="http://schemas.openxmlformats.org/officeDocument/2006/relationships" xmlns:p="http://schemas.openxmlformats.org/presentationml/2006/main">
+  <p:cSld>
+    <p:spTree>
+      <p:nvGrpSpPr>
+        <p:cNvPr id="1" name=""/>
+        <p:cNvGrpSpPr/>
+        <p:nvPr/>
+      </p:nvGrpSpPr>
+      <p:grpSpPr>
+        <a:xfrm>
+          <a:off x="0" y="0"/>
+          <a:ext cx="0" cy="0"/>
+          <a:chOff x="0" y="0"/>
+          <a:chExt cx="0" cy="0"/>
+        </a:xfrm>
+      </p:grpSpPr>
+      <p:sp>
+        <p:nvSpPr>
+          <p:cNvPr id="4" name="Title 3">
+            <a:extLst>
+              <a:ext uri="{FF2B5EF4-FFF2-40B4-BE49-F238E27FC236}">
+                <a16:creationId xmlns:a16="http://schemas.microsoft.com/office/drawing/2014/main" id="{0ABA15CC-0341-43E7-90FB-0A22D5CFC77D}"/>
+              </a:ext>
+            </a:extLst>
+          </p:cNvPr>
+          <p:cNvSpPr>
+            <a:spLocks noGrp="1"/>
+          </p:cNvSpPr>
+          <p:nvPr>
+            <p:ph type="title"/>
+          </p:nvPr>
+        </p:nvSpPr>
+        <p:spPr/>
+        <p:txBody>
+          <a:bodyPr/>
+          <a:lstStyle/>
+          <a:p>
+            <a:r>
+              <a:rPr lang="nl-BE" dirty="0" err="1"/>
+              <a:t>Outliers</a:t>
+            </a:r>
+            <a:r>
+              <a:rPr lang="nl-BE" dirty="0"/>
+              <a:t>: v0.01</a:t>
+            </a:r>
+            <a:endParaRPr lang="en-US" dirty="0"/>
+          </a:p>
+        </p:txBody>
+      </p:sp>
+      <p:sp>
+        <p:nvSpPr>
+          <p:cNvPr id="5" name="Text Placeholder 4">
+            <a:extLst>
+              <a:ext uri="{FF2B5EF4-FFF2-40B4-BE49-F238E27FC236}">
+                <a16:creationId xmlns:a16="http://schemas.microsoft.com/office/drawing/2014/main" id="{CA528F7E-FCA6-4235-B85D-808106A53E05}"/>
+              </a:ext>
+            </a:extLst>
+          </p:cNvPr>
+          <p:cNvSpPr>
+            <a:spLocks noGrp="1"/>
+          </p:cNvSpPr>
+          <p:nvPr>
+            <p:ph type="body" idx="1"/>
+          </p:nvPr>
+        </p:nvSpPr>
+        <p:spPr/>
+        <p:txBody>
+          <a:bodyPr/>
+          <a:lstStyle/>
+          <a:p>
+            <a:r>
+              <a:rPr lang="en-US" dirty="0"/>
+              <a:t>Uses </a:t>
+            </a:r>
+            <a:r>
+              <a:rPr lang="en-US" b="1" dirty="0"/>
+              <a:t>only</a:t>
+            </a:r>
+            <a:r>
+              <a:rPr lang="en-US" dirty="0"/>
+              <a:t> the supplied dataset</a:t>
+            </a:r>
+          </a:p>
+        </p:txBody>
+      </p:sp>
+    </p:spTree>
+    <p:extLst>
+      <p:ext uri="{BB962C8B-B14F-4D97-AF65-F5344CB8AC3E}">
+        <p14:creationId xmlns:p14="http://schemas.microsoft.com/office/powerpoint/2010/main" val="3593480944"/>
+      </p:ext>
+    </p:extLst>
+  </p:cSld>
+  <p:clrMapOvr>
+    <a:masterClrMapping/>
+  </p:clrMapOvr>
+</p:sld>
+</file>
+
+<file path=ppt/slides/slide14.xml><?xml version="1.0" encoding="utf-8"?>
+<p:sld xmlns:a="http://schemas.openxmlformats.org/drawingml/2006/main" xmlns:r="http://schemas.openxmlformats.org/officeDocument/2006/relationships" xmlns:p="http://schemas.openxmlformats.org/presentationml/2006/main">
+  <p:cSld>
+    <p:spTree>
+      <p:nvGrpSpPr>
+        <p:cNvPr id="1" name=""/>
+        <p:cNvGrpSpPr/>
+        <p:nvPr/>
+      </p:nvGrpSpPr>
+      <p:grpSpPr>
+        <a:xfrm>
+          <a:off x="0" y="0"/>
+          <a:ext cx="0" cy="0"/>
+          <a:chOff x="0" y="0"/>
+          <a:chExt cx="0" cy="0"/>
+        </a:xfrm>
+      </p:grpSpPr>
+      <p:sp>
+        <p:nvSpPr>
+          <p:cNvPr id="2" name="Title 1">
+            <a:extLst>
+              <a:ext uri="{FF2B5EF4-FFF2-40B4-BE49-F238E27FC236}">
+                <a16:creationId xmlns:a16="http://schemas.microsoft.com/office/drawing/2014/main" id="{6D80A9A5-3296-40DF-AB8B-E1B2FFA1A316}"/>
+              </a:ext>
+            </a:extLst>
+          </p:cNvPr>
+          <p:cNvSpPr>
+            <a:spLocks noGrp="1"/>
+          </p:cNvSpPr>
+          <p:nvPr>
+            <p:ph type="title"/>
+          </p:nvPr>
+        </p:nvSpPr>
+        <p:spPr/>
+        <p:txBody>
+          <a:bodyPr/>
+          <a:lstStyle/>
+          <a:p>
+            <a:r>
+              <a:rPr lang="nl-BE" dirty="0" err="1"/>
+              <a:t>Outliers</a:t>
+            </a:r>
+            <a:r>
+              <a:rPr lang="nl-BE" dirty="0"/>
+              <a:t>: v0.01</a:t>
+            </a:r>
+            <a:endParaRPr lang="en-US" dirty="0"/>
+          </a:p>
+        </p:txBody>
+      </p:sp>
+      <p:sp>
+        <p:nvSpPr>
+          <p:cNvPr id="3" name="Content Placeholder 2">
+            <a:extLst>
+              <a:ext uri="{FF2B5EF4-FFF2-40B4-BE49-F238E27FC236}">
+                <a16:creationId xmlns:a16="http://schemas.microsoft.com/office/drawing/2014/main" id="{B684F9E5-F86E-4C22-A298-BAF6033EAD66}"/>
+              </a:ext>
+            </a:extLst>
+          </p:cNvPr>
+          <p:cNvSpPr>
+            <a:spLocks noGrp="1"/>
+          </p:cNvSpPr>
+          <p:nvPr>
+            <p:ph idx="1"/>
+          </p:nvPr>
+        </p:nvSpPr>
+        <p:spPr/>
+        <p:txBody>
+          <a:bodyPr/>
+          <a:lstStyle/>
+          <a:p>
+            <a:r>
+              <a:rPr lang="en-US" dirty="0">
+                <a:hlinkClick r:id="rId2"/>
+              </a:rPr>
+              <a:t>Validation</a:t>
+            </a:r>
+            <a:endParaRPr lang="en-US" dirty="0"/>
+          </a:p>
+          <a:p>
+            <a:endParaRPr lang="en-US" dirty="0"/>
+          </a:p>
+        </p:txBody>
+      </p:sp>
+      <p:pic>
+        <p:nvPicPr>
+          <p:cNvPr id="5" name="Picture 4">
+            <a:extLst>
+              <a:ext uri="{FF2B5EF4-FFF2-40B4-BE49-F238E27FC236}">
+                <a16:creationId xmlns:a16="http://schemas.microsoft.com/office/drawing/2014/main" id="{1D8D4687-C393-4FC0-9DE9-5F8F4AC03802}"/>
+              </a:ext>
+            </a:extLst>
+          </p:cNvPr>
+          <p:cNvPicPr>
+            <a:picLocks noChangeAspect="1"/>
+          </p:cNvPicPr>
+          <p:nvPr/>
+        </p:nvPicPr>
+        <p:blipFill>
+          <a:blip r:embed="rId3"/>
+          <a:stretch>
+            <a:fillRect/>
+          </a:stretch>
+        </p:blipFill>
+        <p:spPr>
+          <a:xfrm>
+            <a:off x="2136000" y="2531485"/>
+            <a:ext cx="7920000" cy="3961390"/>
+          </a:xfrm>
+          <a:prstGeom prst="rect">
+            <a:avLst/>
+          </a:prstGeom>
+        </p:spPr>
+      </p:pic>
+    </p:spTree>
+    <p:extLst>
+      <p:ext uri="{BB962C8B-B14F-4D97-AF65-F5344CB8AC3E}">
+        <p14:creationId xmlns:p14="http://schemas.microsoft.com/office/powerpoint/2010/main" val="2021103084"/>
+      </p:ext>
+    </p:extLst>
+  </p:cSld>
+  <p:clrMapOvr>
+    <a:masterClrMapping/>
+  </p:clrMapOvr>
+</p:sld>
+</file>
+
+<file path=ppt/slides/slide15.xml><?xml version="1.0" encoding="utf-8"?>
+<p:sld xmlns:a="http://schemas.openxmlformats.org/drawingml/2006/main" xmlns:r="http://schemas.openxmlformats.org/officeDocument/2006/relationships" xmlns:p="http://schemas.openxmlformats.org/presentationml/2006/main">
+  <p:cSld>
+    <p:spTree>
+      <p:nvGrpSpPr>
+        <p:cNvPr id="1" name=""/>
+        <p:cNvGrpSpPr/>
+        <p:nvPr/>
+      </p:nvGrpSpPr>
+      <p:grpSpPr>
+        <a:xfrm>
+          <a:off x="0" y="0"/>
+          <a:ext cx="0" cy="0"/>
+          <a:chOff x="0" y="0"/>
+          <a:chExt cx="0" cy="0"/>
+        </a:xfrm>
+      </p:grpSpPr>
+      <p:sp>
+        <p:nvSpPr>
+          <p:cNvPr id="2" name="Title 1">
+            <a:extLst>
+              <a:ext uri="{FF2B5EF4-FFF2-40B4-BE49-F238E27FC236}">
+                <a16:creationId xmlns:a16="http://schemas.microsoft.com/office/drawing/2014/main" id="{6D80A9A5-3296-40DF-AB8B-E1B2FFA1A316}"/>
+              </a:ext>
+            </a:extLst>
+          </p:cNvPr>
+          <p:cNvSpPr>
+            <a:spLocks noGrp="1"/>
+          </p:cNvSpPr>
+          <p:nvPr>
+            <p:ph type="title"/>
+          </p:nvPr>
+        </p:nvSpPr>
+        <p:spPr/>
+        <p:txBody>
+          <a:bodyPr/>
+          <a:lstStyle/>
+          <a:p>
+            <a:r>
+              <a:rPr lang="nl-BE" dirty="0" err="1"/>
+              <a:t>Outliers</a:t>
+            </a:r>
+            <a:r>
+              <a:rPr lang="nl-BE" dirty="0"/>
+              <a:t>: v0.01</a:t>
+            </a:r>
+            <a:endParaRPr lang="en-US" dirty="0"/>
+          </a:p>
+        </p:txBody>
+      </p:sp>
+      <p:sp>
+        <p:nvSpPr>
+          <p:cNvPr id="3" name="Content Placeholder 2">
+            <a:extLst>
+              <a:ext uri="{FF2B5EF4-FFF2-40B4-BE49-F238E27FC236}">
+                <a16:creationId xmlns:a16="http://schemas.microsoft.com/office/drawing/2014/main" id="{B684F9E5-F86E-4C22-A298-BAF6033EAD66}"/>
+              </a:ext>
+            </a:extLst>
+          </p:cNvPr>
+          <p:cNvSpPr>
+            <a:spLocks noGrp="1"/>
+          </p:cNvSpPr>
+          <p:nvPr>
+            <p:ph idx="1"/>
+          </p:nvPr>
+        </p:nvSpPr>
+        <p:spPr/>
+        <p:txBody>
+          <a:bodyPr/>
+          <a:lstStyle/>
+          <a:p>
+            <a:r>
+              <a:rPr lang="en-US" dirty="0">
+                <a:hlinkClick r:id="rId2"/>
+              </a:rPr>
+              <a:t>Validation</a:t>
+            </a:r>
+            <a:endParaRPr lang="en-US" dirty="0"/>
+          </a:p>
+          <a:p>
+            <a:endParaRPr lang="en-US" dirty="0"/>
+          </a:p>
+        </p:txBody>
+      </p:sp>
+      <p:pic>
+        <p:nvPicPr>
+          <p:cNvPr id="4" name="Picture 3">
+            <a:extLst>
+              <a:ext uri="{FF2B5EF4-FFF2-40B4-BE49-F238E27FC236}">
+                <a16:creationId xmlns:a16="http://schemas.microsoft.com/office/drawing/2014/main" id="{18FD51C2-EAC5-49B2-B1FB-DE044D16F29B}"/>
+              </a:ext>
+            </a:extLst>
+          </p:cNvPr>
+          <p:cNvPicPr>
+            <a:picLocks noChangeAspect="1"/>
+          </p:cNvPicPr>
+          <p:nvPr/>
+        </p:nvPicPr>
+        <p:blipFill>
+          <a:blip r:embed="rId3"/>
+          <a:stretch>
+            <a:fillRect/>
+          </a:stretch>
+        </p:blipFill>
+        <p:spPr>
+          <a:xfrm>
+            <a:off x="2136000" y="2531485"/>
+            <a:ext cx="7920000" cy="3961390"/>
+          </a:xfrm>
+          <a:prstGeom prst="rect">
+            <a:avLst/>
+          </a:prstGeom>
+        </p:spPr>
+      </p:pic>
+    </p:spTree>
+    <p:extLst>
+      <p:ext uri="{BB962C8B-B14F-4D97-AF65-F5344CB8AC3E}">
+        <p14:creationId xmlns:p14="http://schemas.microsoft.com/office/powerpoint/2010/main" val="1447941381"/>
+      </p:ext>
+    </p:extLst>
+  </p:cSld>
+  <p:clrMapOvr>
+    <a:masterClrMapping/>
+  </p:clrMapOvr>
+</p:sld>
+</file>
+
+<file path=ppt/slides/slide16.xml><?xml version="1.0" encoding="utf-8"?>
+<p:sld xmlns:a="http://schemas.openxmlformats.org/drawingml/2006/main" xmlns:r="http://schemas.openxmlformats.org/officeDocument/2006/relationships" xmlns:p="http://schemas.openxmlformats.org/presentationml/2006/main">
+  <p:cSld>
+    <p:spTree>
+      <p:nvGrpSpPr>
+        <p:cNvPr id="1" name=""/>
+        <p:cNvGrpSpPr/>
+        <p:nvPr/>
+      </p:nvGrpSpPr>
+      <p:grpSpPr>
+        <a:xfrm>
+          <a:off x="0" y="0"/>
+          <a:ext cx="0" cy="0"/>
+          <a:chOff x="0" y="0"/>
+          <a:chExt cx="0" cy="0"/>
+        </a:xfrm>
+      </p:grpSpPr>
+      <p:sp>
+        <p:nvSpPr>
+          <p:cNvPr id="2" name="Title 1">
+            <a:extLst>
+              <a:ext uri="{FF2B5EF4-FFF2-40B4-BE49-F238E27FC236}">
+                <a16:creationId xmlns:a16="http://schemas.microsoft.com/office/drawing/2014/main" id="{6D80A9A5-3296-40DF-AB8B-E1B2FFA1A316}"/>
+              </a:ext>
+            </a:extLst>
+          </p:cNvPr>
+          <p:cNvSpPr>
+            <a:spLocks noGrp="1"/>
+          </p:cNvSpPr>
+          <p:nvPr>
+            <p:ph type="title"/>
+          </p:nvPr>
+        </p:nvSpPr>
+        <p:spPr/>
+        <p:txBody>
+          <a:bodyPr/>
+          <a:lstStyle/>
+          <a:p>
+            <a:r>
+              <a:rPr lang="nl-BE" dirty="0" err="1"/>
+              <a:t>Outliers</a:t>
+            </a:r>
+            <a:r>
+              <a:rPr lang="nl-BE" dirty="0"/>
+              <a:t>: v0.01</a:t>
+            </a:r>
+            <a:endParaRPr lang="en-US" dirty="0"/>
+          </a:p>
+        </p:txBody>
+      </p:sp>
+      <p:sp>
+        <p:nvSpPr>
+          <p:cNvPr id="3" name="Content Placeholder 2">
+            <a:extLst>
+              <a:ext uri="{FF2B5EF4-FFF2-40B4-BE49-F238E27FC236}">
+                <a16:creationId xmlns:a16="http://schemas.microsoft.com/office/drawing/2014/main" id="{B684F9E5-F86E-4C22-A298-BAF6033EAD66}"/>
+              </a:ext>
+            </a:extLst>
+          </p:cNvPr>
+          <p:cNvSpPr>
+            <a:spLocks noGrp="1"/>
+          </p:cNvSpPr>
+          <p:nvPr>
+            <p:ph idx="1"/>
+          </p:nvPr>
+        </p:nvSpPr>
+        <p:spPr/>
+        <p:txBody>
+          <a:bodyPr/>
+          <a:lstStyle/>
+          <a:p>
+            <a:r>
+              <a:rPr lang="en-US" dirty="0">
+                <a:hlinkClick r:id="rId2"/>
+              </a:rPr>
+              <a:t>Validation</a:t>
+            </a:r>
+            <a:endParaRPr lang="en-US" dirty="0"/>
+          </a:p>
+          <a:p>
+            <a:endParaRPr lang="en-US" dirty="0"/>
+          </a:p>
+        </p:txBody>
+      </p:sp>
+      <p:pic>
+        <p:nvPicPr>
+          <p:cNvPr id="5" name="Picture 4">
+            <a:extLst>
+              <a:ext uri="{FF2B5EF4-FFF2-40B4-BE49-F238E27FC236}">
+                <a16:creationId xmlns:a16="http://schemas.microsoft.com/office/drawing/2014/main" id="{3456FC9C-643F-4A3B-AEBA-2F9E45F01BFA}"/>
+              </a:ext>
+            </a:extLst>
+          </p:cNvPr>
+          <p:cNvPicPr>
+            <a:picLocks noChangeAspect="1"/>
+          </p:cNvPicPr>
+          <p:nvPr/>
+        </p:nvPicPr>
+        <p:blipFill>
+          <a:blip r:embed="rId3"/>
+          <a:stretch>
+            <a:fillRect/>
+          </a:stretch>
+        </p:blipFill>
+        <p:spPr>
+          <a:xfrm>
+            <a:off x="2136000" y="2531485"/>
+            <a:ext cx="7920000" cy="3961390"/>
+          </a:xfrm>
+          <a:prstGeom prst="rect">
+            <a:avLst/>
+          </a:prstGeom>
+        </p:spPr>
+      </p:pic>
+    </p:spTree>
+    <p:extLst>
+      <p:ext uri="{BB962C8B-B14F-4D97-AF65-F5344CB8AC3E}">
+        <p14:creationId xmlns:p14="http://schemas.microsoft.com/office/powerpoint/2010/main" val="1390137755"/>
+      </p:ext>
+    </p:extLst>
+  </p:cSld>
+  <p:clrMapOvr>
+    <a:masterClrMapping/>
+  </p:clrMapOvr>
+</p:sld>
+</file>
+
+<file path=ppt/slides/slide17.xml><?xml version="1.0" encoding="utf-8"?>
+<p:sld xmlns:a="http://schemas.openxmlformats.org/drawingml/2006/main" xmlns:r="http://schemas.openxmlformats.org/officeDocument/2006/relationships" xmlns:p="http://schemas.openxmlformats.org/presentationml/2006/main">
+  <p:cSld>
+    <p:spTree>
+      <p:nvGrpSpPr>
+        <p:cNvPr id="1" name=""/>
+        <p:cNvGrpSpPr/>
+        <p:nvPr/>
+      </p:nvGrpSpPr>
+      <p:grpSpPr>
+        <a:xfrm>
+          <a:off x="0" y="0"/>
+          <a:ext cx="0" cy="0"/>
+          <a:chOff x="0" y="0"/>
+          <a:chExt cx="0" cy="0"/>
+        </a:xfrm>
+      </p:grpSpPr>
+      <p:sp>
+        <p:nvSpPr>
+          <p:cNvPr id="2" name="Title 1">
+            <a:extLst>
+              <a:ext uri="{FF2B5EF4-FFF2-40B4-BE49-F238E27FC236}">
+                <a16:creationId xmlns:a16="http://schemas.microsoft.com/office/drawing/2014/main" id="{6D80A9A5-3296-40DF-AB8B-E1B2FFA1A316}"/>
+              </a:ext>
+            </a:extLst>
+          </p:cNvPr>
+          <p:cNvSpPr>
+            <a:spLocks noGrp="1"/>
+          </p:cNvSpPr>
+          <p:nvPr>
+            <p:ph type="title"/>
+          </p:nvPr>
+        </p:nvSpPr>
+        <p:spPr>
+          <a:xfrm>
+            <a:off x="838200" y="365125"/>
+            <a:ext cx="10515600" cy="1325563"/>
+          </a:xfrm>
+        </p:spPr>
+        <p:txBody>
+          <a:bodyPr/>
+          <a:lstStyle/>
+          <a:p>
+            <a:r>
+              <a:rPr lang="nl-BE" dirty="0" err="1"/>
+              <a:t>Outliers</a:t>
+            </a:r>
+            <a:r>
+              <a:rPr lang="nl-BE" dirty="0"/>
+              <a:t>: v0.01</a:t>
+            </a:r>
+            <a:endParaRPr lang="en-US" dirty="0"/>
+          </a:p>
+        </p:txBody>
+      </p:sp>
+      <p:sp>
+        <p:nvSpPr>
+          <p:cNvPr id="3" name="Content Placeholder 2">
+            <a:extLst>
+              <a:ext uri="{FF2B5EF4-FFF2-40B4-BE49-F238E27FC236}">
+                <a16:creationId xmlns:a16="http://schemas.microsoft.com/office/drawing/2014/main" id="{B684F9E5-F86E-4C22-A298-BAF6033EAD66}"/>
+              </a:ext>
+            </a:extLst>
+          </p:cNvPr>
+          <p:cNvSpPr>
+            <a:spLocks noGrp="1"/>
+          </p:cNvSpPr>
+          <p:nvPr>
+            <p:ph idx="1"/>
+          </p:nvPr>
+        </p:nvSpPr>
+        <p:spPr>
+          <a:xfrm>
+            <a:off x="838200" y="1825625"/>
+            <a:ext cx="10515600" cy="4351338"/>
+          </a:xfrm>
+        </p:spPr>
+        <p:txBody>
+          <a:bodyPr/>
+          <a:lstStyle/>
+          <a:p>
+            <a:r>
+              <a:rPr lang="en-US">
+                <a:hlinkClick r:id="rId2"/>
+              </a:rPr>
+              <a:t>Validation</a:t>
+            </a:r>
+            <a:endParaRPr lang="en-US"/>
+          </a:p>
+          <a:p>
+            <a:endParaRPr lang="en-US" dirty="0"/>
+          </a:p>
+        </p:txBody>
+      </p:sp>
+      <p:pic>
+        <p:nvPicPr>
+          <p:cNvPr id="4" name="Picture 3">
+            <a:extLst>
+              <a:ext uri="{FF2B5EF4-FFF2-40B4-BE49-F238E27FC236}">
+                <a16:creationId xmlns:a16="http://schemas.microsoft.com/office/drawing/2014/main" id="{283D7C59-4A48-4FE7-AC6F-F14FA713ADFE}"/>
+              </a:ext>
+            </a:extLst>
+          </p:cNvPr>
+          <p:cNvPicPr>
+            <a:picLocks noChangeAspect="1"/>
+          </p:cNvPicPr>
+          <p:nvPr/>
+        </p:nvPicPr>
+        <p:blipFill>
+          <a:blip r:embed="rId3"/>
+          <a:stretch>
+            <a:fillRect/>
+          </a:stretch>
+        </p:blipFill>
+        <p:spPr>
+          <a:xfrm>
+            <a:off x="2136000" y="2531485"/>
+            <a:ext cx="7920000" cy="3961390"/>
+          </a:xfrm>
+          <a:prstGeom prst="rect">
+            <a:avLst/>
+          </a:prstGeom>
+        </p:spPr>
+      </p:pic>
+    </p:spTree>
+    <p:extLst>
+      <p:ext uri="{BB962C8B-B14F-4D97-AF65-F5344CB8AC3E}">
+        <p14:creationId xmlns:p14="http://schemas.microsoft.com/office/powerpoint/2010/main" val="1050747877"/>
+      </p:ext>
+    </p:extLst>
+  </p:cSld>
+  <p:clrMapOvr>
+    <a:masterClrMapping/>
+  </p:clrMapOvr>
+</p:sld>
+</file>
+
+<file path=ppt/slides/slide18.xml><?xml version="1.0" encoding="utf-8"?>
+<p:sld xmlns:a="http://schemas.openxmlformats.org/drawingml/2006/main" xmlns:r="http://schemas.openxmlformats.org/officeDocument/2006/relationships" xmlns:p="http://schemas.openxmlformats.org/presentationml/2006/main">
+  <p:cSld>
+    <p:spTree>
+      <p:nvGrpSpPr>
+        <p:cNvPr id="1" name=""/>
+        <p:cNvGrpSpPr/>
+        <p:nvPr/>
+      </p:nvGrpSpPr>
+      <p:grpSpPr>
+        <a:xfrm>
+          <a:off x="0" y="0"/>
+          <a:ext cx="0" cy="0"/>
+          <a:chOff x="0" y="0"/>
+          <a:chExt cx="0" cy="0"/>
+        </a:xfrm>
+      </p:grpSpPr>
+      <p:sp>
+        <p:nvSpPr>
+          <p:cNvPr id="2" name="Title 1">
+            <a:extLst>
+              <a:ext uri="{FF2B5EF4-FFF2-40B4-BE49-F238E27FC236}">
                 <a16:creationId xmlns:a16="http://schemas.microsoft.com/office/drawing/2014/main" id="{6D80A9A5-3296-40DF-AB8B-E1B2FFA1A316}"/>
               </a:ext>
             </a:extLst>
@@ -4868,7 +6273,7 @@
 </p:sld>
 </file>
 
-<file path=ppt/slides/slide11.xml><?xml version="1.0" encoding="utf-8"?>
+<file path=ppt/slides/slide19.xml><?xml version="1.0" encoding="utf-8"?>
 <p:sld xmlns:a="http://schemas.openxmlformats.org/drawingml/2006/main" xmlns:r="http://schemas.openxmlformats.org/officeDocument/2006/relationships" xmlns:p="http://schemas.openxmlformats.org/presentationml/2006/main">
   <p:cSld>
     <p:spTree>
@@ -5005,7 +6410,93 @@
 </p:sld>
 </file>
 
-<file path=ppt/slides/slide12.xml><?xml version="1.0" encoding="utf-8"?>
+<file path=ppt/slides/slide2.xml><?xml version="1.0" encoding="utf-8"?>
+<p:sld xmlns:a="http://schemas.openxmlformats.org/drawingml/2006/main" xmlns:r="http://schemas.openxmlformats.org/officeDocument/2006/relationships" xmlns:p="http://schemas.openxmlformats.org/presentationml/2006/main">
+  <p:cSld>
+    <p:spTree>
+      <p:nvGrpSpPr>
+        <p:cNvPr id="1" name=""/>
+        <p:cNvGrpSpPr/>
+        <p:nvPr/>
+      </p:nvGrpSpPr>
+      <p:grpSpPr>
+        <a:xfrm>
+          <a:off x="0" y="0"/>
+          <a:ext cx="0" cy="0"/>
+          <a:chOff x="0" y="0"/>
+          <a:chExt cx="0" cy="0"/>
+        </a:xfrm>
+      </p:grpSpPr>
+      <p:sp>
+        <p:nvSpPr>
+          <p:cNvPr id="4" name="Title 3">
+            <a:extLst>
+              <a:ext uri="{FF2B5EF4-FFF2-40B4-BE49-F238E27FC236}">
+                <a16:creationId xmlns:a16="http://schemas.microsoft.com/office/drawing/2014/main" id="{0ABA15CC-0341-43E7-90FB-0A22D5CFC77D}"/>
+              </a:ext>
+            </a:extLst>
+          </p:cNvPr>
+          <p:cNvSpPr>
+            <a:spLocks noGrp="1"/>
+          </p:cNvSpPr>
+          <p:nvPr>
+            <p:ph type="title"/>
+          </p:nvPr>
+        </p:nvSpPr>
+        <p:spPr/>
+        <p:txBody>
+          <a:bodyPr/>
+          <a:lstStyle/>
+          <a:p>
+            <a:r>
+              <a:rPr lang="en-US" dirty="0"/>
+              <a:t>DRME_DMST_CDE</a:t>
+            </a:r>
+          </a:p>
+        </p:txBody>
+      </p:sp>
+      <p:sp>
+        <p:nvSpPr>
+          <p:cNvPr id="5" name="Text Placeholder 4">
+            <a:extLst>
+              <a:ext uri="{FF2B5EF4-FFF2-40B4-BE49-F238E27FC236}">
+                <a16:creationId xmlns:a16="http://schemas.microsoft.com/office/drawing/2014/main" id="{CA528F7E-FCA6-4235-B85D-808106A53E05}"/>
+              </a:ext>
+            </a:extLst>
+          </p:cNvPr>
+          <p:cNvSpPr>
+            <a:spLocks noGrp="1"/>
+          </p:cNvSpPr>
+          <p:nvPr>
+            <p:ph type="body" idx="1"/>
+          </p:nvPr>
+        </p:nvSpPr>
+        <p:spPr/>
+        <p:txBody>
+          <a:bodyPr/>
+          <a:lstStyle/>
+          <a:p>
+            <a:r>
+              <a:rPr lang="en-US" dirty="0"/>
+              <a:t>Flags from DB: ENT (entered); DEL (deleted) and INV (invalid).</a:t>
+            </a:r>
+          </a:p>
+        </p:txBody>
+      </p:sp>
+    </p:spTree>
+    <p:extLst>
+      <p:ext uri="{BB962C8B-B14F-4D97-AF65-F5344CB8AC3E}">
+        <p14:creationId xmlns:p14="http://schemas.microsoft.com/office/powerpoint/2010/main" val="3486244852"/>
+      </p:ext>
+    </p:extLst>
+  </p:cSld>
+  <p:clrMapOvr>
+    <a:masterClrMapping/>
+  </p:clrMapOvr>
+</p:sld>
+</file>
+
+<file path=ppt/slides/slide20.xml><?xml version="1.0" encoding="utf-8"?>
 <p:sld xmlns:a="http://schemas.openxmlformats.org/drawingml/2006/main" xmlns:r="http://schemas.openxmlformats.org/officeDocument/2006/relationships" xmlns:p="http://schemas.openxmlformats.org/presentationml/2006/main">
   <p:cSld>
     <p:spTree>
@@ -5142,7 +6633,7 @@
 </p:sld>
 </file>
 
-<file path=ppt/slides/slide13.xml><?xml version="1.0" encoding="utf-8"?>
+<file path=ppt/slides/slide21.xml><?xml version="1.0" encoding="utf-8"?>
 <p:sld xmlns:a="http://schemas.openxmlformats.org/drawingml/2006/main" xmlns:r="http://schemas.openxmlformats.org/officeDocument/2006/relationships" xmlns:p="http://schemas.openxmlformats.org/presentationml/2006/main">
   <p:cSld>
     <p:spTree>
@@ -5331,7 +6822,7 @@
 </p:sld>
 </file>
 
-<file path=ppt/slides/slide14.xml><?xml version="1.0" encoding="utf-8"?>
+<file path=ppt/slides/slide22.xml><?xml version="1.0" encoding="utf-8"?>
 <p:sld xmlns:a="http://schemas.openxmlformats.org/drawingml/2006/main" xmlns:r="http://schemas.openxmlformats.org/officeDocument/2006/relationships" xmlns:p="http://schemas.openxmlformats.org/presentationml/2006/main">
   <p:cSld>
     <p:spTree>
@@ -5430,7 +6921,7 @@
 </p:sld>
 </file>
 
-<file path=ppt/slides/slide15.xml><?xml version="1.0" encoding="utf-8"?>
+<file path=ppt/slides/slide23.xml><?xml version="1.0" encoding="utf-8"?>
 <p:sld xmlns:a="http://schemas.openxmlformats.org/drawingml/2006/main" xmlns:r="http://schemas.openxmlformats.org/officeDocument/2006/relationships" xmlns:p="http://schemas.openxmlformats.org/presentationml/2006/main">
   <p:cSld>
     <p:spTree>
@@ -5597,7 +7088,7 @@
 </p:sld>
 </file>
 
-<file path=ppt/slides/slide16.xml><?xml version="1.0" encoding="utf-8"?>
+<file path=ppt/slides/slide24.xml><?xml version="1.0" encoding="utf-8"?>
 <p:sld xmlns:a="http://schemas.openxmlformats.org/drawingml/2006/main" xmlns:r="http://schemas.openxmlformats.org/officeDocument/2006/relationships" xmlns:p="http://schemas.openxmlformats.org/presentationml/2006/main">
   <p:cSld>
     <p:spTree>
@@ -5734,7 +7225,7 @@
 </p:sld>
 </file>
 
-<file path=ppt/slides/slide17.xml><?xml version="1.0" encoding="utf-8"?>
+<file path=ppt/slides/slide25.xml><?xml version="1.0" encoding="utf-8"?>
 <p:sld xmlns:a="http://schemas.openxmlformats.org/drawingml/2006/main" xmlns:r="http://schemas.openxmlformats.org/officeDocument/2006/relationships" xmlns:p="http://schemas.openxmlformats.org/presentationml/2006/main">
   <p:cSld>
     <p:spTree>
@@ -5871,7 +7362,7 @@
 </p:sld>
 </file>
 
-<file path=ppt/slides/slide18.xml><?xml version="1.0" encoding="utf-8"?>
+<file path=ppt/slides/slide26.xml><?xml version="1.0" encoding="utf-8"?>
 <p:sld xmlns:a="http://schemas.openxmlformats.org/drawingml/2006/main" xmlns:r="http://schemas.openxmlformats.org/officeDocument/2006/relationships" xmlns:p="http://schemas.openxmlformats.org/presentationml/2006/main">
   <p:cSld>
     <p:spTree>
@@ -6008,7 +7499,7 @@
 </p:sld>
 </file>
 
-<file path=ppt/slides/slide19.xml><?xml version="1.0" encoding="utf-8"?>
+<file path=ppt/slides/slide27.xml><?xml version="1.0" encoding="utf-8"?>
 <p:sld xmlns:a="http://schemas.openxmlformats.org/drawingml/2006/main" xmlns:r="http://schemas.openxmlformats.org/officeDocument/2006/relationships" xmlns:p="http://schemas.openxmlformats.org/presentationml/2006/main">
   <p:cSld>
     <p:spTree>
@@ -6203,7 +7694,7 @@
 </p:sld>
 </file>
 
-<file path=ppt/slides/slide2.xml><?xml version="1.0" encoding="utf-8"?>
+<file path=ppt/slides/slide28.xml><?xml version="1.0" encoding="utf-8"?>
 <p:sld xmlns:a="http://schemas.openxmlformats.org/drawingml/2006/main" xmlns:r="http://schemas.openxmlformats.org/officeDocument/2006/relationships" xmlns:p="http://schemas.openxmlformats.org/presentationml/2006/main">
   <p:cSld>
     <p:spTree>
@@ -6222,177 +7713,6 @@
       </p:grpSpPr>
       <p:sp>
         <p:nvSpPr>
-          <p:cNvPr id="2" name="Title 1">
-            <a:extLst>
-              <a:ext uri="{FF2B5EF4-FFF2-40B4-BE49-F238E27FC236}">
-                <a16:creationId xmlns:a16="http://schemas.microsoft.com/office/drawing/2014/main" id="{6D80A9A5-3296-40DF-AB8B-E1B2FFA1A316}"/>
-              </a:ext>
-            </a:extLst>
-          </p:cNvPr>
-          <p:cNvSpPr>
-            <a:spLocks noGrp="1"/>
-          </p:cNvSpPr>
-          <p:nvPr>
-            <p:ph type="title"/>
-          </p:nvPr>
-        </p:nvSpPr>
-        <p:spPr>
-          <a:xfrm>
-            <a:off x="838200" y="365125"/>
-            <a:ext cx="10515600" cy="1325563"/>
-          </a:xfrm>
-        </p:spPr>
-        <p:txBody>
-          <a:bodyPr/>
-          <a:lstStyle/>
-          <a:p>
-            <a:r>
-              <a:rPr lang="nl-BE" dirty="0" err="1"/>
-              <a:t>Outliers</a:t>
-            </a:r>
-            <a:r>
-              <a:rPr lang="nl-BE" dirty="0"/>
-              <a:t>: </a:t>
-            </a:r>
-            <a:r>
-              <a:rPr lang="nl-BE"/>
-              <a:t>v0.02 update</a:t>
-            </a:r>
-            <a:endParaRPr lang="en-US" dirty="0"/>
-          </a:p>
-        </p:txBody>
-      </p:sp>
-      <p:sp>
-        <p:nvSpPr>
-          <p:cNvPr id="3" name="Content Placeholder 2">
-            <a:extLst>
-              <a:ext uri="{FF2B5EF4-FFF2-40B4-BE49-F238E27FC236}">
-                <a16:creationId xmlns:a16="http://schemas.microsoft.com/office/drawing/2014/main" id="{B684F9E5-F86E-4C22-A298-BAF6033EAD66}"/>
-              </a:ext>
-            </a:extLst>
-          </p:cNvPr>
-          <p:cNvSpPr>
-            <a:spLocks noGrp="1"/>
-          </p:cNvSpPr>
-          <p:nvPr>
-            <p:ph idx="1"/>
-          </p:nvPr>
-        </p:nvSpPr>
-        <p:spPr>
-          <a:xfrm>
-            <a:off x="838200" y="1825625"/>
-            <a:ext cx="10515600" cy="4351338"/>
-          </a:xfrm>
-        </p:spPr>
-        <p:txBody>
-          <a:bodyPr/>
-          <a:lstStyle/>
-          <a:p>
-            <a:r>
-              <a:rPr lang="en-US" dirty="0">
-                <a:hlinkClick r:id="rId3"/>
-              </a:rPr>
-              <a:t>Validation</a:t>
-            </a:r>
-            <a:endParaRPr lang="en-US" dirty="0"/>
-          </a:p>
-          <a:p>
-            <a:endParaRPr lang="en-US" dirty="0"/>
-          </a:p>
-        </p:txBody>
-      </p:sp>
-      <p:pic>
-        <p:nvPicPr>
-          <p:cNvPr id="4" name="Picture 3">
-            <a:extLst>
-              <a:ext uri="{FF2B5EF4-FFF2-40B4-BE49-F238E27FC236}">
-                <a16:creationId xmlns:a16="http://schemas.microsoft.com/office/drawing/2014/main" id="{96C7B94B-AD3E-4E53-8A09-B79A3EF4E2AA}"/>
-              </a:ext>
-            </a:extLst>
-          </p:cNvPr>
-          <p:cNvPicPr>
-            <a:picLocks noChangeAspect="1"/>
-          </p:cNvPicPr>
-          <p:nvPr/>
-        </p:nvPicPr>
-        <p:blipFill>
-          <a:blip r:embed="rId4"/>
-          <a:stretch>
-            <a:fillRect/>
-          </a:stretch>
-        </p:blipFill>
-        <p:spPr>
-          <a:xfrm>
-            <a:off x="6542022" y="2436948"/>
-            <a:ext cx="5040000" cy="4421052"/>
-          </a:xfrm>
-          <a:prstGeom prst="rect">
-            <a:avLst/>
-          </a:prstGeom>
-        </p:spPr>
-      </p:pic>
-      <p:pic>
-        <p:nvPicPr>
-          <p:cNvPr id="7" name="Picture 6">
-            <a:extLst>
-              <a:ext uri="{FF2B5EF4-FFF2-40B4-BE49-F238E27FC236}">
-                <a16:creationId xmlns:a16="http://schemas.microsoft.com/office/drawing/2014/main" id="{D5443115-89B2-43AE-8A8A-C41E2443C31F}"/>
-              </a:ext>
-            </a:extLst>
-          </p:cNvPr>
-          <p:cNvPicPr>
-            <a:picLocks noChangeAspect="1"/>
-          </p:cNvPicPr>
-          <p:nvPr/>
-        </p:nvPicPr>
-        <p:blipFill>
-          <a:blip r:embed="rId5"/>
-          <a:stretch>
-            <a:fillRect/>
-          </a:stretch>
-        </p:blipFill>
-        <p:spPr>
-          <a:xfrm>
-            <a:off x="1170111" y="2436948"/>
-            <a:ext cx="5040000" cy="4421052"/>
-          </a:xfrm>
-          <a:prstGeom prst="rect">
-            <a:avLst/>
-          </a:prstGeom>
-        </p:spPr>
-      </p:pic>
-    </p:spTree>
-    <p:extLst>
-      <p:ext uri="{BB962C8B-B14F-4D97-AF65-F5344CB8AC3E}">
-        <p14:creationId xmlns:p14="http://schemas.microsoft.com/office/powerpoint/2010/main" val="2196440616"/>
-      </p:ext>
-    </p:extLst>
-  </p:cSld>
-  <p:clrMapOvr>
-    <a:masterClrMapping/>
-  </p:clrMapOvr>
-</p:sld>
-</file>
-
-<file path=ppt/slides/slide20.xml><?xml version="1.0" encoding="utf-8"?>
-<p:sld xmlns:a="http://schemas.openxmlformats.org/drawingml/2006/main" xmlns:r="http://schemas.openxmlformats.org/officeDocument/2006/relationships" xmlns:p="http://schemas.openxmlformats.org/presentationml/2006/main">
-  <p:cSld>
-    <p:spTree>
-      <p:nvGrpSpPr>
-        <p:cNvPr id="1" name=""/>
-        <p:cNvGrpSpPr/>
-        <p:nvPr/>
-      </p:nvGrpSpPr>
-      <p:grpSpPr>
-        <a:xfrm>
-          <a:off x="0" y="0"/>
-          <a:ext cx="0" cy="0"/>
-          <a:chOff x="0" y="0"/>
-          <a:chExt cx="0" cy="0"/>
-        </a:xfrm>
-      </p:grpSpPr>
-      <p:sp>
-        <p:nvSpPr>
           <p:cNvPr id="4" name="Title 3">
             <a:extLst>
               <a:ext uri="{FF2B5EF4-FFF2-40B4-BE49-F238E27FC236}">
@@ -6465,7 +7785,7 @@
 </p:sld>
 </file>
 
-<file path=ppt/slides/slide21.xml><?xml version="1.0" encoding="utf-8"?>
+<file path=ppt/slides/slide29.xml><?xml version="1.0" encoding="utf-8"?>
 <p:sld xmlns:a="http://schemas.openxmlformats.org/drawingml/2006/main" xmlns:r="http://schemas.openxmlformats.org/officeDocument/2006/relationships" xmlns:p="http://schemas.openxmlformats.org/presentationml/2006/main">
   <p:cSld>
     <p:spTree>
@@ -6615,7 +7935,136 @@
 </p:sld>
 </file>
 
-<file path=ppt/slides/slide22.xml><?xml version="1.0" encoding="utf-8"?>
+<file path=ppt/slides/slide3.xml><?xml version="1.0" encoding="utf-8"?>
+<p:sld xmlns:a="http://schemas.openxmlformats.org/drawingml/2006/main" xmlns:r="http://schemas.openxmlformats.org/officeDocument/2006/relationships" xmlns:p="http://schemas.openxmlformats.org/presentationml/2006/main">
+  <p:cSld>
+    <p:spTree>
+      <p:nvGrpSpPr>
+        <p:cNvPr id="1" name=""/>
+        <p:cNvGrpSpPr/>
+        <p:nvPr/>
+      </p:nvGrpSpPr>
+      <p:grpSpPr>
+        <a:xfrm>
+          <a:off x="0" y="0"/>
+          <a:ext cx="0" cy="0"/>
+          <a:chOff x="0" y="0"/>
+          <a:chExt cx="0" cy="0"/>
+        </a:xfrm>
+      </p:grpSpPr>
+      <p:sp>
+        <p:nvSpPr>
+          <p:cNvPr id="2" name="Title 1">
+            <a:extLst>
+              <a:ext uri="{FF2B5EF4-FFF2-40B4-BE49-F238E27FC236}">
+                <a16:creationId xmlns:a16="http://schemas.microsoft.com/office/drawing/2014/main" id="{BF32B8D5-6321-4FF2-BB04-E15F86F354C3}"/>
+              </a:ext>
+            </a:extLst>
+          </p:cNvPr>
+          <p:cNvSpPr>
+            <a:spLocks noGrp="1"/>
+          </p:cNvSpPr>
+          <p:nvPr>
+            <p:ph type="title"/>
+          </p:nvPr>
+        </p:nvSpPr>
+        <p:spPr/>
+        <p:txBody>
+          <a:bodyPr/>
+          <a:lstStyle/>
+          <a:p>
+            <a:r>
+              <a:rPr lang="en-US" dirty="0"/>
+              <a:t>DRME_DMST_CDE</a:t>
+            </a:r>
+          </a:p>
+        </p:txBody>
+      </p:sp>
+      <p:sp>
+        <p:nvSpPr>
+          <p:cNvPr id="3" name="Content Placeholder 2">
+            <a:extLst>
+              <a:ext uri="{FF2B5EF4-FFF2-40B4-BE49-F238E27FC236}">
+                <a16:creationId xmlns:a16="http://schemas.microsoft.com/office/drawing/2014/main" id="{6A8D3311-53E4-46C3-BDCE-E1540E0E5A7A}"/>
+              </a:ext>
+            </a:extLst>
+          </p:cNvPr>
+          <p:cNvSpPr>
+            <a:spLocks noGrp="1"/>
+          </p:cNvSpPr>
+          <p:nvPr>
+            <p:ph idx="1"/>
+          </p:nvPr>
+        </p:nvSpPr>
+        <p:spPr/>
+        <p:txBody>
+          <a:bodyPr/>
+          <a:lstStyle/>
+          <a:p>
+            <a:pPr marL="0" indent="0">
+              <a:buNone/>
+            </a:pPr>
+            <a:r>
+              <a:rPr lang="en-US" dirty="0">
+                <a:latin typeface="Consolas" panose="020B0609020204030204" pitchFamily="49" charset="0"/>
+              </a:rPr>
+              <a:t>On all *.csv-data:</a:t>
+            </a:r>
+          </a:p>
+          <a:p>
+            <a:pPr marL="0" indent="0">
+              <a:buNone/>
+            </a:pPr>
+            <a:r>
+              <a:rPr lang="en-US" dirty="0">
+                <a:latin typeface="Consolas" panose="020B0609020204030204" pitchFamily="49" charset="0"/>
+              </a:rPr>
+              <a:t>   DEL    ENT    INV    VLD   &lt;NA&gt; </a:t>
+            </a:r>
+          </a:p>
+          <a:p>
+            <a:pPr marL="0" indent="0">
+              <a:buNone/>
+            </a:pPr>
+            <a:r>
+              <a:rPr lang="en-US" dirty="0">
+                <a:latin typeface="Consolas" panose="020B0609020204030204" pitchFamily="49" charset="0"/>
+              </a:rPr>
+              <a:t>   462 556271   4697     16      0</a:t>
+            </a:r>
+          </a:p>
+          <a:p>
+            <a:pPr marL="0" indent="0">
+              <a:buNone/>
+            </a:pPr>
+            <a:endParaRPr lang="en-US">
+              <a:latin typeface="Consolas" panose="020B0609020204030204" pitchFamily="49" charset="0"/>
+            </a:endParaRPr>
+          </a:p>
+          <a:p>
+            <a:pPr marL="0" indent="0">
+              <a:buNone/>
+            </a:pPr>
+            <a:endParaRPr lang="en-US" dirty="0">
+              <a:latin typeface="Consolas" panose="020B0609020204030204" pitchFamily="49" charset="0"/>
+            </a:endParaRPr>
+          </a:p>
+        </p:txBody>
+      </p:sp>
+    </p:spTree>
+    <p:extLst>
+      <p:ext uri="{BB962C8B-B14F-4D97-AF65-F5344CB8AC3E}">
+        <p14:creationId xmlns:p14="http://schemas.microsoft.com/office/powerpoint/2010/main" val="1614699289"/>
+      </p:ext>
+    </p:extLst>
+  </p:cSld>
+  <p:clrMapOvr>
+    <a:masterClrMapping/>
+  </p:clrMapOvr>
+</p:sld>
+</file>
+
+<file path=ppt/slides/slide30.xml><?xml version="1.0" encoding="utf-8"?>
 <p:sld xmlns:a="http://schemas.openxmlformats.org/drawingml/2006/main" xmlns:r="http://schemas.openxmlformats.org/officeDocument/2006/relationships" xmlns:p="http://schemas.openxmlformats.org/presentationml/2006/main">
   <p:cSld>
     <p:spTree>
@@ -6954,7 +8403,7 @@
 </p:sld>
 </file>
 
-<file path=ppt/slides/slide23.xml><?xml version="1.0" encoding="utf-8"?>
+<file path=ppt/slides/slide31.xml><?xml version="1.0" encoding="utf-8"?>
 <p:sld xmlns:a="http://schemas.openxmlformats.org/drawingml/2006/main" xmlns:r="http://schemas.openxmlformats.org/officeDocument/2006/relationships" xmlns:p="http://schemas.openxmlformats.org/presentationml/2006/main">
   <p:cSld>
     <p:spTree>
@@ -7087,7 +8536,7 @@
 </p:sld>
 </file>
 
-<file path=ppt/slides/slide24.xml><?xml version="1.0" encoding="utf-8"?>
+<file path=ppt/slides/slide32.xml><?xml version="1.0" encoding="utf-8"?>
 <p:sld xmlns:a="http://schemas.openxmlformats.org/drawingml/2006/main" xmlns:r="http://schemas.openxmlformats.org/officeDocument/2006/relationships" xmlns:p="http://schemas.openxmlformats.org/presentationml/2006/main">
   <p:cSld>
     <p:spTree>
@@ -7171,7 +8620,7 @@
 </p:sld>
 </file>
 
-<file path=ppt/slides/slide25.xml><?xml version="1.0" encoding="utf-8"?>
+<file path=ppt/slides/slide33.xml><?xml version="1.0" encoding="utf-8"?>
 <p:sld xmlns:a="http://schemas.openxmlformats.org/drawingml/2006/main" xmlns:r="http://schemas.openxmlformats.org/officeDocument/2006/relationships" xmlns:p="http://schemas.openxmlformats.org/presentationml/2006/main">
   <p:cSld>
     <p:spTree>
@@ -7281,7 +8730,7 @@
 </p:sld>
 </file>
 
-<file path=ppt/slides/slide26.xml><?xml version="1.0" encoding="utf-8"?>
+<file path=ppt/slides/slide34.xml><?xml version="1.0" encoding="utf-8"?>
 <p:sld xmlns:a="http://schemas.openxmlformats.org/drawingml/2006/main" xmlns:r="http://schemas.openxmlformats.org/officeDocument/2006/relationships" xmlns:p="http://schemas.openxmlformats.org/presentationml/2006/main">
   <p:cSld>
     <p:spTree>
@@ -7356,93 +8805,6 @@
     <p:extLst>
       <p:ext uri="{BB962C8B-B14F-4D97-AF65-F5344CB8AC3E}">
         <p14:creationId xmlns:p14="http://schemas.microsoft.com/office/powerpoint/2010/main" val="3183256691"/>
-      </p:ext>
-    </p:extLst>
-  </p:cSld>
-  <p:clrMapOvr>
-    <a:masterClrMapping/>
-  </p:clrMapOvr>
-</p:sld>
-</file>
-
-<file path=ppt/slides/slide3.xml><?xml version="1.0" encoding="utf-8"?>
-<p:sld xmlns:a="http://schemas.openxmlformats.org/drawingml/2006/main" xmlns:r="http://schemas.openxmlformats.org/officeDocument/2006/relationships" xmlns:p="http://schemas.openxmlformats.org/presentationml/2006/main">
-  <p:cSld>
-    <p:spTree>
-      <p:nvGrpSpPr>
-        <p:cNvPr id="1" name=""/>
-        <p:cNvGrpSpPr/>
-        <p:nvPr/>
-      </p:nvGrpSpPr>
-      <p:grpSpPr>
-        <a:xfrm>
-          <a:off x="0" y="0"/>
-          <a:ext cx="0" cy="0"/>
-          <a:chOff x="0" y="0"/>
-          <a:chExt cx="0" cy="0"/>
-        </a:xfrm>
-      </p:grpSpPr>
-      <p:sp>
-        <p:nvSpPr>
-          <p:cNvPr id="2" name="Title 1">
-            <a:extLst>
-              <a:ext uri="{FF2B5EF4-FFF2-40B4-BE49-F238E27FC236}">
-                <a16:creationId xmlns:a16="http://schemas.microsoft.com/office/drawing/2014/main" id="{C381B617-432B-4260-807D-A33327190D4A}"/>
-              </a:ext>
-            </a:extLst>
-          </p:cNvPr>
-          <p:cNvSpPr>
-            <a:spLocks noGrp="1"/>
-          </p:cNvSpPr>
-          <p:nvPr>
-            <p:ph type="ctrTitle"/>
-          </p:nvPr>
-        </p:nvSpPr>
-        <p:spPr/>
-        <p:txBody>
-          <a:bodyPr/>
-          <a:lstStyle/>
-          <a:p>
-            <a:r>
-              <a:rPr lang="nl-BE" dirty="0"/>
-              <a:t>Sprint 1</a:t>
-            </a:r>
-          </a:p>
-        </p:txBody>
-      </p:sp>
-      <p:sp>
-        <p:nvSpPr>
-          <p:cNvPr id="3" name="Subtitle 2">
-            <a:extLst>
-              <a:ext uri="{FF2B5EF4-FFF2-40B4-BE49-F238E27FC236}">
-                <a16:creationId xmlns:a16="http://schemas.microsoft.com/office/drawing/2014/main" id="{16F05D79-76DB-438C-88CF-3FFFDCCE47AA}"/>
-              </a:ext>
-            </a:extLst>
-          </p:cNvPr>
-          <p:cNvSpPr>
-            <a:spLocks noGrp="1"/>
-          </p:cNvSpPr>
-          <p:nvPr>
-            <p:ph type="subTitle" idx="1"/>
-          </p:nvPr>
-        </p:nvSpPr>
-        <p:spPr/>
-        <p:txBody>
-          <a:bodyPr/>
-          <a:lstStyle/>
-          <a:p>
-            <a:r>
-              <a:rPr lang="nl-BE" dirty="0" err="1"/>
-              <a:t>Outliers</a:t>
-            </a:r>
-            <a:endParaRPr lang="nl-BE" dirty="0"/>
-          </a:p>
-        </p:txBody>
-      </p:sp>
-    </p:spTree>
-    <p:extLst>
-      <p:ext uri="{BB962C8B-B14F-4D97-AF65-F5344CB8AC3E}">
-        <p14:creationId xmlns:p14="http://schemas.microsoft.com/office/powerpoint/2010/main" val="2423986036"/>
       </p:ext>
     </p:extLst>
   </p:cSld>
@@ -7474,7 +8836,7 @@
           <p:cNvPr id="2" name="Title 1">
             <a:extLst>
               <a:ext uri="{FF2B5EF4-FFF2-40B4-BE49-F238E27FC236}">
-                <a16:creationId xmlns:a16="http://schemas.microsoft.com/office/drawing/2014/main" id="{2AAF558A-3957-4364-84E1-918EECE4497A}"/>
+                <a16:creationId xmlns:a16="http://schemas.microsoft.com/office/drawing/2014/main" id="{BF32B8D5-6321-4FF2-BB04-E15F86F354C3}"/>
               </a:ext>
             </a:extLst>
           </p:cNvPr>
@@ -7491,10 +8853,9 @@
           <a:lstStyle/>
           <a:p>
             <a:r>
-              <a:rPr lang="nl-BE" dirty="0" err="1"/>
-              <a:t>Outliers</a:t>
-            </a:r>
-            <a:endParaRPr lang="nl-BE" dirty="0"/>
+              <a:rPr lang="en-US" dirty="0"/>
+              <a:t>DRME_DMST_CDE: VLD and DEL</a:t>
+            </a:r>
           </a:p>
         </p:txBody>
       </p:sp>
@@ -7503,7 +8864,7 @@
           <p:cNvPr id="3" name="Content Placeholder 2">
             <a:extLst>
               <a:ext uri="{FF2B5EF4-FFF2-40B4-BE49-F238E27FC236}">
-                <a16:creationId xmlns:a16="http://schemas.microsoft.com/office/drawing/2014/main" id="{44A5BE66-60D5-41E6-A546-A130CC12D40D}"/>
+                <a16:creationId xmlns:a16="http://schemas.microsoft.com/office/drawing/2014/main" id="{6A8D3311-53E4-46C3-BDCE-E1540E0E5A7A}"/>
               </a:ext>
             </a:extLst>
           </p:cNvPr>
@@ -7516,70 +8877,214 @@
         </p:nvSpPr>
         <p:spPr/>
         <p:txBody>
-          <a:bodyPr/>
-          <a:lstStyle/>
-          <a:p>
-            <a:r>
-              <a:rPr lang="en-US" dirty="0"/>
-              <a:t>v0.01: </a:t>
-            </a:r>
-            <a:r>
-              <a:rPr lang="en-US" i="1" dirty="0" err="1"/>
-              <a:t>detect_outliers</a:t>
-            </a:r>
-            <a:r>
-              <a:rPr lang="en-US" i="1" dirty="0"/>
-              <a:t>(data)</a:t>
-            </a:r>
-          </a:p>
-          <a:p>
-            <a:pPr lvl="1"/>
-            <a:r>
-              <a:rPr lang="en-US" i="1" dirty="0"/>
-              <a:t>Uses </a:t>
-            </a:r>
-            <a:r>
-              <a:rPr lang="en-US" b="1" i="1" dirty="0"/>
-              <a:t>only</a:t>
-            </a:r>
-            <a:r>
-              <a:rPr lang="en-US" i="1" dirty="0"/>
-              <a:t> the supplied dataset</a:t>
-            </a:r>
-          </a:p>
-          <a:p>
-            <a:r>
-              <a:rPr lang="en-US" dirty="0"/>
-              <a:t>v0.02: </a:t>
-            </a:r>
-            <a:r>
-              <a:rPr lang="en-US" i="1" dirty="0" err="1"/>
-              <a:t>detect_outliers</a:t>
-            </a:r>
-            <a:r>
-              <a:rPr lang="en-US" i="1" dirty="0"/>
-              <a:t>(data, type = c(“air pressure”, “air temperature”), units)</a:t>
-            </a:r>
-          </a:p>
-          <a:p>
-            <a:pPr lvl="1"/>
-            <a:r>
-              <a:rPr lang="en-US" dirty="0"/>
-              <a:t>Uses simple </a:t>
-            </a:r>
-            <a:r>
-              <a:rPr lang="en-US" b="1" dirty="0"/>
-              <a:t>a-priori</a:t>
-            </a:r>
-            <a:r>
-              <a:rPr lang="en-US" dirty="0"/>
-              <a:t> knowledge about air pressure, temperature, etc.</a:t>
-            </a:r>
-          </a:p>
-          <a:p>
-            <a:r>
-              <a:rPr lang="en-US" dirty="0"/>
-              <a:t>v0.03: …</a:t>
+          <a:bodyPr>
+            <a:normAutofit fontScale="40000" lnSpcReduction="20000"/>
+          </a:bodyPr>
+          <a:lstStyle/>
+          <a:p>
+            <a:pPr marL="0" indent="0">
+              <a:buNone/>
+            </a:pPr>
+            <a:r>
+              <a:rPr lang="en-US" dirty="0">
+                <a:latin typeface="Consolas" panose="020B0609020204030204" pitchFamily="49" charset="0"/>
+              </a:rPr>
+              <a:t>PPNT_ID PPNT_CDE DRSO_ID DRSO_SER_NBR DRME_ID    DRME_OCR_UTC_DTE DRME_DRU DRME_TPU DRME_DMTP_CDE DRME_DMST_CDE SEQUENCE</a:t>
+            </a:r>
+          </a:p>
+          <a:p>
+            <a:pPr marL="0" indent="0">
+              <a:buNone/>
+            </a:pPr>
+            <a:r>
+              <a:rPr lang="en-US" dirty="0">
+                <a:solidFill>
+                  <a:srgbClr val="00B050"/>
+                </a:solidFill>
+                <a:latin typeface="Consolas" panose="020B0609020204030204" pitchFamily="49" charset="0"/>
+              </a:rPr>
+              <a:t> 1:    7019 BAOL001X     275        D0939  238389 2010-11-11 10:00:00 1018.100       NA          LDME           VLD     1093</a:t>
+            </a:r>
+          </a:p>
+          <a:p>
+            <a:pPr marL="0" indent="0">
+              <a:buNone/>
+            </a:pPr>
+            <a:r>
+              <a:rPr lang="en-US" dirty="0">
+                <a:latin typeface="Consolas" panose="020B0609020204030204" pitchFamily="49" charset="0"/>
+              </a:rPr>
+              <a:t> 2:    7019 BAOL001X     275        D0939 1824560 2010-11-11 10:00:00 1018.075    6.033          LDME           ENT     1130</a:t>
+            </a:r>
+          </a:p>
+          <a:p>
+            <a:pPr marL="0" indent="0">
+              <a:buNone/>
+            </a:pPr>
+            <a:r>
+              <a:rPr lang="en-US" dirty="0">
+                <a:solidFill>
+                  <a:srgbClr val="00B050"/>
+                </a:solidFill>
+                <a:latin typeface="Consolas" panose="020B0609020204030204" pitchFamily="49" charset="0"/>
+              </a:rPr>
+              <a:t> 3:    7019 BAOL001X     275        D0939  238390 2010-11-11 22:00:00 1007.300       NA          LDME           VLD     1094</a:t>
+            </a:r>
+          </a:p>
+          <a:p>
+            <a:pPr marL="0" indent="0">
+              <a:buNone/>
+            </a:pPr>
+            <a:r>
+              <a:rPr lang="en-US" dirty="0">
+                <a:latin typeface="Consolas" panose="020B0609020204030204" pitchFamily="49" charset="0"/>
+              </a:rPr>
+              <a:t> 4:    7019 BAOL001X     275        D0939 1824561 2010-11-11 22:00:00 1007.275    8.163          LDME           ENT     1131</a:t>
+            </a:r>
+          </a:p>
+          <a:p>
+            <a:pPr marL="0" indent="0">
+              <a:buNone/>
+            </a:pPr>
+            <a:r>
+              <a:rPr lang="en-US" dirty="0">
+                <a:latin typeface="Consolas" panose="020B0609020204030204" pitchFamily="49" charset="0"/>
+              </a:rPr>
+              <a:t> </a:t>
+            </a:r>
+            <a:r>
+              <a:rPr lang="en-US" dirty="0">
+                <a:solidFill>
+                  <a:srgbClr val="00B050"/>
+                </a:solidFill>
+                <a:latin typeface="Consolas" panose="020B0609020204030204" pitchFamily="49" charset="0"/>
+              </a:rPr>
+              <a:t>5:    7019 BAOL001X     275        D0939  238391 2010-11-12 10:00:00 1015.400       NA          LDME           VLD     1095</a:t>
+            </a:r>
+          </a:p>
+          <a:p>
+            <a:pPr marL="0" indent="0">
+              <a:buNone/>
+            </a:pPr>
+            <a:r>
+              <a:rPr lang="en-US" dirty="0">
+                <a:latin typeface="Consolas" panose="020B0609020204030204" pitchFamily="49" charset="0"/>
+              </a:rPr>
+              <a:t> 6:    7019 BAOL001X     275        D0939 1824562 2010-11-12 10:00:00 1015.375   11.213          LDME           ENT     1132</a:t>
+            </a:r>
+          </a:p>
+          <a:p>
+            <a:pPr marL="0" indent="0">
+              <a:buNone/>
+            </a:pPr>
+            <a:r>
+              <a:rPr lang="en-US" dirty="0">
+                <a:solidFill>
+                  <a:srgbClr val="00B050"/>
+                </a:solidFill>
+                <a:latin typeface="Consolas" panose="020B0609020204030204" pitchFamily="49" charset="0"/>
+              </a:rPr>
+              <a:t> 7:    7019 BAOL001X     275        D0939  238392 2010-11-12 22:00:00 1012.900       NA          LDME           VLD     1096</a:t>
+            </a:r>
+          </a:p>
+          <a:p>
+            <a:pPr marL="0" indent="0">
+              <a:buNone/>
+            </a:pPr>
+            <a:r>
+              <a:rPr lang="en-US" dirty="0">
+                <a:latin typeface="Consolas" panose="020B0609020204030204" pitchFamily="49" charset="0"/>
+              </a:rPr>
+              <a:t> 8:    7019 BAOL001X     275        D0939 1824563 2010-11-12 22:00:00 1012.850   12.457          LDME           ENT     1133</a:t>
+            </a:r>
+          </a:p>
+          <a:p>
+            <a:pPr marL="0" indent="0">
+              <a:buNone/>
+            </a:pPr>
+            <a:r>
+              <a:rPr lang="en-US" dirty="0">
+                <a:solidFill>
+                  <a:srgbClr val="00B050"/>
+                </a:solidFill>
+                <a:latin typeface="Consolas" panose="020B0609020204030204" pitchFamily="49" charset="0"/>
+              </a:rPr>
+              <a:t> 9:    7019 BAOL001X     275        D0939  238393 2010-11-13 10:00:00 1014.600       NA          LDME           VLD     1097</a:t>
+            </a:r>
+          </a:p>
+          <a:p>
+            <a:pPr marL="0" indent="0">
+              <a:buNone/>
+            </a:pPr>
+            <a:r>
+              <a:rPr lang="en-US" dirty="0">
+                <a:latin typeface="Consolas" panose="020B0609020204030204" pitchFamily="49" charset="0"/>
+              </a:rPr>
+              <a:t>10:    7019 BAOL001X     275        D0939 1824564 2010-11-13 10:00:00 1014.600   10.810          LDME           ENT     1134</a:t>
+            </a:r>
+          </a:p>
+          <a:p>
+            <a:pPr marL="0" indent="0">
+              <a:buNone/>
+            </a:pPr>
+            <a:r>
+              <a:rPr lang="en-US" dirty="0">
+                <a:solidFill>
+                  <a:srgbClr val="00B050"/>
+                </a:solidFill>
+                <a:latin typeface="Consolas" panose="020B0609020204030204" pitchFamily="49" charset="0"/>
+              </a:rPr>
+              <a:t>11:    7019 BAOL001X     275        D0939  238394 2010-11-13 22:00:00 1012.700       NA          LDME           VLD     1098</a:t>
+            </a:r>
+          </a:p>
+          <a:p>
+            <a:pPr marL="0" indent="0">
+              <a:buNone/>
+            </a:pPr>
+            <a:r>
+              <a:rPr lang="en-US" dirty="0">
+                <a:latin typeface="Consolas" panose="020B0609020204030204" pitchFamily="49" charset="0"/>
+              </a:rPr>
+              <a:t>12:    7019 BAOL001X     275        D0939 1824565 2010-11-13 22:00:00 1012.675   10.953          LDME           ENT     1135</a:t>
+            </a:r>
+          </a:p>
+        </p:txBody>
+      </p:sp>
+      <p:sp>
+        <p:nvSpPr>
+          <p:cNvPr id="6" name="TextBox 5">
+            <a:extLst>
+              <a:ext uri="{FF2B5EF4-FFF2-40B4-BE49-F238E27FC236}">
+                <a16:creationId xmlns:a16="http://schemas.microsoft.com/office/drawing/2014/main" id="{CA749898-C072-4888-8E4B-B96D46E4415C}"/>
+              </a:ext>
+            </a:extLst>
+          </p:cNvPr>
+          <p:cNvSpPr txBox="1"/>
+          <p:nvPr/>
+        </p:nvSpPr>
+        <p:spPr>
+          <a:xfrm>
+            <a:off x="3820274" y="5653743"/>
+            <a:ext cx="4551452" cy="523220"/>
+          </a:xfrm>
+          <a:prstGeom prst="rect">
+            <a:avLst/>
+          </a:prstGeom>
+          <a:noFill/>
+        </p:spPr>
+        <p:txBody>
+          <a:bodyPr wrap="square" rtlCol="0">
+            <a:spAutoFit/>
+          </a:bodyPr>
+          <a:lstStyle/>
+          <a:p>
+            <a:r>
+              <a:rPr lang="en-US" sz="2800" b="1" dirty="0"/>
+              <a:t>Duplicates</a:t>
+            </a:r>
+            <a:r>
+              <a:rPr lang="en-US" sz="2800" dirty="0"/>
+              <a:t>: Detect those too?</a:t>
             </a:r>
           </a:p>
         </p:txBody>
@@ -7587,7 +9092,7 @@
     </p:spTree>
     <p:extLst>
       <p:ext uri="{BB962C8B-B14F-4D97-AF65-F5344CB8AC3E}">
-        <p14:creationId xmlns:p14="http://schemas.microsoft.com/office/powerpoint/2010/main" val="1695507499"/>
+        <p14:creationId xmlns:p14="http://schemas.microsoft.com/office/powerpoint/2010/main" val="439074831"/>
       </p:ext>
     </p:extLst>
   </p:cSld>
@@ -7616,10 +9121,10 @@
       </p:grpSpPr>
       <p:sp>
         <p:nvSpPr>
-          <p:cNvPr id="4" name="Title 3">
-            <a:extLst>
-              <a:ext uri="{FF2B5EF4-FFF2-40B4-BE49-F238E27FC236}">
-                <a16:creationId xmlns:a16="http://schemas.microsoft.com/office/drawing/2014/main" id="{0ABA15CC-0341-43E7-90FB-0A22D5CFC77D}"/>
+          <p:cNvPr id="2" name="Title 1">
+            <a:extLst>
+              <a:ext uri="{FF2B5EF4-FFF2-40B4-BE49-F238E27FC236}">
+                <a16:creationId xmlns:a16="http://schemas.microsoft.com/office/drawing/2014/main" id="{C2620DD5-6B1A-43CB-B791-4668932E4201}"/>
               </a:ext>
             </a:extLst>
           </p:cNvPr>
@@ -7636,57 +9141,77 @@
           <a:lstStyle/>
           <a:p>
             <a:r>
-              <a:rPr lang="nl-BE" dirty="0" err="1"/>
-              <a:t>Outliers</a:t>
-            </a:r>
-            <a:r>
-              <a:rPr lang="nl-BE" dirty="0"/>
-              <a:t>: v0.01</a:t>
+              <a:rPr lang="en-US" dirty="0"/>
+              <a:t>DRME_DMST_CDE: INV</a:t>
+            </a:r>
+          </a:p>
+        </p:txBody>
+      </p:sp>
+      <p:sp>
+        <p:nvSpPr>
+          <p:cNvPr id="3" name="Content Placeholder 2">
+            <a:extLst>
+              <a:ext uri="{FF2B5EF4-FFF2-40B4-BE49-F238E27FC236}">
+                <a16:creationId xmlns:a16="http://schemas.microsoft.com/office/drawing/2014/main" id="{1768A2A3-456C-45BB-8086-83120EDCF5B1}"/>
+              </a:ext>
+            </a:extLst>
+          </p:cNvPr>
+          <p:cNvSpPr>
+            <a:spLocks noGrp="1"/>
+          </p:cNvSpPr>
+          <p:nvPr>
+            <p:ph idx="1"/>
+          </p:nvPr>
+        </p:nvSpPr>
+        <p:spPr/>
+        <p:txBody>
+          <a:bodyPr/>
+          <a:lstStyle/>
+          <a:p>
+            <a:r>
+              <a:rPr lang="en-US" dirty="0">
+                <a:hlinkClick r:id="rId2"/>
+              </a:rPr>
+              <a:t>Validation</a:t>
             </a:r>
             <a:endParaRPr lang="en-US" dirty="0"/>
           </a:p>
         </p:txBody>
       </p:sp>
-      <p:sp>
-        <p:nvSpPr>
-          <p:cNvPr id="5" name="Text Placeholder 4">
-            <a:extLst>
-              <a:ext uri="{FF2B5EF4-FFF2-40B4-BE49-F238E27FC236}">
-                <a16:creationId xmlns:a16="http://schemas.microsoft.com/office/drawing/2014/main" id="{CA528F7E-FCA6-4235-B85D-808106A53E05}"/>
-              </a:ext>
-            </a:extLst>
-          </p:cNvPr>
-          <p:cNvSpPr>
-            <a:spLocks noGrp="1"/>
-          </p:cNvSpPr>
-          <p:nvPr>
-            <p:ph type="body" idx="1"/>
-          </p:nvPr>
-        </p:nvSpPr>
-        <p:spPr/>
-        <p:txBody>
-          <a:bodyPr/>
-          <a:lstStyle/>
-          <a:p>
-            <a:r>
-              <a:rPr lang="en-US" dirty="0"/>
-              <a:t>Uses </a:t>
-            </a:r>
-            <a:r>
-              <a:rPr lang="en-US" b="1" dirty="0"/>
-              <a:t>only</a:t>
-            </a:r>
-            <a:r>
-              <a:rPr lang="en-US" dirty="0"/>
-              <a:t> the supplied dataset</a:t>
-            </a:r>
-          </a:p>
-        </p:txBody>
-      </p:sp>
+      <p:pic>
+        <p:nvPicPr>
+          <p:cNvPr id="5" name="Picture 4">
+            <a:extLst>
+              <a:ext uri="{FF2B5EF4-FFF2-40B4-BE49-F238E27FC236}">
+                <a16:creationId xmlns:a16="http://schemas.microsoft.com/office/drawing/2014/main" id="{45BDE678-CD8D-4221-9984-A7CDD0595697}"/>
+              </a:ext>
+            </a:extLst>
+          </p:cNvPr>
+          <p:cNvPicPr>
+            <a:picLocks noChangeAspect="1"/>
+          </p:cNvPicPr>
+          <p:nvPr/>
+        </p:nvPicPr>
+        <p:blipFill>
+          <a:blip r:embed="rId3"/>
+          <a:stretch>
+            <a:fillRect/>
+          </a:stretch>
+        </p:blipFill>
+        <p:spPr>
+          <a:xfrm>
+            <a:off x="2121392" y="2532875"/>
+            <a:ext cx="7949215" cy="3960000"/>
+          </a:xfrm>
+          <a:prstGeom prst="rect">
+            <a:avLst/>
+          </a:prstGeom>
+        </p:spPr>
+      </p:pic>
     </p:spTree>
     <p:extLst>
       <p:ext uri="{BB962C8B-B14F-4D97-AF65-F5344CB8AC3E}">
-        <p14:creationId xmlns:p14="http://schemas.microsoft.com/office/powerpoint/2010/main" val="3593480944"/>
+        <p14:creationId xmlns:p14="http://schemas.microsoft.com/office/powerpoint/2010/main" val="2290886698"/>
       </p:ext>
     </p:extLst>
   </p:cSld>
@@ -7718,7 +9243,7 @@
           <p:cNvPr id="2" name="Title 1">
             <a:extLst>
               <a:ext uri="{FF2B5EF4-FFF2-40B4-BE49-F238E27FC236}">
-                <a16:creationId xmlns:a16="http://schemas.microsoft.com/office/drawing/2014/main" id="{6D80A9A5-3296-40DF-AB8B-E1B2FFA1A316}"/>
+                <a16:creationId xmlns:a16="http://schemas.microsoft.com/office/drawing/2014/main" id="{C2620DD5-6B1A-43CB-B791-4668932E4201}"/>
               </a:ext>
             </a:extLst>
           </p:cNvPr>
@@ -7735,14 +9260,9 @@
           <a:lstStyle/>
           <a:p>
             <a:r>
-              <a:rPr lang="nl-BE" dirty="0" err="1"/>
-              <a:t>Outliers</a:t>
-            </a:r>
-            <a:r>
-              <a:rPr lang="nl-BE" dirty="0"/>
-              <a:t>: v0.01</a:t>
-            </a:r>
-            <a:endParaRPr lang="en-US" dirty="0"/>
+              <a:rPr lang="en-US" dirty="0"/>
+              <a:t>DRME_DMST_CDE: INV</a:t>
+            </a:r>
           </a:p>
         </p:txBody>
       </p:sp>
@@ -7751,7 +9271,7 @@
           <p:cNvPr id="3" name="Content Placeholder 2">
             <a:extLst>
               <a:ext uri="{FF2B5EF4-FFF2-40B4-BE49-F238E27FC236}">
-                <a16:creationId xmlns:a16="http://schemas.microsoft.com/office/drawing/2014/main" id="{B684F9E5-F86E-4C22-A298-BAF6033EAD66}"/>
+                <a16:creationId xmlns:a16="http://schemas.microsoft.com/office/drawing/2014/main" id="{1768A2A3-456C-45BB-8086-83120EDCF5B1}"/>
               </a:ext>
             </a:extLst>
           </p:cNvPr>
@@ -7775,17 +9295,14 @@
             </a:r>
             <a:endParaRPr lang="en-US" dirty="0"/>
           </a:p>
-          <a:p>
-            <a:endParaRPr lang="en-US" dirty="0"/>
-          </a:p>
         </p:txBody>
       </p:sp>
       <p:pic>
         <p:nvPicPr>
-          <p:cNvPr id="5" name="Picture 4">
-            <a:extLst>
-              <a:ext uri="{FF2B5EF4-FFF2-40B4-BE49-F238E27FC236}">
-                <a16:creationId xmlns:a16="http://schemas.microsoft.com/office/drawing/2014/main" id="{1D8D4687-C393-4FC0-9DE9-5F8F4AC03802}"/>
+          <p:cNvPr id="4" name="Picture 3">
+            <a:extLst>
+              <a:ext uri="{FF2B5EF4-FFF2-40B4-BE49-F238E27FC236}">
+                <a16:creationId xmlns:a16="http://schemas.microsoft.com/office/drawing/2014/main" id="{45F952DC-5E1A-429F-8A5C-53CA47036673}"/>
               </a:ext>
             </a:extLst>
           </p:cNvPr>
@@ -7802,8 +9319,8 @@
         </p:blipFill>
         <p:spPr>
           <a:xfrm>
-            <a:off x="2136000" y="2531485"/>
-            <a:ext cx="7920000" cy="3961390"/>
+            <a:off x="2121392" y="2532875"/>
+            <a:ext cx="7949215" cy="3960000"/>
           </a:xfrm>
           <a:prstGeom prst="rect">
             <a:avLst/>
@@ -7813,7 +9330,7 @@
     </p:spTree>
     <p:extLst>
       <p:ext uri="{BB962C8B-B14F-4D97-AF65-F5344CB8AC3E}">
-        <p14:creationId xmlns:p14="http://schemas.microsoft.com/office/powerpoint/2010/main" val="2021103084"/>
+        <p14:creationId xmlns:p14="http://schemas.microsoft.com/office/powerpoint/2010/main" val="1174848252"/>
       </p:ext>
     </p:extLst>
   </p:cSld>
@@ -7845,7 +9362,7 @@
           <p:cNvPr id="2" name="Title 1">
             <a:extLst>
               <a:ext uri="{FF2B5EF4-FFF2-40B4-BE49-F238E27FC236}">
-                <a16:creationId xmlns:a16="http://schemas.microsoft.com/office/drawing/2014/main" id="{6D80A9A5-3296-40DF-AB8B-E1B2FFA1A316}"/>
+                <a16:creationId xmlns:a16="http://schemas.microsoft.com/office/drawing/2014/main" id="{C2620DD5-6B1A-43CB-B791-4668932E4201}"/>
               </a:ext>
             </a:extLst>
           </p:cNvPr>
@@ -7862,14 +9379,9 @@
           <a:lstStyle/>
           <a:p>
             <a:r>
-              <a:rPr lang="nl-BE" dirty="0" err="1"/>
-              <a:t>Outliers</a:t>
-            </a:r>
-            <a:r>
-              <a:rPr lang="nl-BE" dirty="0"/>
-              <a:t>: v0.01</a:t>
-            </a:r>
-            <a:endParaRPr lang="en-US" dirty="0"/>
+              <a:rPr lang="en-US" dirty="0"/>
+              <a:t>DRME_DMST_CDE: INV</a:t>
+            </a:r>
           </a:p>
         </p:txBody>
       </p:sp>
@@ -7878,7 +9390,7 @@
           <p:cNvPr id="3" name="Content Placeholder 2">
             <a:extLst>
               <a:ext uri="{FF2B5EF4-FFF2-40B4-BE49-F238E27FC236}">
-                <a16:creationId xmlns:a16="http://schemas.microsoft.com/office/drawing/2014/main" id="{B684F9E5-F86E-4C22-A298-BAF6033EAD66}"/>
+                <a16:creationId xmlns:a16="http://schemas.microsoft.com/office/drawing/2014/main" id="{1768A2A3-456C-45BB-8086-83120EDCF5B1}"/>
               </a:ext>
             </a:extLst>
           </p:cNvPr>
@@ -7896,51 +9408,163 @@
           <a:p>
             <a:r>
               <a:rPr lang="en-US" dirty="0">
-                <a:hlinkClick r:id="rId2"/>
+                <a:hlinkClick r:id="rId3"/>
               </a:rPr>
               <a:t>Validation</a:t>
             </a:r>
             <a:endParaRPr lang="en-US" dirty="0"/>
           </a:p>
-          <a:p>
-            <a:endParaRPr lang="en-US" dirty="0"/>
-          </a:p>
         </p:txBody>
       </p:sp>
       <p:pic>
         <p:nvPicPr>
-          <p:cNvPr id="4" name="Picture 3">
-            <a:extLst>
-              <a:ext uri="{FF2B5EF4-FFF2-40B4-BE49-F238E27FC236}">
-                <a16:creationId xmlns:a16="http://schemas.microsoft.com/office/drawing/2014/main" id="{18FD51C2-EAC5-49B2-B1FB-DE044D16F29B}"/>
+          <p:cNvPr id="2050" name="Picture 2" descr="https://user-images.githubusercontent.com/4161918/58823442-fb5dd800-8639-11e9-9999-cd2b6443af9f.png">
+            <a:extLst>
+              <a:ext uri="{FF2B5EF4-FFF2-40B4-BE49-F238E27FC236}">
+                <a16:creationId xmlns:a16="http://schemas.microsoft.com/office/drawing/2014/main" id="{598CFAA8-FE9B-45E0-96A3-88A3233E0EDD}"/>
               </a:ext>
             </a:extLst>
           </p:cNvPr>
           <p:cNvPicPr>
-            <a:picLocks noChangeAspect="1"/>
+            <a:picLocks noChangeAspect="1" noChangeArrowheads="1"/>
           </p:cNvPicPr>
           <p:nvPr/>
         </p:nvPicPr>
         <p:blipFill>
-          <a:blip r:embed="rId3"/>
+          <a:blip r:embed="rId4">
+            <a:extLst>
+              <a:ext uri="{28A0092B-C50C-407E-A947-70E740481C1C}">
+                <a14:useLocalDpi xmlns:a14="http://schemas.microsoft.com/office/drawing/2010/main" val="0"/>
+              </a:ext>
+            </a:extLst>
+          </a:blip>
+          <a:srcRect/>
           <a:stretch>
             <a:fillRect/>
           </a:stretch>
         </p:blipFill>
-        <p:spPr>
+        <p:spPr bwMode="auto">
           <a:xfrm>
-            <a:off x="2136000" y="2531485"/>
-            <a:ext cx="7920000" cy="3961390"/>
+            <a:off x="2133936" y="2532875"/>
+            <a:ext cx="7924127" cy="3960000"/>
           </a:xfrm>
           <a:prstGeom prst="rect">
             <a:avLst/>
           </a:prstGeom>
+          <a:noFill/>
+          <a:extLst>
+            <a:ext uri="{909E8E84-426E-40DD-AFC4-6F175D3DCCD1}">
+              <a14:hiddenFill xmlns:a14="http://schemas.microsoft.com/office/drawing/2010/main">
+                <a:solidFill>
+                  <a:srgbClr val="FFFFFF"/>
+                </a:solidFill>
+              </a14:hiddenFill>
+            </a:ext>
+          </a:extLst>
         </p:spPr>
       </p:pic>
+      <p:sp>
+        <p:nvSpPr>
+          <p:cNvPr id="5" name="Speech Bubble: Rectangle 4">
+            <a:extLst>
+              <a:ext uri="{FF2B5EF4-FFF2-40B4-BE49-F238E27FC236}">
+                <a16:creationId xmlns:a16="http://schemas.microsoft.com/office/drawing/2014/main" id="{405A72B2-6FA0-4AFC-B699-AF52F850E90D}"/>
+              </a:ext>
+            </a:extLst>
+          </p:cNvPr>
+          <p:cNvSpPr/>
+          <p:nvPr/>
+        </p:nvSpPr>
+        <p:spPr>
+          <a:xfrm>
+            <a:off x="5044611" y="1825625"/>
+            <a:ext cx="2424701" cy="938123"/>
+          </a:xfrm>
+          <a:prstGeom prst="wedgeRectCallout">
+            <a:avLst>
+              <a:gd name="adj1" fmla="val -41596"/>
+              <a:gd name="adj2" fmla="val 139163"/>
+            </a:avLst>
+          </a:prstGeom>
+        </p:spPr>
+        <p:style>
+          <a:lnRef idx="2">
+            <a:schemeClr val="accent1">
+              <a:shade val="50000"/>
+            </a:schemeClr>
+          </a:lnRef>
+          <a:fillRef idx="1">
+            <a:schemeClr val="accent1"/>
+          </a:fillRef>
+          <a:effectRef idx="0">
+            <a:schemeClr val="accent1"/>
+          </a:effectRef>
+          <a:fontRef idx="minor">
+            <a:schemeClr val="lt1"/>
+          </a:fontRef>
+        </p:style>
+        <p:txBody>
+          <a:bodyPr rtlCol="0" anchor="ctr"/>
+          <a:lstStyle/>
+          <a:p>
+            <a:pPr algn="ctr"/>
+            <a:r>
+              <a:rPr lang="en-US" dirty="0"/>
+              <a:t>No Timestamp</a:t>
+            </a:r>
+            <a:br>
+              <a:rPr lang="en-US" dirty="0"/>
+            </a:br>
+            <a:r>
+              <a:rPr lang="en-US" dirty="0"/>
+              <a:t>(Inconsistent)</a:t>
+            </a:r>
+          </a:p>
+        </p:txBody>
+      </p:sp>
+      <p:sp>
+        <p:nvSpPr>
+          <p:cNvPr id="7" name="TextBox 6">
+            <a:extLst>
+              <a:ext uri="{FF2B5EF4-FFF2-40B4-BE49-F238E27FC236}">
+                <a16:creationId xmlns:a16="http://schemas.microsoft.com/office/drawing/2014/main" id="{6EE010AC-705B-4B3B-9C48-E48986928467}"/>
+              </a:ext>
+            </a:extLst>
+          </p:cNvPr>
+          <p:cNvSpPr txBox="1"/>
+          <p:nvPr/>
+        </p:nvSpPr>
+        <p:spPr>
+          <a:xfrm>
+            <a:off x="3461533" y="6311900"/>
+            <a:ext cx="5590855" cy="523220"/>
+          </a:xfrm>
+          <a:prstGeom prst="rect">
+            <a:avLst/>
+          </a:prstGeom>
+          <a:noFill/>
+        </p:spPr>
+        <p:txBody>
+          <a:bodyPr wrap="square" rtlCol="0">
+            <a:spAutoFit/>
+          </a:bodyPr>
+          <a:lstStyle/>
+          <a:p>
+            <a:r>
+              <a:rPr lang="en-US" sz="2800" b="1" dirty="0"/>
+              <a:t>No Timestamp</a:t>
+            </a:r>
+            <a:r>
+              <a:rPr lang="en-US" sz="2800" dirty="0"/>
+              <a:t>: Detect those too?</a:t>
+            </a:r>
+          </a:p>
+        </p:txBody>
+      </p:sp>
     </p:spTree>
     <p:extLst>
       <p:ext uri="{BB962C8B-B14F-4D97-AF65-F5344CB8AC3E}">
-        <p14:creationId xmlns:p14="http://schemas.microsoft.com/office/powerpoint/2010/main" val="1447941381"/>
+        <p14:creationId xmlns:p14="http://schemas.microsoft.com/office/powerpoint/2010/main" val="1451998860"/>
       </p:ext>
     </p:extLst>
   </p:cSld>
@@ -7969,10 +9593,10 @@
       </p:grpSpPr>
       <p:sp>
         <p:nvSpPr>
-          <p:cNvPr id="2" name="Title 1">
-            <a:extLst>
-              <a:ext uri="{FF2B5EF4-FFF2-40B4-BE49-F238E27FC236}">
-                <a16:creationId xmlns:a16="http://schemas.microsoft.com/office/drawing/2014/main" id="{6D80A9A5-3296-40DF-AB8B-E1B2FFA1A316}"/>
+          <p:cNvPr id="4" name="Title 3">
+            <a:extLst>
+              <a:ext uri="{FF2B5EF4-FFF2-40B4-BE49-F238E27FC236}">
+                <a16:creationId xmlns:a16="http://schemas.microsoft.com/office/drawing/2014/main" id="{0ABA15CC-0341-43E7-90FB-0A22D5CFC77D}"/>
               </a:ext>
             </a:extLst>
           </p:cNvPr>
@@ -7994,7 +9618,11 @@
             </a:r>
             <a:r>
               <a:rPr lang="nl-BE" dirty="0"/>
-              <a:t>: v0.01</a:t>
+              <a:t>: </a:t>
+            </a:r>
+            <a:r>
+              <a:rPr lang="nl-BE"/>
+              <a:t>v0.02 update</a:t>
             </a:r>
             <a:endParaRPr lang="en-US" dirty="0"/>
           </a:p>
@@ -8002,72 +9630,44 @@
       </p:sp>
       <p:sp>
         <p:nvSpPr>
-          <p:cNvPr id="3" name="Content Placeholder 2">
-            <a:extLst>
-              <a:ext uri="{FF2B5EF4-FFF2-40B4-BE49-F238E27FC236}">
-                <a16:creationId xmlns:a16="http://schemas.microsoft.com/office/drawing/2014/main" id="{B684F9E5-F86E-4C22-A298-BAF6033EAD66}"/>
-              </a:ext>
-            </a:extLst>
-          </p:cNvPr>
-          <p:cNvSpPr>
-            <a:spLocks noGrp="1"/>
-          </p:cNvSpPr>
-          <p:nvPr>
-            <p:ph idx="1"/>
-          </p:nvPr>
-        </p:nvSpPr>
-        <p:spPr/>
-        <p:txBody>
-          <a:bodyPr/>
-          <a:lstStyle/>
-          <a:p>
-            <a:r>
-              <a:rPr lang="en-US" dirty="0">
-                <a:hlinkClick r:id="rId2"/>
-              </a:rPr>
-              <a:t>Validation</a:t>
-            </a:r>
-            <a:endParaRPr lang="en-US" dirty="0"/>
-          </a:p>
-          <a:p>
-            <a:endParaRPr lang="en-US" dirty="0"/>
-          </a:p>
-        </p:txBody>
-      </p:sp>
-      <p:pic>
-        <p:nvPicPr>
-          <p:cNvPr id="5" name="Picture 4">
-            <a:extLst>
-              <a:ext uri="{FF2B5EF4-FFF2-40B4-BE49-F238E27FC236}">
-                <a16:creationId xmlns:a16="http://schemas.microsoft.com/office/drawing/2014/main" id="{3456FC9C-643F-4A3B-AEBA-2F9E45F01BFA}"/>
-              </a:ext>
-            </a:extLst>
-          </p:cNvPr>
-          <p:cNvPicPr>
-            <a:picLocks noChangeAspect="1"/>
-          </p:cNvPicPr>
-          <p:nvPr/>
-        </p:nvPicPr>
-        <p:blipFill>
-          <a:blip r:embed="rId3"/>
-          <a:stretch>
-            <a:fillRect/>
-          </a:stretch>
-        </p:blipFill>
-        <p:spPr>
-          <a:xfrm>
-            <a:off x="2136000" y="2531485"/>
-            <a:ext cx="7920000" cy="3961390"/>
-          </a:xfrm>
-          <a:prstGeom prst="rect">
-            <a:avLst/>
-          </a:prstGeom>
-        </p:spPr>
-      </p:pic>
+          <p:cNvPr id="5" name="Text Placeholder 4">
+            <a:extLst>
+              <a:ext uri="{FF2B5EF4-FFF2-40B4-BE49-F238E27FC236}">
+                <a16:creationId xmlns:a16="http://schemas.microsoft.com/office/drawing/2014/main" id="{CA528F7E-FCA6-4235-B85D-808106A53E05}"/>
+              </a:ext>
+            </a:extLst>
+          </p:cNvPr>
+          <p:cNvSpPr>
+            <a:spLocks noGrp="1"/>
+          </p:cNvSpPr>
+          <p:nvPr>
+            <p:ph type="body" idx="1"/>
+          </p:nvPr>
+        </p:nvSpPr>
+        <p:spPr/>
+        <p:txBody>
+          <a:bodyPr/>
+          <a:lstStyle/>
+          <a:p>
+            <a:r>
+              <a:rPr lang="en-US" dirty="0"/>
+              <a:t>Uses simple </a:t>
+            </a:r>
+            <a:r>
+              <a:rPr lang="en-US" b="1" dirty="0"/>
+              <a:t>a-priori</a:t>
+            </a:r>
+            <a:r>
+              <a:rPr lang="en-US" dirty="0"/>
+              <a:t> knowledge about air pressure, temperature, etc.</a:t>
+            </a:r>
+          </a:p>
+        </p:txBody>
+      </p:sp>
     </p:spTree>
     <p:extLst>
       <p:ext uri="{BB962C8B-B14F-4D97-AF65-F5344CB8AC3E}">
-        <p14:creationId xmlns:p14="http://schemas.microsoft.com/office/powerpoint/2010/main" val="1390137755"/>
+        <p14:creationId xmlns:p14="http://schemas.microsoft.com/office/powerpoint/2010/main" val="998652275"/>
       </p:ext>
     </p:extLst>
   </p:cSld>
@@ -8126,7 +9726,11 @@
             </a:r>
             <a:r>
               <a:rPr lang="nl-BE" dirty="0"/>
-              <a:t>: v0.01</a:t>
+              <a:t>: </a:t>
+            </a:r>
+            <a:r>
+              <a:rPr lang="nl-BE"/>
+              <a:t>v0.02 update</a:t>
             </a:r>
             <a:endParaRPr lang="en-US" dirty="0"/>
           </a:p>
@@ -8159,12 +9763,12 @@
           <a:lstStyle/>
           <a:p>
             <a:r>
-              <a:rPr lang="en-US">
-                <a:hlinkClick r:id="rId2"/>
+              <a:rPr lang="en-US" dirty="0">
+                <a:hlinkClick r:id="rId3"/>
               </a:rPr>
               <a:t>Validation</a:t>
             </a:r>
-            <a:endParaRPr lang="en-US"/>
+            <a:endParaRPr lang="en-US" dirty="0"/>
           </a:p>
           <a:p>
             <a:endParaRPr lang="en-US" dirty="0"/>
@@ -8176,7 +9780,7 @@
           <p:cNvPr id="4" name="Picture 3">
             <a:extLst>
               <a:ext uri="{FF2B5EF4-FFF2-40B4-BE49-F238E27FC236}">
-                <a16:creationId xmlns:a16="http://schemas.microsoft.com/office/drawing/2014/main" id="{283D7C59-4A48-4FE7-AC6F-F14FA713ADFE}"/>
+                <a16:creationId xmlns:a16="http://schemas.microsoft.com/office/drawing/2014/main" id="{96C7B94B-AD3E-4E53-8A09-B79A3EF4E2AA}"/>
               </a:ext>
             </a:extLst>
           </p:cNvPr>
@@ -8186,15 +9790,45 @@
           <p:nvPr/>
         </p:nvPicPr>
         <p:blipFill>
-          <a:blip r:embed="rId3"/>
+          <a:blip r:embed="rId4"/>
           <a:stretch>
             <a:fillRect/>
           </a:stretch>
         </p:blipFill>
         <p:spPr>
           <a:xfrm>
-            <a:off x="2136000" y="2531485"/>
-            <a:ext cx="7920000" cy="3961390"/>
+            <a:off x="6542022" y="2436948"/>
+            <a:ext cx="5040000" cy="4421052"/>
+          </a:xfrm>
+          <a:prstGeom prst="rect">
+            <a:avLst/>
+          </a:prstGeom>
+        </p:spPr>
+      </p:pic>
+      <p:pic>
+        <p:nvPicPr>
+          <p:cNvPr id="7" name="Picture 6">
+            <a:extLst>
+              <a:ext uri="{FF2B5EF4-FFF2-40B4-BE49-F238E27FC236}">
+                <a16:creationId xmlns:a16="http://schemas.microsoft.com/office/drawing/2014/main" id="{D5443115-89B2-43AE-8A8A-C41E2443C31F}"/>
+              </a:ext>
+            </a:extLst>
+          </p:cNvPr>
+          <p:cNvPicPr>
+            <a:picLocks noChangeAspect="1"/>
+          </p:cNvPicPr>
+          <p:nvPr/>
+        </p:nvPicPr>
+        <p:blipFill>
+          <a:blip r:embed="rId5"/>
+          <a:stretch>
+            <a:fillRect/>
+          </a:stretch>
+        </p:blipFill>
+        <p:spPr>
+          <a:xfrm>
+            <a:off x="1170111" y="2436948"/>
+            <a:ext cx="5040000" cy="4421052"/>
           </a:xfrm>
           <a:prstGeom prst="rect">
             <a:avLst/>
@@ -8204,7 +9838,7 @@
     </p:spTree>
     <p:extLst>
       <p:ext uri="{BB962C8B-B14F-4D97-AF65-F5344CB8AC3E}">
-        <p14:creationId xmlns:p14="http://schemas.microsoft.com/office/powerpoint/2010/main" val="1050747877"/>
+        <p14:creationId xmlns:p14="http://schemas.microsoft.com/office/powerpoint/2010/main" val="2196440616"/>
       </p:ext>
     </p:extLst>
   </p:cSld>
